--- a/实习答辩PPT模板-2020.pptx
+++ b/实习答辩PPT模板-2020.pptx
@@ -296,38 +296,37 @@
           <a:p>
             <a:pPr lvl="0"/>
             <a:r>
-              <a:rPr lang="zh-CN" altLang="en-US" smtClean="0"/>
+              <a:rPr lang="zh-CN" altLang="en-US"/>
               <a:t>单击此处编辑母版文本样式</a:t>
             </a:r>
           </a:p>
           <a:p>
             <a:pPr lvl="1"/>
             <a:r>
-              <a:rPr lang="zh-CN" altLang="en-US" smtClean="0"/>
+              <a:rPr lang="zh-CN" altLang="en-US"/>
               <a:t>第二级</a:t>
             </a:r>
           </a:p>
           <a:p>
             <a:pPr lvl="2"/>
             <a:r>
-              <a:rPr lang="zh-CN" altLang="en-US" smtClean="0"/>
+              <a:rPr lang="zh-CN" altLang="en-US"/>
               <a:t>第三级</a:t>
             </a:r>
           </a:p>
           <a:p>
             <a:pPr lvl="3"/>
             <a:r>
-              <a:rPr lang="zh-CN" altLang="en-US" smtClean="0"/>
+              <a:rPr lang="zh-CN" altLang="en-US"/>
               <a:t>第四级</a:t>
             </a:r>
           </a:p>
           <a:p>
             <a:pPr lvl="4"/>
             <a:r>
-              <a:rPr lang="zh-CN" altLang="en-US" smtClean="0"/>
+              <a:rPr lang="zh-CN" altLang="en-US"/>
               <a:t>第五级</a:t>
             </a:r>
-            <a:endParaRPr lang="zh-CN" altLang="en-US"/>
           </a:p>
         </p:txBody>
       </p:sp>
@@ -714,7 +713,10 @@
           <a:bodyPr/>
           <a:lstStyle/>
           <a:p>
-            <a:endParaRPr lang="zh-CN" altLang="en-US" dirty="0"/>
+            <a:r>
+              <a:rPr lang="zh-CN" altLang="en-US" dirty="0"/>
+              <a:t>感恩：徐月华 刘梁梁</a:t>
+            </a:r>
           </a:p>
         </p:txBody>
       </p:sp>
@@ -974,7 +976,185 @@
           <a:bodyPr/>
           <a:lstStyle/>
           <a:p>
-            <a:endParaRPr lang="zh-CN" altLang="en-US" dirty="0"/>
+            <a:r>
+              <a:rPr lang="zh-CN" altLang="en-US" dirty="0"/>
+              <a:t>姓名：黄文韬 年龄：</a:t>
+            </a:r>
+            <a:r>
+              <a:rPr lang="en-US" altLang="zh-CN" dirty="0"/>
+              <a:t>21 </a:t>
+            </a:r>
+            <a:r>
+              <a:rPr lang="zh-CN" altLang="en-US" dirty="0"/>
+              <a:t>在读学校：怀化学院 专业：计算机科学与技术</a:t>
+            </a:r>
+            <a:endParaRPr lang="en-US" altLang="zh-CN" dirty="0"/>
+          </a:p>
+          <a:p>
+            <a:r>
+              <a:rPr lang="zh-CN" altLang="en-US" dirty="0"/>
+              <a:t>掌握能力：</a:t>
+            </a:r>
+            <a:r>
+              <a:rPr lang="en-US" altLang="zh-CN" dirty="0"/>
+              <a:t>@</a:t>
+            </a:r>
+            <a:r>
+              <a:rPr lang="zh-CN" altLang="en-US" dirty="0"/>
+              <a:t>后台：</a:t>
+            </a:r>
+            <a:r>
+              <a:rPr lang="en-US" altLang="zh-CN" dirty="0"/>
+              <a:t>spring</a:t>
+            </a:r>
+            <a:r>
+              <a:rPr lang="zh-CN" altLang="en-US" dirty="0"/>
+              <a:t>，</a:t>
+            </a:r>
+            <a:r>
+              <a:rPr lang="en-US" altLang="zh-CN" dirty="0" err="1"/>
+              <a:t>springmvc</a:t>
+            </a:r>
+            <a:r>
+              <a:rPr lang="zh-CN" altLang="en-US" dirty="0"/>
+              <a:t>，</a:t>
+            </a:r>
+            <a:r>
+              <a:rPr lang="en-US" altLang="zh-CN" dirty="0" err="1"/>
+              <a:t>mybatis</a:t>
+            </a:r>
+            <a:r>
+              <a:rPr lang="zh-CN" altLang="en-US" dirty="0"/>
+              <a:t>，</a:t>
+            </a:r>
+            <a:r>
+              <a:rPr lang="en-US" altLang="zh-CN" dirty="0" err="1"/>
+              <a:t>springboot</a:t>
+            </a:r>
+            <a:r>
+              <a:rPr lang="en-US" altLang="zh-CN" dirty="0"/>
+              <a:t> </a:t>
+            </a:r>
+            <a:r>
+              <a:rPr lang="zh-CN" altLang="en-US" dirty="0"/>
+              <a:t>， </a:t>
+            </a:r>
+            <a:r>
+              <a:rPr lang="en-US" altLang="zh-CN" dirty="0" err="1"/>
+              <a:t>springcloud</a:t>
+            </a:r>
+            <a:r>
+              <a:rPr lang="zh-CN" altLang="en-US" dirty="0"/>
+              <a:t>，</a:t>
+            </a:r>
+            <a:r>
+              <a:rPr lang="en-US" altLang="zh-CN" dirty="0" err="1"/>
+              <a:t>springboot</a:t>
+            </a:r>
+            <a:r>
+              <a:rPr lang="en-US" altLang="zh-CN" dirty="0"/>
+              <a:t> </a:t>
+            </a:r>
+            <a:r>
+              <a:rPr lang="en-US" altLang="zh-CN" dirty="0" err="1"/>
+              <a:t>jpa</a:t>
+            </a:r>
+            <a:r>
+              <a:rPr lang="zh-CN" altLang="en-US" dirty="0"/>
+              <a:t> 。</a:t>
+            </a:r>
+            <a:endParaRPr lang="en-US" altLang="zh-CN" dirty="0"/>
+          </a:p>
+          <a:p>
+            <a:r>
+              <a:rPr lang="en-US" altLang="zh-CN" dirty="0"/>
+              <a:t>                 @</a:t>
+            </a:r>
+            <a:r>
+              <a:rPr lang="zh-CN" altLang="en-US" dirty="0"/>
+              <a:t>前端：了解</a:t>
+            </a:r>
+            <a:r>
+              <a:rPr lang="en-US" altLang="zh-CN" dirty="0"/>
+              <a:t>html5</a:t>
+            </a:r>
+            <a:r>
+              <a:rPr lang="zh-CN" altLang="en-US" dirty="0"/>
+              <a:t>，</a:t>
+            </a:r>
+            <a:r>
+              <a:rPr lang="en-US" altLang="zh-CN" dirty="0"/>
+              <a:t>css3</a:t>
+            </a:r>
+            <a:r>
+              <a:rPr lang="zh-CN" altLang="en-US" dirty="0"/>
+              <a:t>，</a:t>
+            </a:r>
+            <a:r>
+              <a:rPr lang="en-US" altLang="zh-CN" dirty="0" err="1"/>
+              <a:t>javaScript</a:t>
+            </a:r>
+            <a:r>
+              <a:rPr lang="zh-CN" altLang="en-US" dirty="0"/>
+              <a:t>，</a:t>
+            </a:r>
+            <a:r>
+              <a:rPr lang="en-US" altLang="zh-CN" dirty="0" err="1"/>
+              <a:t>jqury</a:t>
+            </a:r>
+            <a:r>
+              <a:rPr lang="en-US" altLang="zh-CN" dirty="0"/>
+              <a:t> ,</a:t>
+            </a:r>
+            <a:r>
+              <a:rPr lang="en-US" altLang="zh-CN" dirty="0" err="1"/>
+              <a:t>Ajax,vue</a:t>
+            </a:r>
+            <a:endParaRPr lang="en-US" altLang="zh-CN" dirty="0"/>
+          </a:p>
+          <a:p>
+            <a:r>
+              <a:rPr lang="en-US" altLang="zh-CN" dirty="0"/>
+              <a:t>                 @</a:t>
+            </a:r>
+            <a:r>
+              <a:rPr lang="zh-CN" altLang="en-US" dirty="0"/>
+              <a:t>数据库：</a:t>
+            </a:r>
+            <a:r>
+              <a:rPr lang="en-US" altLang="zh-CN" dirty="0" err="1"/>
+              <a:t>mysql</a:t>
+            </a:r>
+            <a:r>
+              <a:rPr lang="zh-CN" altLang="en-US" dirty="0"/>
+              <a:t>和</a:t>
+            </a:r>
+            <a:r>
+              <a:rPr lang="en-US" altLang="zh-CN" dirty="0"/>
+              <a:t>oracle</a:t>
+            </a:r>
+          </a:p>
+          <a:p>
+            <a:r>
+              <a:rPr lang="zh-CN" altLang="en-US" dirty="0"/>
+              <a:t>实习岗位：</a:t>
+            </a:r>
+            <a:r>
+              <a:rPr lang="en-US" altLang="zh-CN" dirty="0"/>
+              <a:t>java</a:t>
+            </a:r>
+            <a:r>
+              <a:rPr lang="zh-CN" altLang="en-US" dirty="0"/>
+              <a:t>开发工程师（实习）</a:t>
+            </a:r>
+            <a:endParaRPr lang="en-US" altLang="zh-CN" dirty="0"/>
+          </a:p>
+          <a:p>
+            <a:r>
+              <a:rPr lang="zh-CN" altLang="en-US" dirty="0"/>
+              <a:t>带教导师：徐月华，刘梁梁</a:t>
+            </a:r>
+            <a:endParaRPr lang="en-US" altLang="zh-CN" dirty="0"/>
           </a:p>
         </p:txBody>
       </p:sp>
@@ -1143,7 +1323,115 @@
           <a:bodyPr/>
           <a:lstStyle/>
           <a:p>
-            <a:endParaRPr lang="zh-CN" altLang="en-US" dirty="0"/>
+            <a:r>
+              <a:rPr lang="zh-CN" altLang="en-US" dirty="0"/>
+              <a:t>实习开始时间：</a:t>
+            </a:r>
+            <a:r>
+              <a:rPr lang="en-US" altLang="zh-CN" dirty="0"/>
+              <a:t>2020</a:t>
+            </a:r>
+            <a:r>
+              <a:rPr lang="zh-CN" altLang="en-US" dirty="0"/>
+              <a:t>年</a:t>
+            </a:r>
+            <a:r>
+              <a:rPr lang="en-US" altLang="zh-CN" dirty="0"/>
+              <a:t>8</a:t>
+            </a:r>
+            <a:r>
+              <a:rPr lang="zh-CN" altLang="en-US" dirty="0"/>
+              <a:t>月</a:t>
+            </a:r>
+            <a:r>
+              <a:rPr lang="en-US" altLang="zh-CN" dirty="0"/>
+              <a:t>17</a:t>
+            </a:r>
+            <a:r>
+              <a:rPr lang="zh-CN" altLang="en-US" dirty="0"/>
+              <a:t>号</a:t>
+            </a:r>
+            <a:endParaRPr lang="en-US" altLang="zh-CN" dirty="0"/>
+          </a:p>
+          <a:p>
+            <a:r>
+              <a:rPr lang="zh-CN" altLang="en-US" dirty="0"/>
+              <a:t>岗位认知：</a:t>
+            </a:r>
+            <a:r>
+              <a:rPr lang="en-US" altLang="zh-CN" dirty="0"/>
+              <a:t>Java</a:t>
+            </a:r>
+            <a:r>
+              <a:rPr lang="zh-CN" altLang="en-US" dirty="0"/>
+              <a:t>开发工程师主要编写一个项目的逻辑部分，涉及到。。。。。。。</a:t>
+            </a:r>
+            <a:endParaRPr lang="en-US" altLang="zh-CN" dirty="0"/>
+          </a:p>
+          <a:p>
+            <a:r>
+              <a:rPr lang="zh-CN" altLang="en-US" dirty="0"/>
+              <a:t>主要的实习工作内容：完成导师和产品提出来的需求。</a:t>
+            </a:r>
+            <a:endParaRPr lang="en-US" altLang="zh-CN" dirty="0"/>
+          </a:p>
+          <a:p>
+            <a:r>
+              <a:rPr lang="zh-CN" altLang="en-US" dirty="0"/>
+              <a:t>重点事件：。。。。。</a:t>
+            </a:r>
+            <a:endParaRPr lang="en-US" altLang="zh-CN" dirty="0"/>
+          </a:p>
+          <a:p>
+            <a:r>
+              <a:rPr lang="zh-CN" altLang="en-US" dirty="0"/>
+              <a:t>收获得</a:t>
+            </a:r>
+            <a:r>
+              <a:rPr lang="en-US" altLang="zh-CN" dirty="0"/>
+              <a:t>: </a:t>
+            </a:r>
+            <a:r>
+              <a:rPr lang="zh-CN" altLang="en-US" dirty="0"/>
+              <a:t>企业开发项目的流程，</a:t>
+            </a:r>
+            <a:r>
+              <a:rPr lang="en-US" altLang="zh-CN" dirty="0"/>
+              <a:t>java</a:t>
+            </a:r>
+            <a:r>
+              <a:rPr lang="zh-CN" altLang="en-US" dirty="0"/>
+              <a:t>开发的规范，</a:t>
+            </a:r>
+            <a:endParaRPr lang="en-US" altLang="zh-CN" dirty="0"/>
+          </a:p>
+          <a:p>
+            <a:r>
+              <a:rPr lang="zh-CN" altLang="en-US" dirty="0"/>
+              <a:t>可以提升的部分：接口的规范性，代码的简洁性。</a:t>
+            </a:r>
+            <a:endParaRPr lang="en-US" altLang="zh-CN" dirty="0"/>
+          </a:p>
+          <a:p>
+            <a:r>
+              <a:rPr lang="zh-CN" altLang="en-US" dirty="0"/>
+              <a:t>创新点：。。。。。</a:t>
+            </a:r>
+            <a:endParaRPr lang="en-US" altLang="zh-CN" dirty="0"/>
+          </a:p>
+          <a:p>
+            <a:r>
+              <a:rPr lang="zh-CN" altLang="en-US" dirty="0"/>
+              <a:t>打</a:t>
+            </a:r>
+            <a:r>
+              <a:rPr lang="en-US" altLang="zh-CN" dirty="0"/>
+              <a:t>7</a:t>
+            </a:r>
+            <a:r>
+              <a:rPr lang="zh-CN" altLang="en-US" dirty="0"/>
+              <a:t>分：刚开始的迷茫期，整天发呆不知道干什么。代码规范问题。对于公司业务了解太晚。</a:t>
+            </a:r>
           </a:p>
         </p:txBody>
       </p:sp>
@@ -1481,7 +1769,14 @@
           <a:bodyPr/>
           <a:lstStyle/>
           <a:p>
-            <a:endParaRPr lang="zh-CN" altLang="en-US" dirty="0"/>
+            <a:r>
+              <a:rPr lang="en-US" altLang="zh-CN" dirty="0"/>
+              <a:t> </a:t>
+            </a:r>
+            <a:r>
+              <a:rPr lang="zh-CN" altLang="en-US" dirty="0"/>
+              <a:t>我想说三年的规划</a:t>
+            </a:r>
           </a:p>
         </p:txBody>
       </p:sp>
@@ -1560,10 +1855,9 @@
           <a:lstStyle/>
           <a:p>
             <a:r>
-              <a:rPr lang="zh-CN" altLang="en-US" smtClean="0"/>
+              <a:rPr lang="zh-CN" altLang="en-US"/>
               <a:t>单击此处编辑母版标题样式</a:t>
             </a:r>
-            <a:endParaRPr lang="zh-CN" altLang="en-US"/>
           </a:p>
         </p:txBody>
       </p:sp>
@@ -1679,10 +1973,9 @@
           </a:lstStyle>
           <a:p>
             <a:r>
-              <a:rPr lang="zh-CN" altLang="en-US" smtClean="0"/>
+              <a:rPr lang="zh-CN" altLang="en-US"/>
               <a:t>单击此处编辑母版副标题样式</a:t>
             </a:r>
-            <a:endParaRPr lang="zh-CN" altLang="en-US"/>
           </a:p>
         </p:txBody>
       </p:sp>
@@ -1799,10 +2092,9 @@
           <a:lstStyle/>
           <a:p>
             <a:r>
-              <a:rPr lang="zh-CN" altLang="en-US" smtClean="0"/>
+              <a:rPr lang="zh-CN" altLang="en-US"/>
               <a:t>单击此处编辑母版标题样式</a:t>
             </a:r>
-            <a:endParaRPr lang="zh-CN" altLang="en-US"/>
           </a:p>
         </p:txBody>
       </p:sp>
@@ -1823,38 +2115,37 @@
           <a:p>
             <a:pPr lvl="0"/>
             <a:r>
-              <a:rPr lang="zh-CN" altLang="en-US" smtClean="0"/>
+              <a:rPr lang="zh-CN" altLang="en-US"/>
               <a:t>单击此处编辑母版文本样式</a:t>
             </a:r>
           </a:p>
           <a:p>
             <a:pPr lvl="1"/>
             <a:r>
-              <a:rPr lang="zh-CN" altLang="en-US" smtClean="0"/>
+              <a:rPr lang="zh-CN" altLang="en-US"/>
               <a:t>第二级</a:t>
             </a:r>
           </a:p>
           <a:p>
             <a:pPr lvl="2"/>
             <a:r>
-              <a:rPr lang="zh-CN" altLang="en-US" smtClean="0"/>
+              <a:rPr lang="zh-CN" altLang="en-US"/>
               <a:t>第三级</a:t>
             </a:r>
           </a:p>
           <a:p>
             <a:pPr lvl="3"/>
             <a:r>
-              <a:rPr lang="zh-CN" altLang="en-US" smtClean="0"/>
+              <a:rPr lang="zh-CN" altLang="en-US"/>
               <a:t>第四级</a:t>
             </a:r>
           </a:p>
           <a:p>
             <a:pPr lvl="4"/>
             <a:r>
-              <a:rPr lang="zh-CN" altLang="en-US" smtClean="0"/>
+              <a:rPr lang="zh-CN" altLang="en-US"/>
               <a:t>第五级</a:t>
             </a:r>
-            <a:endParaRPr lang="zh-CN" altLang="en-US"/>
           </a:p>
         </p:txBody>
       </p:sp>
@@ -1976,10 +2267,9 @@
           <a:lstStyle/>
           <a:p>
             <a:r>
-              <a:rPr lang="zh-CN" altLang="en-US" smtClean="0"/>
+              <a:rPr lang="zh-CN" altLang="en-US"/>
               <a:t>单击此处编辑母版标题样式</a:t>
             </a:r>
-            <a:endParaRPr lang="zh-CN" altLang="en-US"/>
           </a:p>
         </p:txBody>
       </p:sp>
@@ -2005,38 +2295,37 @@
           <a:p>
             <a:pPr lvl="0"/>
             <a:r>
-              <a:rPr lang="zh-CN" altLang="en-US" smtClean="0"/>
+              <a:rPr lang="zh-CN" altLang="en-US"/>
               <a:t>单击此处编辑母版文本样式</a:t>
             </a:r>
           </a:p>
           <a:p>
             <a:pPr lvl="1"/>
             <a:r>
-              <a:rPr lang="zh-CN" altLang="en-US" smtClean="0"/>
+              <a:rPr lang="zh-CN" altLang="en-US"/>
               <a:t>第二级</a:t>
             </a:r>
           </a:p>
           <a:p>
             <a:pPr lvl="2"/>
             <a:r>
-              <a:rPr lang="zh-CN" altLang="en-US" smtClean="0"/>
+              <a:rPr lang="zh-CN" altLang="en-US"/>
               <a:t>第三级</a:t>
             </a:r>
           </a:p>
           <a:p>
             <a:pPr lvl="3"/>
             <a:r>
-              <a:rPr lang="zh-CN" altLang="en-US" smtClean="0"/>
+              <a:rPr lang="zh-CN" altLang="en-US"/>
               <a:t>第四级</a:t>
             </a:r>
           </a:p>
           <a:p>
             <a:pPr lvl="4"/>
             <a:r>
-              <a:rPr lang="zh-CN" altLang="en-US" smtClean="0"/>
+              <a:rPr lang="zh-CN" altLang="en-US"/>
               <a:t>第五级</a:t>
             </a:r>
-            <a:endParaRPr lang="zh-CN" altLang="en-US"/>
           </a:p>
         </p:txBody>
       </p:sp>
@@ -2153,10 +2442,9 @@
           <a:lstStyle/>
           <a:p>
             <a:r>
-              <a:rPr lang="zh-CN" altLang="en-US" smtClean="0"/>
+              <a:rPr lang="zh-CN" altLang="en-US"/>
               <a:t>单击此处编辑母版标题样式</a:t>
             </a:r>
-            <a:endParaRPr lang="zh-CN" altLang="en-US"/>
           </a:p>
         </p:txBody>
       </p:sp>
@@ -2177,38 +2465,37 @@
           <a:p>
             <a:pPr lvl="0"/>
             <a:r>
-              <a:rPr lang="zh-CN" altLang="en-US" smtClean="0"/>
+              <a:rPr lang="zh-CN" altLang="en-US"/>
               <a:t>单击此处编辑母版文本样式</a:t>
             </a:r>
           </a:p>
           <a:p>
             <a:pPr lvl="1"/>
             <a:r>
-              <a:rPr lang="zh-CN" altLang="en-US" smtClean="0"/>
+              <a:rPr lang="zh-CN" altLang="en-US"/>
               <a:t>第二级</a:t>
             </a:r>
           </a:p>
           <a:p>
             <a:pPr lvl="2"/>
             <a:r>
-              <a:rPr lang="zh-CN" altLang="en-US" smtClean="0"/>
+              <a:rPr lang="zh-CN" altLang="en-US"/>
               <a:t>第三级</a:t>
             </a:r>
           </a:p>
           <a:p>
             <a:pPr lvl="3"/>
             <a:r>
-              <a:rPr lang="zh-CN" altLang="en-US" smtClean="0"/>
+              <a:rPr lang="zh-CN" altLang="en-US"/>
               <a:t>第四级</a:t>
             </a:r>
           </a:p>
           <a:p>
             <a:pPr lvl="4"/>
             <a:r>
-              <a:rPr lang="zh-CN" altLang="en-US" smtClean="0"/>
+              <a:rPr lang="zh-CN" altLang="en-US"/>
               <a:t>第五级</a:t>
             </a:r>
-            <a:endParaRPr lang="zh-CN" altLang="en-US"/>
           </a:p>
         </p:txBody>
       </p:sp>
@@ -2334,10 +2621,9 @@
           </a:lstStyle>
           <a:p>
             <a:r>
-              <a:rPr lang="zh-CN" altLang="en-US" smtClean="0"/>
+              <a:rPr lang="zh-CN" altLang="en-US"/>
               <a:t>单击此处编辑母版标题样式</a:t>
             </a:r>
-            <a:endParaRPr lang="zh-CN" altLang="en-US"/>
           </a:p>
         </p:txBody>
       </p:sp>
@@ -2454,7 +2740,7 @@
           <a:p>
             <a:pPr lvl="0"/>
             <a:r>
-              <a:rPr lang="zh-CN" altLang="en-US" smtClean="0"/>
+              <a:rPr lang="zh-CN" altLang="en-US"/>
               <a:t>单击此处编辑母版文本样式</a:t>
             </a:r>
           </a:p>
@@ -2573,10 +2859,9 @@
           <a:lstStyle/>
           <a:p>
             <a:r>
-              <a:rPr lang="zh-CN" altLang="en-US" smtClean="0"/>
+              <a:rPr lang="zh-CN" altLang="en-US"/>
               <a:t>单击此处编辑母版标题样式</a:t>
             </a:r>
-            <a:endParaRPr lang="zh-CN" altLang="en-US"/>
           </a:p>
         </p:txBody>
       </p:sp>
@@ -2630,38 +2915,37 @@
           <a:p>
             <a:pPr lvl="0"/>
             <a:r>
-              <a:rPr lang="zh-CN" altLang="en-US" smtClean="0"/>
+              <a:rPr lang="zh-CN" altLang="en-US"/>
               <a:t>单击此处编辑母版文本样式</a:t>
             </a:r>
           </a:p>
           <a:p>
             <a:pPr lvl="1"/>
             <a:r>
-              <a:rPr lang="zh-CN" altLang="en-US" smtClean="0"/>
+              <a:rPr lang="zh-CN" altLang="en-US"/>
               <a:t>第二级</a:t>
             </a:r>
           </a:p>
           <a:p>
             <a:pPr lvl="2"/>
             <a:r>
-              <a:rPr lang="zh-CN" altLang="en-US" smtClean="0"/>
+              <a:rPr lang="zh-CN" altLang="en-US"/>
               <a:t>第三级</a:t>
             </a:r>
           </a:p>
           <a:p>
             <a:pPr lvl="3"/>
             <a:r>
-              <a:rPr lang="zh-CN" altLang="en-US" smtClean="0"/>
+              <a:rPr lang="zh-CN" altLang="en-US"/>
               <a:t>第四级</a:t>
             </a:r>
           </a:p>
           <a:p>
             <a:pPr lvl="4"/>
             <a:r>
-              <a:rPr lang="zh-CN" altLang="en-US" smtClean="0"/>
+              <a:rPr lang="zh-CN" altLang="en-US"/>
               <a:t>第五级</a:t>
             </a:r>
-            <a:endParaRPr lang="zh-CN" altLang="en-US"/>
           </a:p>
         </p:txBody>
       </p:sp>
@@ -2715,38 +2999,37 @@
           <a:p>
             <a:pPr lvl="0"/>
             <a:r>
-              <a:rPr lang="zh-CN" altLang="en-US" smtClean="0"/>
+              <a:rPr lang="zh-CN" altLang="en-US"/>
               <a:t>单击此处编辑母版文本样式</a:t>
             </a:r>
           </a:p>
           <a:p>
             <a:pPr lvl="1"/>
             <a:r>
-              <a:rPr lang="zh-CN" altLang="en-US" smtClean="0"/>
+              <a:rPr lang="zh-CN" altLang="en-US"/>
               <a:t>第二级</a:t>
             </a:r>
           </a:p>
           <a:p>
             <a:pPr lvl="2"/>
             <a:r>
-              <a:rPr lang="zh-CN" altLang="en-US" smtClean="0"/>
+              <a:rPr lang="zh-CN" altLang="en-US"/>
               <a:t>第三级</a:t>
             </a:r>
           </a:p>
           <a:p>
             <a:pPr lvl="3"/>
             <a:r>
-              <a:rPr lang="zh-CN" altLang="en-US" smtClean="0"/>
+              <a:rPr lang="zh-CN" altLang="en-US"/>
               <a:t>第四级</a:t>
             </a:r>
           </a:p>
           <a:p>
             <a:pPr lvl="4"/>
             <a:r>
-              <a:rPr lang="zh-CN" altLang="en-US" smtClean="0"/>
+              <a:rPr lang="zh-CN" altLang="en-US"/>
               <a:t>第五级</a:t>
             </a:r>
-            <a:endParaRPr lang="zh-CN" altLang="en-US"/>
           </a:p>
         </p:txBody>
       </p:sp>
@@ -2872,10 +3155,9 @@
           </a:lstStyle>
           <a:p>
             <a:r>
-              <a:rPr lang="zh-CN" altLang="en-US" smtClean="0"/>
+              <a:rPr lang="zh-CN" altLang="en-US"/>
               <a:t>单击此处编辑母版标题样式</a:t>
             </a:r>
-            <a:endParaRPr lang="zh-CN" altLang="en-US"/>
           </a:p>
         </p:txBody>
       </p:sp>
@@ -2938,7 +3220,7 @@
           <a:p>
             <a:pPr lvl="0"/>
             <a:r>
-              <a:rPr lang="zh-CN" altLang="en-US" smtClean="0"/>
+              <a:rPr lang="zh-CN" altLang="en-US"/>
               <a:t>单击此处编辑母版文本样式</a:t>
             </a:r>
           </a:p>
@@ -2994,38 +3276,37 @@
           <a:p>
             <a:pPr lvl="0"/>
             <a:r>
-              <a:rPr lang="zh-CN" altLang="en-US" smtClean="0"/>
+              <a:rPr lang="zh-CN" altLang="en-US"/>
               <a:t>单击此处编辑母版文本样式</a:t>
             </a:r>
           </a:p>
           <a:p>
             <a:pPr lvl="1"/>
             <a:r>
-              <a:rPr lang="zh-CN" altLang="en-US" smtClean="0"/>
+              <a:rPr lang="zh-CN" altLang="en-US"/>
               <a:t>第二级</a:t>
             </a:r>
           </a:p>
           <a:p>
             <a:pPr lvl="2"/>
             <a:r>
-              <a:rPr lang="zh-CN" altLang="en-US" smtClean="0"/>
+              <a:rPr lang="zh-CN" altLang="en-US"/>
               <a:t>第三级</a:t>
             </a:r>
           </a:p>
           <a:p>
             <a:pPr lvl="3"/>
             <a:r>
-              <a:rPr lang="zh-CN" altLang="en-US" smtClean="0"/>
+              <a:rPr lang="zh-CN" altLang="en-US"/>
               <a:t>第四级</a:t>
             </a:r>
           </a:p>
           <a:p>
             <a:pPr lvl="4"/>
             <a:r>
-              <a:rPr lang="zh-CN" altLang="en-US" smtClean="0"/>
+              <a:rPr lang="zh-CN" altLang="en-US"/>
               <a:t>第五级</a:t>
             </a:r>
-            <a:endParaRPr lang="zh-CN" altLang="en-US"/>
           </a:p>
         </p:txBody>
       </p:sp>
@@ -3088,7 +3369,7 @@
           <a:p>
             <a:pPr lvl="0"/>
             <a:r>
-              <a:rPr lang="zh-CN" altLang="en-US" smtClean="0"/>
+              <a:rPr lang="zh-CN" altLang="en-US"/>
               <a:t>单击此处编辑母版文本样式</a:t>
             </a:r>
           </a:p>
@@ -3144,38 +3425,37 @@
           <a:p>
             <a:pPr lvl="0"/>
             <a:r>
-              <a:rPr lang="zh-CN" altLang="en-US" smtClean="0"/>
+              <a:rPr lang="zh-CN" altLang="en-US"/>
               <a:t>单击此处编辑母版文本样式</a:t>
             </a:r>
           </a:p>
           <a:p>
             <a:pPr lvl="1"/>
             <a:r>
-              <a:rPr lang="zh-CN" altLang="en-US" smtClean="0"/>
+              <a:rPr lang="zh-CN" altLang="en-US"/>
               <a:t>第二级</a:t>
             </a:r>
           </a:p>
           <a:p>
             <a:pPr lvl="2"/>
             <a:r>
-              <a:rPr lang="zh-CN" altLang="en-US" smtClean="0"/>
+              <a:rPr lang="zh-CN" altLang="en-US"/>
               <a:t>第三级</a:t>
             </a:r>
           </a:p>
           <a:p>
             <a:pPr lvl="3"/>
             <a:r>
-              <a:rPr lang="zh-CN" altLang="en-US" smtClean="0"/>
+              <a:rPr lang="zh-CN" altLang="en-US"/>
               <a:t>第四级</a:t>
             </a:r>
           </a:p>
           <a:p>
             <a:pPr lvl="4"/>
             <a:r>
-              <a:rPr lang="zh-CN" altLang="en-US" smtClean="0"/>
+              <a:rPr lang="zh-CN" altLang="en-US"/>
               <a:t>第五级</a:t>
             </a:r>
-            <a:endParaRPr lang="zh-CN" altLang="en-US"/>
           </a:p>
         </p:txBody>
       </p:sp>
@@ -3292,10 +3572,9 @@
           <a:lstStyle/>
           <a:p>
             <a:r>
-              <a:rPr lang="zh-CN" altLang="en-US" smtClean="0"/>
+              <a:rPr lang="zh-CN" altLang="en-US"/>
               <a:t>单击此处编辑母版标题样式</a:t>
             </a:r>
-            <a:endParaRPr lang="zh-CN" altLang="en-US"/>
           </a:p>
         </p:txBody>
       </p:sp>
@@ -3518,10 +3797,9 @@
           </a:lstStyle>
           <a:p>
             <a:r>
-              <a:rPr lang="zh-CN" altLang="en-US" smtClean="0"/>
+              <a:rPr lang="zh-CN" altLang="en-US"/>
               <a:t>单击此处编辑母版标题样式</a:t>
             </a:r>
-            <a:endParaRPr lang="zh-CN" altLang="en-US"/>
           </a:p>
         </p:txBody>
       </p:sp>
@@ -3575,38 +3853,37 @@
           <a:p>
             <a:pPr lvl="0"/>
             <a:r>
-              <a:rPr lang="zh-CN" altLang="en-US" smtClean="0"/>
+              <a:rPr lang="zh-CN" altLang="en-US"/>
               <a:t>单击此处编辑母版文本样式</a:t>
             </a:r>
           </a:p>
           <a:p>
             <a:pPr lvl="1"/>
             <a:r>
-              <a:rPr lang="zh-CN" altLang="en-US" smtClean="0"/>
+              <a:rPr lang="zh-CN" altLang="en-US"/>
               <a:t>第二级</a:t>
             </a:r>
           </a:p>
           <a:p>
             <a:pPr lvl="2"/>
             <a:r>
-              <a:rPr lang="zh-CN" altLang="en-US" smtClean="0"/>
+              <a:rPr lang="zh-CN" altLang="en-US"/>
               <a:t>第三级</a:t>
             </a:r>
           </a:p>
           <a:p>
             <a:pPr lvl="3"/>
             <a:r>
-              <a:rPr lang="zh-CN" altLang="en-US" smtClean="0"/>
+              <a:rPr lang="zh-CN" altLang="en-US"/>
               <a:t>第四级</a:t>
             </a:r>
           </a:p>
           <a:p>
             <a:pPr lvl="4"/>
             <a:r>
-              <a:rPr lang="zh-CN" altLang="en-US" smtClean="0"/>
+              <a:rPr lang="zh-CN" altLang="en-US"/>
               <a:t>第五级</a:t>
             </a:r>
-            <a:endParaRPr lang="zh-CN" altLang="en-US"/>
           </a:p>
         </p:txBody>
       </p:sp>
@@ -3669,7 +3946,7 @@
           <a:p>
             <a:pPr lvl="0"/>
             <a:r>
-              <a:rPr lang="zh-CN" altLang="en-US" smtClean="0"/>
+              <a:rPr lang="zh-CN" altLang="en-US"/>
               <a:t>单击此处编辑母版文本样式</a:t>
             </a:r>
           </a:p>
@@ -3797,10 +4074,9 @@
           </a:lstStyle>
           <a:p>
             <a:r>
-              <a:rPr lang="zh-CN" altLang="en-US" smtClean="0"/>
+              <a:rPr lang="zh-CN" altLang="en-US"/>
               <a:t>单击此处编辑母版标题样式</a:t>
             </a:r>
-            <a:endParaRPr lang="zh-CN" altLang="en-US"/>
           </a:p>
         </p:txBody>
       </p:sp>
@@ -3924,7 +4200,7 @@
           <a:p>
             <a:pPr lvl="0"/>
             <a:r>
-              <a:rPr lang="zh-CN" altLang="en-US" smtClean="0"/>
+              <a:rPr lang="zh-CN" altLang="en-US"/>
               <a:t>单击此处编辑母版文本样式</a:t>
             </a:r>
           </a:p>
@@ -4058,10 +4334,9 @@
           <a:lstStyle/>
           <a:p>
             <a:r>
-              <a:rPr lang="zh-CN" altLang="en-US" smtClean="0"/>
+              <a:rPr lang="zh-CN" altLang="en-US"/>
               <a:t>单击此处编辑母版标题样式</a:t>
             </a:r>
-            <a:endParaRPr lang="zh-CN" altLang="en-US"/>
           </a:p>
         </p:txBody>
       </p:sp>
@@ -4092,38 +4367,37 @@
           <a:p>
             <a:pPr lvl="0"/>
             <a:r>
-              <a:rPr lang="zh-CN" altLang="en-US" smtClean="0"/>
+              <a:rPr lang="zh-CN" altLang="en-US"/>
               <a:t>单击此处编辑母版文本样式</a:t>
             </a:r>
           </a:p>
           <a:p>
             <a:pPr lvl="1"/>
             <a:r>
-              <a:rPr lang="zh-CN" altLang="en-US" smtClean="0"/>
+              <a:rPr lang="zh-CN" altLang="en-US"/>
               <a:t>第二级</a:t>
             </a:r>
           </a:p>
           <a:p>
             <a:pPr lvl="2"/>
             <a:r>
-              <a:rPr lang="zh-CN" altLang="en-US" smtClean="0"/>
+              <a:rPr lang="zh-CN" altLang="en-US"/>
               <a:t>第三级</a:t>
             </a:r>
           </a:p>
           <a:p>
             <a:pPr lvl="3"/>
             <a:r>
-              <a:rPr lang="zh-CN" altLang="en-US" smtClean="0"/>
+              <a:rPr lang="zh-CN" altLang="en-US"/>
               <a:t>第四级</a:t>
             </a:r>
           </a:p>
           <a:p>
             <a:pPr lvl="4"/>
             <a:r>
-              <a:rPr lang="zh-CN" altLang="en-US" smtClean="0"/>
+              <a:rPr lang="zh-CN" altLang="en-US"/>
               <a:t>第五级</a:t>
             </a:r>
-            <a:endParaRPr lang="zh-CN" altLang="en-US"/>
           </a:p>
         </p:txBody>
       </p:sp>
@@ -4698,7 +4972,7 @@
           <a:lstStyle/>
           <a:p>
             <a:r>
-              <a:rPr lang="zh-CN" altLang="en-US" sz="800" b="1" i="1" dirty="0" smtClean="0">
+              <a:rPr lang="zh-CN" altLang="en-US" sz="800" b="1" i="1" dirty="0">
                 <a:solidFill>
                   <a:schemeClr val="bg1">
                     <a:lumMod val="75000"/>
@@ -4709,15 +4983,6 @@
               </a:rPr>
               <a:t>数据改变医疗</a:t>
             </a:r>
-            <a:endParaRPr lang="zh-CN" altLang="en-US" sz="800" b="1" i="1" dirty="0">
-              <a:solidFill>
-                <a:schemeClr val="bg1">
-                  <a:lumMod val="75000"/>
-                </a:schemeClr>
-              </a:solidFill>
-              <a:latin typeface="微软雅黑" panose="020B0503020204020204" pitchFamily="34" charset="-122"/>
-              <a:ea typeface="微软雅黑" panose="020B0503020204020204" pitchFamily="34" charset="-122"/>
-            </a:endParaRPr>
           </a:p>
         </p:txBody>
       </p:sp>
@@ -4786,20 +5051,10 @@
                 <a:latin typeface="微软雅黑" panose="020B0503020204020204" pitchFamily="34" charset="-122"/>
                 <a:ea typeface="微软雅黑" panose="020B0503020204020204" pitchFamily="34" charset="-122"/>
               </a:rPr>
-              <a:t>火</a:t>
-            </a:r>
-            <a:r>
-              <a:rPr lang="zh-CN" altLang="en-US" sz="3600" b="1" dirty="0" smtClean="0">
-                <a:solidFill>
-                  <a:schemeClr val="bg1"/>
-                </a:solidFill>
-                <a:latin typeface="微软雅黑" panose="020B0503020204020204" pitchFamily="34" charset="-122"/>
-                <a:ea typeface="微软雅黑" panose="020B0503020204020204" pitchFamily="34" charset="-122"/>
-              </a:rPr>
-              <a:t>树</a:t>
-            </a:r>
-            <a:r>
-              <a:rPr lang="en-US" altLang="zh-CN" sz="3600" b="1" dirty="0" smtClean="0">
+              <a:t>火树</a:t>
+            </a:r>
+            <a:r>
+              <a:rPr lang="en-US" altLang="zh-CN" sz="3600" b="1" dirty="0">
                 <a:solidFill>
                   <a:schemeClr val="bg1"/>
                 </a:solidFill>
@@ -4809,7 +5064,7 @@
               <a:t>2021</a:t>
             </a:r>
             <a:r>
-              <a:rPr lang="zh-CN" altLang="en-US" sz="3600" b="1" dirty="0" smtClean="0">
+              <a:rPr lang="zh-CN" altLang="en-US" sz="3600" b="1" dirty="0">
                 <a:solidFill>
                   <a:schemeClr val="bg1"/>
                 </a:solidFill>
@@ -4818,7 +5073,7 @@
               </a:rPr>
               <a:t>届 实习生答辩</a:t>
             </a:r>
-            <a:endParaRPr lang="en-US" altLang="zh-CN" sz="3600" b="1" dirty="0" smtClean="0">
+            <a:endParaRPr lang="en-US" altLang="zh-CN" sz="3600" b="1" dirty="0">
               <a:solidFill>
                 <a:schemeClr val="bg1"/>
               </a:solidFill>
@@ -4897,24 +5152,14 @@
           <a:lstStyle/>
           <a:p>
             <a:r>
-              <a:rPr lang="en-US" altLang="zh-CN" sz="1000" dirty="0" smtClean="0">
+              <a:rPr lang="en-US" altLang="zh-CN" sz="1000" dirty="0">
                 <a:solidFill>
                   <a:schemeClr val="bg1"/>
                 </a:solidFill>
                 <a:latin typeface="微软雅黑" panose="020B0503020204020204" pitchFamily="34" charset="-122"/>
                 <a:ea typeface="微软雅黑" panose="020B0503020204020204" pitchFamily="34" charset="-122"/>
               </a:rPr>
-              <a:t>2020 </a:t>
-            </a:r>
-            <a:r>
-              <a:rPr lang="en-US" altLang="zh-CN" sz="1000" dirty="0" smtClean="0">
-                <a:solidFill>
-                  <a:schemeClr val="bg1"/>
-                </a:solidFill>
-                <a:latin typeface="微软雅黑" panose="020B0503020204020204" pitchFamily="34" charset="-122"/>
-                <a:ea typeface="微软雅黑" panose="020B0503020204020204" pitchFamily="34" charset="-122"/>
-              </a:rPr>
-              <a:t>12</a:t>
+              <a:t>2020 12</a:t>
             </a:r>
             <a:endParaRPr lang="zh-CN" altLang="en-US" sz="1000" dirty="0">
               <a:solidFill>
@@ -4936,13 +5181,6 @@
   <p:clrMapOvr>
     <a:masterClrMapping/>
   </p:clrMapOvr>
-  <p:timing>
-    <p:tnLst>
-      <p:par>
-        <p:cTn id="1" dur="indefinite" restart="never" nodeType="tmRoot"/>
-      </p:par>
-    </p:tnLst>
-  </p:timing>
 </p:sld>
 </file>
 
@@ -4986,7 +5224,7 @@
           <a:lstStyle/>
           <a:p>
             <a:r>
-              <a:rPr lang="zh-CN" altLang="en-US" sz="800" b="1" i="1" dirty="0" smtClean="0">
+              <a:rPr lang="zh-CN" altLang="en-US" sz="800" b="1" i="1" dirty="0">
                 <a:solidFill>
                   <a:schemeClr val="bg1">
                     <a:lumMod val="75000"/>
@@ -4997,15 +5235,6 @@
               </a:rPr>
               <a:t>数据改变医疗</a:t>
             </a:r>
-            <a:endParaRPr lang="zh-CN" altLang="en-US" sz="800" b="1" i="1" dirty="0">
-              <a:solidFill>
-                <a:schemeClr val="bg1">
-                  <a:lumMod val="75000"/>
-                </a:schemeClr>
-              </a:solidFill>
-              <a:latin typeface="微软雅黑" panose="020B0503020204020204" pitchFamily="34" charset="-122"/>
-              <a:ea typeface="微软雅黑" panose="020B0503020204020204" pitchFamily="34" charset="-122"/>
-            </a:endParaRPr>
           </a:p>
         </p:txBody>
       </p:sp>
@@ -5067,7 +5296,7 @@
           <a:lstStyle/>
           <a:p>
             <a:r>
-              <a:rPr lang="zh-CN" altLang="en-US" sz="2400" b="1" dirty="0" smtClean="0">
+              <a:rPr lang="zh-CN" altLang="en-US" sz="2400" b="1" dirty="0">
                 <a:solidFill>
                   <a:schemeClr val="tx1">
                     <a:lumMod val="85000"/>
@@ -5079,16 +5308,6 @@
               </a:rPr>
               <a:t>内容页面</a:t>
             </a:r>
-            <a:endParaRPr lang="zh-CN" altLang="en-US" sz="2400" b="1" dirty="0">
-              <a:solidFill>
-                <a:schemeClr val="tx1">
-                  <a:lumMod val="85000"/>
-                  <a:lumOff val="15000"/>
-                </a:schemeClr>
-              </a:solidFill>
-              <a:latin typeface="微软雅黑" panose="020B0503020204020204" pitchFamily="34" charset="-122"/>
-              <a:ea typeface="微软雅黑" panose="020B0503020204020204" pitchFamily="34" charset="-122"/>
-            </a:endParaRPr>
           </a:p>
         </p:txBody>
       </p:sp>
@@ -5148,13 +5367,6 @@
   <p:clrMapOvr>
     <a:masterClrMapping/>
   </p:clrMapOvr>
-  <p:timing>
-    <p:tnLst>
-      <p:par>
-        <p:cTn id="1" dur="indefinite" restart="never" nodeType="tmRoot"/>
-      </p:par>
-    </p:tnLst>
-  </p:timing>
 </p:sld>
 </file>
 
@@ -5320,16 +5532,12 @@
           <a:lstStyle/>
           <a:p>
             <a:r>
-              <a:rPr lang="zh-CN" altLang="en-US" sz="3200" b="1" dirty="0" smtClean="0">
+              <a:rPr lang="zh-CN" altLang="en-US" sz="3200" b="1" dirty="0">
                 <a:latin typeface="微软雅黑" panose="020B0503020204020204" pitchFamily="34" charset="-122"/>
                 <a:ea typeface="微软雅黑" panose="020B0503020204020204" pitchFamily="34" charset="-122"/>
               </a:rPr>
               <a:t>五  自主发挥</a:t>
             </a:r>
-            <a:endParaRPr lang="zh-CN" altLang="en-US" sz="3200" b="1" dirty="0">
-              <a:latin typeface="微软雅黑" panose="020B0503020204020204" pitchFamily="34" charset="-122"/>
-              <a:ea typeface="微软雅黑" panose="020B0503020204020204" pitchFamily="34" charset="-122"/>
-            </a:endParaRPr>
           </a:p>
         </p:txBody>
       </p:sp>
@@ -5343,13 +5551,6 @@
   <p:clrMapOvr>
     <a:masterClrMapping/>
   </p:clrMapOvr>
-  <p:timing>
-    <p:tnLst>
-      <p:par>
-        <p:cTn id="1" dur="indefinite" restart="never" nodeType="tmRoot"/>
-      </p:par>
-    </p:tnLst>
-  </p:timing>
 </p:sld>
 </file>
 
@@ -5442,7 +5643,7 @@
           <a:lstStyle/>
           <a:p>
             <a:r>
-              <a:rPr lang="zh-CN" altLang="en-US" sz="4000" b="1" dirty="0" smtClean="0">
+              <a:rPr lang="zh-CN" altLang="en-US" sz="4000" b="1" dirty="0">
                 <a:solidFill>
                   <a:schemeClr val="bg1"/>
                 </a:solidFill>
@@ -5451,13 +5652,6 @@
               </a:rPr>
               <a:t>数据改变医疗</a:t>
             </a:r>
-            <a:endParaRPr lang="zh-CN" altLang="en-US" sz="4000" b="1" dirty="0">
-              <a:solidFill>
-                <a:schemeClr val="bg1"/>
-              </a:solidFill>
-              <a:latin typeface="微软雅黑" panose="020B0503020204020204" pitchFamily="34" charset="-122"/>
-              <a:ea typeface="微软雅黑" panose="020B0503020204020204" pitchFamily="34" charset="-122"/>
-            </a:endParaRPr>
           </a:p>
         </p:txBody>
       </p:sp>
@@ -5496,7 +5690,6 @@
           <a:ln>
             <a:noFill/>
           </a:ln>
-          <a:extLst/>
         </p:spPr>
       </p:pic>
       <p:sp>
@@ -5861,7 +6054,7 @@
           <a:lstStyle/>
           <a:p>
             <a:r>
-              <a:rPr lang="zh-CN" altLang="en-US" sz="800" b="1" i="1" dirty="0" smtClean="0">
+              <a:rPr lang="zh-CN" altLang="en-US" sz="800" b="1" i="1" dirty="0">
                 <a:solidFill>
                   <a:schemeClr val="bg1">
                     <a:lumMod val="75000"/>
@@ -5872,15 +6065,6 @@
               </a:rPr>
               <a:t>数据改变医疗</a:t>
             </a:r>
-            <a:endParaRPr lang="zh-CN" altLang="en-US" sz="800" b="1" i="1" dirty="0">
-              <a:solidFill>
-                <a:schemeClr val="bg1">
-                  <a:lumMod val="75000"/>
-                </a:schemeClr>
-              </a:solidFill>
-              <a:latin typeface="微软雅黑" panose="020B0503020204020204" pitchFamily="34" charset="-122"/>
-              <a:ea typeface="微软雅黑" panose="020B0503020204020204" pitchFamily="34" charset="-122"/>
-            </a:endParaRPr>
           </a:p>
         </p:txBody>
       </p:sp>
@@ -6138,13 +6322,6 @@
   <p:clrMapOvr>
     <a:masterClrMapping/>
   </p:clrMapOvr>
-  <p:timing>
-    <p:tnLst>
-      <p:par>
-        <p:cTn id="1" dur="indefinite" restart="never" nodeType="tmRoot"/>
-      </p:par>
-    </p:tnLst>
-  </p:timing>
 </p:sld>
 </file>
 
@@ -6242,7 +6419,7 @@
           <a:lstStyle/>
           <a:p>
             <a:r>
-              <a:rPr lang="zh-CN" altLang="en-US" sz="4000" b="1" dirty="0" smtClean="0">
+              <a:rPr lang="zh-CN" altLang="en-US" sz="4000" b="1" dirty="0">
                 <a:solidFill>
                   <a:schemeClr val="bg1"/>
                 </a:solidFill>
@@ -6251,13 +6428,6 @@
               </a:rPr>
               <a:t>目录</a:t>
             </a:r>
-            <a:endParaRPr lang="zh-CN" altLang="en-US" sz="4000" b="1" dirty="0">
-              <a:solidFill>
-                <a:schemeClr val="bg1"/>
-              </a:solidFill>
-              <a:latin typeface="微软雅黑" panose="020B0503020204020204" pitchFamily="34" charset="-122"/>
-              <a:ea typeface="微软雅黑" panose="020B0503020204020204" pitchFamily="34" charset="-122"/>
-            </a:endParaRPr>
           </a:p>
         </p:txBody>
       </p:sp>
@@ -6289,27 +6459,17 @@
               </a:lnSpc>
             </a:pPr>
             <a:r>
-              <a:rPr lang="zh-CN" altLang="en-US" sz="1600" dirty="0" smtClean="0">
+              <a:rPr lang="zh-CN" altLang="en-US" sz="1600" dirty="0">
                 <a:solidFill>
                   <a:schemeClr val="bg1"/>
                 </a:solidFill>
                 <a:latin typeface="微软雅黑" panose="020B0503020204020204" pitchFamily="34" charset="-122"/>
                 <a:ea typeface="微软雅黑" panose="020B0503020204020204" pitchFamily="34" charset="-122"/>
               </a:rPr>
-              <a:t>一</a:t>
-            </a:r>
-            <a:r>
-              <a:rPr lang="zh-CN" altLang="en-US" sz="1600" dirty="0" smtClean="0">
-                <a:solidFill>
-                  <a:schemeClr val="bg1"/>
-                </a:solidFill>
-                <a:latin typeface="微软雅黑" panose="020B0503020204020204" pitchFamily="34" charset="-122"/>
-                <a:ea typeface="微软雅黑" panose="020B0503020204020204" pitchFamily="34" charset="-122"/>
-              </a:rPr>
-              <a:t>、个人介绍（</a:t>
-            </a:r>
-            <a:r>
-              <a:rPr lang="en-US" altLang="zh-CN" sz="1600" dirty="0" smtClean="0">
+              <a:t>一、个人介绍（</a:t>
+            </a:r>
+            <a:r>
+              <a:rPr lang="en-US" altLang="zh-CN" sz="1600" dirty="0">
                 <a:solidFill>
                   <a:schemeClr val="bg1"/>
                 </a:solidFill>
@@ -6319,51 +6479,7 @@
               <a:t>1min</a:t>
             </a:r>
             <a:r>
-              <a:rPr lang="zh-CN" altLang="en-US" sz="1600" dirty="0" smtClean="0">
-                <a:solidFill>
-                  <a:schemeClr val="bg1"/>
-                </a:solidFill>
-                <a:latin typeface="微软雅黑" panose="020B0503020204020204" pitchFamily="34" charset="-122"/>
-                <a:ea typeface="微软雅黑" panose="020B0503020204020204" pitchFamily="34" charset="-122"/>
-              </a:rPr>
-              <a:t>）</a:t>
-            </a:r>
-            <a:endParaRPr lang="en-US" altLang="zh-CN" sz="1600" dirty="0" smtClean="0">
-              <a:solidFill>
-                <a:schemeClr val="bg1"/>
-              </a:solidFill>
-              <a:latin typeface="微软雅黑" panose="020B0503020204020204" pitchFamily="34" charset="-122"/>
-              <a:ea typeface="微软雅黑" panose="020B0503020204020204" pitchFamily="34" charset="-122"/>
-            </a:endParaRPr>
-          </a:p>
-          <a:p>
-            <a:pPr>
-              <a:lnSpc>
-                <a:spcPct val="150000"/>
-              </a:lnSpc>
-            </a:pPr>
-            <a:r>
-              <a:rPr lang="zh-CN" altLang="en-US" sz="1600" dirty="0" smtClean="0">
-                <a:solidFill>
-                  <a:schemeClr val="bg1"/>
-                </a:solidFill>
-                <a:latin typeface="微软雅黑" panose="020B0503020204020204" pitchFamily="34" charset="-122"/>
-                <a:ea typeface="微软雅黑" panose="020B0503020204020204" pitchFamily="34" charset="-122"/>
-              </a:rPr>
-              <a:t>二、工作复盘（</a:t>
-            </a:r>
-            <a:r>
-              <a:rPr lang="en-US" altLang="zh-CN" sz="1600" dirty="0" smtClean="0">
-                <a:solidFill>
-                  <a:schemeClr val="bg1"/>
-                </a:solidFill>
-                <a:latin typeface="微软雅黑" panose="020B0503020204020204" pitchFamily="34" charset="-122"/>
-                <a:ea typeface="微软雅黑" panose="020B0503020204020204" pitchFamily="34" charset="-122"/>
-              </a:rPr>
-              <a:t>8min</a:t>
-            </a:r>
-            <a:r>
-              <a:rPr lang="zh-CN" altLang="en-US" sz="1600" dirty="0" smtClean="0">
+              <a:rPr lang="zh-CN" altLang="en-US" sz="1600" dirty="0">
                 <a:solidFill>
                   <a:schemeClr val="bg1"/>
                 </a:solidFill>
@@ -6387,27 +6503,27 @@
               </a:lnSpc>
             </a:pPr>
             <a:r>
-              <a:rPr lang="zh-CN" altLang="en-US" sz="1600" dirty="0" smtClean="0">
+              <a:rPr lang="zh-CN" altLang="en-US" sz="1600" dirty="0">
                 <a:solidFill>
                   <a:schemeClr val="bg1"/>
                 </a:solidFill>
                 <a:latin typeface="微软雅黑" panose="020B0503020204020204" pitchFamily="34" charset="-122"/>
                 <a:ea typeface="微软雅黑" panose="020B0503020204020204" pitchFamily="34" charset="-122"/>
               </a:rPr>
-              <a:t>三、优劣分析（</a:t>
-            </a:r>
-            <a:r>
-              <a:rPr lang="en-US" altLang="zh-CN" sz="1600" dirty="0" smtClean="0">
+              <a:t>二、工作复盘（</a:t>
+            </a:r>
+            <a:r>
+              <a:rPr lang="en-US" altLang="zh-CN" sz="1600" dirty="0">
                 <a:solidFill>
                   <a:schemeClr val="bg1"/>
                 </a:solidFill>
                 <a:latin typeface="微软雅黑" panose="020B0503020204020204" pitchFamily="34" charset="-122"/>
                 <a:ea typeface="微软雅黑" panose="020B0503020204020204" pitchFamily="34" charset="-122"/>
               </a:rPr>
-              <a:t>3min</a:t>
-            </a:r>
-            <a:r>
-              <a:rPr lang="zh-CN" altLang="en-US" sz="1600" dirty="0" smtClean="0">
+              <a:t>8min</a:t>
+            </a:r>
+            <a:r>
+              <a:rPr lang="zh-CN" altLang="en-US" sz="1600" dirty="0">
                 <a:solidFill>
                   <a:schemeClr val="bg1"/>
                 </a:solidFill>
@@ -6416,7 +6532,7 @@
               </a:rPr>
               <a:t>）</a:t>
             </a:r>
-            <a:endParaRPr lang="en-US" altLang="zh-CN" sz="1600" dirty="0" smtClean="0">
+            <a:endParaRPr lang="en-US" altLang="zh-CN" sz="1600" dirty="0">
               <a:solidFill>
                 <a:schemeClr val="bg1"/>
               </a:solidFill>
@@ -6431,27 +6547,27 @@
               </a:lnSpc>
             </a:pPr>
             <a:r>
-              <a:rPr lang="zh-CN" altLang="en-US" sz="1600" dirty="0" smtClean="0">
+              <a:rPr lang="zh-CN" altLang="en-US" sz="1600" dirty="0">
                 <a:solidFill>
                   <a:schemeClr val="bg1"/>
                 </a:solidFill>
                 <a:latin typeface="微软雅黑" panose="020B0503020204020204" pitchFamily="34" charset="-122"/>
                 <a:ea typeface="微软雅黑" panose="020B0503020204020204" pitchFamily="34" charset="-122"/>
               </a:rPr>
-              <a:t>四、未来规划（</a:t>
-            </a:r>
-            <a:r>
-              <a:rPr lang="en-US" altLang="zh-CN" sz="1600" dirty="0" smtClean="0">
+              <a:t>三、优劣分析（</a:t>
+            </a:r>
+            <a:r>
+              <a:rPr lang="en-US" altLang="zh-CN" sz="1600" dirty="0">
                 <a:solidFill>
                   <a:schemeClr val="bg1"/>
                 </a:solidFill>
                 <a:latin typeface="微软雅黑" panose="020B0503020204020204" pitchFamily="34" charset="-122"/>
                 <a:ea typeface="微软雅黑" panose="020B0503020204020204" pitchFamily="34" charset="-122"/>
               </a:rPr>
-              <a:t>2min</a:t>
-            </a:r>
-            <a:r>
-              <a:rPr lang="zh-CN" altLang="en-US" sz="1600" dirty="0" smtClean="0">
+              <a:t>3min</a:t>
+            </a:r>
+            <a:r>
+              <a:rPr lang="zh-CN" altLang="en-US" sz="1600" dirty="0">
                 <a:solidFill>
                   <a:schemeClr val="bg1"/>
                 </a:solidFill>
@@ -6460,7 +6576,7 @@
               </a:rPr>
               <a:t>）</a:t>
             </a:r>
-            <a:endParaRPr lang="en-US" altLang="zh-CN" sz="1600" dirty="0" smtClean="0">
+            <a:endParaRPr lang="en-US" altLang="zh-CN" sz="1600" dirty="0">
               <a:solidFill>
                 <a:schemeClr val="bg1"/>
               </a:solidFill>
@@ -6475,7 +6591,51 @@
               </a:lnSpc>
             </a:pPr>
             <a:r>
-              <a:rPr lang="zh-CN" altLang="en-US" sz="1600" dirty="0" smtClean="0">
+              <a:rPr lang="zh-CN" altLang="en-US" sz="1600" dirty="0">
+                <a:solidFill>
+                  <a:schemeClr val="bg1"/>
+                </a:solidFill>
+                <a:latin typeface="微软雅黑" panose="020B0503020204020204" pitchFamily="34" charset="-122"/>
+                <a:ea typeface="微软雅黑" panose="020B0503020204020204" pitchFamily="34" charset="-122"/>
+              </a:rPr>
+              <a:t>四、未来规划（</a:t>
+            </a:r>
+            <a:r>
+              <a:rPr lang="en-US" altLang="zh-CN" sz="1600" dirty="0">
+                <a:solidFill>
+                  <a:schemeClr val="bg1"/>
+                </a:solidFill>
+                <a:latin typeface="微软雅黑" panose="020B0503020204020204" pitchFamily="34" charset="-122"/>
+                <a:ea typeface="微软雅黑" panose="020B0503020204020204" pitchFamily="34" charset="-122"/>
+              </a:rPr>
+              <a:t>2min</a:t>
+            </a:r>
+            <a:r>
+              <a:rPr lang="zh-CN" altLang="en-US" sz="1600" dirty="0">
+                <a:solidFill>
+                  <a:schemeClr val="bg1"/>
+                </a:solidFill>
+                <a:latin typeface="微软雅黑" panose="020B0503020204020204" pitchFamily="34" charset="-122"/>
+                <a:ea typeface="微软雅黑" panose="020B0503020204020204" pitchFamily="34" charset="-122"/>
+              </a:rPr>
+              <a:t>）</a:t>
+            </a:r>
+            <a:endParaRPr lang="en-US" altLang="zh-CN" sz="1600" dirty="0">
+              <a:solidFill>
+                <a:schemeClr val="bg1"/>
+              </a:solidFill>
+              <a:latin typeface="微软雅黑" panose="020B0503020204020204" pitchFamily="34" charset="-122"/>
+              <a:ea typeface="微软雅黑" panose="020B0503020204020204" pitchFamily="34" charset="-122"/>
+            </a:endParaRPr>
+          </a:p>
+          <a:p>
+            <a:pPr>
+              <a:lnSpc>
+                <a:spcPct val="150000"/>
+              </a:lnSpc>
+            </a:pPr>
+            <a:r>
+              <a:rPr lang="zh-CN" altLang="en-US" sz="1600" dirty="0">
                 <a:solidFill>
                   <a:schemeClr val="bg1"/>
                 </a:solidFill>
@@ -6485,7 +6645,7 @@
               <a:t>五、自主发挥（名字可改成自定义的主题名称）（</a:t>
             </a:r>
             <a:r>
-              <a:rPr lang="en-US" altLang="zh-CN" sz="1600" dirty="0" smtClean="0">
+              <a:rPr lang="en-US" altLang="zh-CN" sz="1600" dirty="0">
                 <a:solidFill>
                   <a:schemeClr val="bg1"/>
                 </a:solidFill>
@@ -6495,7 +6655,7 @@
               <a:t>1min</a:t>
             </a:r>
             <a:r>
-              <a:rPr lang="zh-CN" altLang="en-US" sz="1600" dirty="0" smtClean="0">
+              <a:rPr lang="zh-CN" altLang="en-US" sz="1600" dirty="0">
                 <a:solidFill>
                   <a:schemeClr val="bg1"/>
                 </a:solidFill>
@@ -6504,7 +6664,7 @@
               </a:rPr>
               <a:t>）</a:t>
             </a:r>
-            <a:endParaRPr lang="en-US" altLang="zh-CN" sz="1600" dirty="0" smtClean="0">
+            <a:endParaRPr lang="en-US" altLang="zh-CN" sz="1600" dirty="0">
               <a:solidFill>
                 <a:schemeClr val="bg1"/>
               </a:solidFill>
@@ -6565,13 +6725,6 @@
   <p:clrMapOvr>
     <a:masterClrMapping/>
   </p:clrMapOvr>
-  <p:timing>
-    <p:tnLst>
-      <p:par>
-        <p:cTn id="1" dur="indefinite" restart="never" nodeType="tmRoot"/>
-      </p:par>
-    </p:tnLst>
-  </p:timing>
 </p:sld>
 </file>
 
@@ -6737,16 +6890,12 @@
           <a:lstStyle/>
           <a:p>
             <a:r>
-              <a:rPr lang="zh-CN" altLang="en-US" sz="3200" b="1" dirty="0" smtClean="0">
+              <a:rPr lang="zh-CN" altLang="en-US" sz="3200" b="1" dirty="0">
                 <a:latin typeface="微软雅黑" panose="020B0503020204020204" pitchFamily="34" charset="-122"/>
                 <a:ea typeface="微软雅黑" panose="020B0503020204020204" pitchFamily="34" charset="-122"/>
               </a:rPr>
               <a:t>一  个人介绍</a:t>
             </a:r>
-            <a:endParaRPr lang="zh-CN" altLang="en-US" sz="3200" b="1" dirty="0">
-              <a:latin typeface="微软雅黑" panose="020B0503020204020204" pitchFamily="34" charset="-122"/>
-              <a:ea typeface="微软雅黑" panose="020B0503020204020204" pitchFamily="34" charset="-122"/>
-            </a:endParaRPr>
           </a:p>
         </p:txBody>
       </p:sp>
@@ -6784,7 +6933,7 @@
               <a:buChar char="n"/>
             </a:pPr>
             <a:r>
-              <a:rPr lang="en-US" altLang="zh-CN" sz="1400" dirty="0" smtClean="0">
+              <a:rPr lang="en-US" altLang="zh-CN" sz="1400" dirty="0">
                 <a:solidFill>
                   <a:srgbClr val="7D8E9F"/>
                 </a:solidFill>
@@ -6794,7 +6943,7 @@
               <a:t>1</a:t>
             </a:r>
             <a:r>
-              <a:rPr lang="zh-CN" altLang="en-US" sz="1400" dirty="0" smtClean="0">
+              <a:rPr lang="zh-CN" altLang="en-US" sz="1400" dirty="0">
                 <a:solidFill>
                   <a:srgbClr val="7D8E9F"/>
                 </a:solidFill>
@@ -6803,7 +6952,7 @@
               </a:rPr>
               <a:t>分钟内的自我介绍</a:t>
             </a:r>
-            <a:endParaRPr lang="en-US" altLang="zh-CN" sz="1400" dirty="0" smtClean="0">
+            <a:endParaRPr lang="en-US" altLang="zh-CN" sz="1400" dirty="0">
               <a:solidFill>
                 <a:srgbClr val="7D8E9F"/>
               </a:solidFill>
@@ -6824,7 +6973,7 @@
               <a:buChar char="n"/>
             </a:pPr>
             <a:r>
-              <a:rPr lang="zh-CN" altLang="en-US" sz="1400" dirty="0" smtClean="0">
+              <a:rPr lang="zh-CN" altLang="en-US" sz="1400" dirty="0">
                 <a:solidFill>
                   <a:srgbClr val="7D8E9F"/>
                 </a:solidFill>
@@ -6833,7 +6982,7 @@
               </a:rPr>
               <a:t>必须包含的内容：</a:t>
             </a:r>
-            <a:endParaRPr lang="en-US" altLang="zh-CN" sz="1400" dirty="0" smtClean="0">
+            <a:endParaRPr lang="en-US" altLang="zh-CN" sz="1400" dirty="0">
               <a:solidFill>
                 <a:srgbClr val="7D8E9F"/>
               </a:solidFill>
@@ -6859,39 +7008,19 @@
                 <a:latin typeface="微软雅黑" panose="020B0503020204020204" pitchFamily="34" charset="-122"/>
                 <a:ea typeface="微软雅黑" panose="020B0503020204020204" pitchFamily="34" charset="-122"/>
               </a:rPr>
-              <a:t> </a:t>
-            </a:r>
-            <a:r>
-              <a:rPr lang="en-US" altLang="zh-CN" sz="1400" dirty="0" smtClean="0">
+              <a:t>      </a:t>
+            </a:r>
+            <a:r>
+              <a:rPr lang="zh-CN" altLang="en-US" sz="1400" dirty="0">
                 <a:solidFill>
                   <a:srgbClr val="7D8E9F"/>
                 </a:solidFill>
                 <a:latin typeface="微软雅黑" panose="020B0503020204020204" pitchFamily="34" charset="-122"/>
                 <a:ea typeface="微软雅黑" panose="020B0503020204020204" pitchFamily="34" charset="-122"/>
               </a:rPr>
-              <a:t>     </a:t>
-            </a:r>
-            <a:r>
-              <a:rPr lang="zh-CN" altLang="en-US" sz="1400" dirty="0" smtClean="0">
-                <a:solidFill>
-                  <a:srgbClr val="7D8E9F"/>
-                </a:solidFill>
-                <a:latin typeface="微软雅黑" panose="020B0503020204020204" pitchFamily="34" charset="-122"/>
-                <a:ea typeface="微软雅黑" panose="020B0503020204020204" pitchFamily="34" charset="-122"/>
-              </a:rPr>
-              <a:t>姓名、年龄、在读学校及专业、培训经历</a:t>
-            </a:r>
-            <a:r>
-              <a:rPr lang="zh-CN" altLang="en-US" sz="1400" dirty="0" smtClean="0">
-                <a:solidFill>
-                  <a:srgbClr val="7D8E9F"/>
-                </a:solidFill>
-                <a:latin typeface="微软雅黑" panose="020B0503020204020204" pitchFamily="34" charset="-122"/>
-                <a:ea typeface="微软雅黑" panose="020B0503020204020204" pitchFamily="34" charset="-122"/>
-              </a:rPr>
-              <a:t>、掌握的能力概述、</a:t>
-            </a:r>
-            <a:endParaRPr lang="en-US" altLang="zh-CN" sz="1400" dirty="0" smtClean="0">
+              <a:t>姓名、年龄、在读学校及专业、培训经历、掌握的能力概述、</a:t>
+            </a:r>
+            <a:endParaRPr lang="en-US" altLang="zh-CN" sz="1400" dirty="0">
               <a:solidFill>
                 <a:srgbClr val="7D8E9F"/>
               </a:solidFill>
@@ -6917,20 +7046,10 @@
                 <a:latin typeface="微软雅黑" panose="020B0503020204020204" pitchFamily="34" charset="-122"/>
                 <a:ea typeface="微软雅黑" panose="020B0503020204020204" pitchFamily="34" charset="-122"/>
               </a:rPr>
-              <a:t> </a:t>
-            </a:r>
-            <a:r>
-              <a:rPr lang="en-US" altLang="zh-CN" sz="1400" dirty="0" smtClean="0">
-                <a:solidFill>
-                  <a:srgbClr val="7D8E9F"/>
-                </a:solidFill>
-                <a:latin typeface="微软雅黑" panose="020B0503020204020204" pitchFamily="34" charset="-122"/>
-                <a:ea typeface="微软雅黑" panose="020B0503020204020204" pitchFamily="34" charset="-122"/>
-              </a:rPr>
-              <a:t>     </a:t>
-            </a:r>
-            <a:r>
-              <a:rPr lang="zh-CN" altLang="en-US" sz="1400" dirty="0" smtClean="0">
+              <a:t>      </a:t>
+            </a:r>
+            <a:r>
+              <a:rPr lang="zh-CN" altLang="en-US" sz="1400" dirty="0">
                 <a:solidFill>
                   <a:srgbClr val="7D8E9F"/>
                 </a:solidFill>
@@ -6958,7 +7077,7 @@
               <a:buSzPct val="70000"/>
             </a:pPr>
             <a:r>
-              <a:rPr lang="zh-CN" altLang="en-US" sz="1400" dirty="0" smtClean="0">
+              <a:rPr lang="zh-CN" altLang="en-US" sz="1400" dirty="0">
                 <a:solidFill>
                   <a:srgbClr val="FF0000"/>
                 </a:solidFill>
@@ -6967,7 +7086,7 @@
               </a:rPr>
               <a:t>（此页为提示页，答辩时可删除）</a:t>
             </a:r>
-            <a:endParaRPr lang="en-US" altLang="zh-CN" sz="1400" dirty="0" smtClean="0">
+            <a:endParaRPr lang="en-US" altLang="zh-CN" sz="1400" dirty="0">
               <a:solidFill>
                 <a:srgbClr val="FF0000"/>
               </a:solidFill>
@@ -6987,13 +7106,6 @@
   <p:clrMapOvr>
     <a:masterClrMapping/>
   </p:clrMapOvr>
-  <p:timing>
-    <p:tnLst>
-      <p:par>
-        <p:cTn id="1" dur="indefinite" restart="never" nodeType="tmRoot"/>
-      </p:par>
-    </p:tnLst>
-  </p:timing>
 </p:sld>
 </file>
 
@@ -7037,7 +7149,7 @@
           <a:lstStyle/>
           <a:p>
             <a:r>
-              <a:rPr lang="zh-CN" altLang="en-US" sz="800" b="1" i="1" dirty="0" smtClean="0">
+              <a:rPr lang="zh-CN" altLang="en-US" sz="800" b="1" i="1" dirty="0">
                 <a:solidFill>
                   <a:schemeClr val="bg1">
                     <a:lumMod val="75000"/>
@@ -7048,15 +7160,6 @@
               </a:rPr>
               <a:t>数据改变医疗</a:t>
             </a:r>
-            <a:endParaRPr lang="zh-CN" altLang="en-US" sz="800" b="1" i="1" dirty="0">
-              <a:solidFill>
-                <a:schemeClr val="bg1">
-                  <a:lumMod val="75000"/>
-                </a:schemeClr>
-              </a:solidFill>
-              <a:latin typeface="微软雅黑" panose="020B0503020204020204" pitchFamily="34" charset="-122"/>
-              <a:ea typeface="微软雅黑" panose="020B0503020204020204" pitchFamily="34" charset="-122"/>
-            </a:endParaRPr>
           </a:p>
         </p:txBody>
       </p:sp>
@@ -7118,7 +7221,7 @@
           <a:lstStyle/>
           <a:p>
             <a:r>
-              <a:rPr lang="zh-CN" altLang="en-US" sz="2400" b="1" dirty="0" smtClean="0">
+              <a:rPr lang="zh-CN" altLang="en-US" sz="2400" b="1" dirty="0">
                 <a:solidFill>
                   <a:schemeClr val="tx1">
                     <a:lumMod val="85000"/>
@@ -7130,16 +7233,6 @@
               </a:rPr>
               <a:t>内容页面</a:t>
             </a:r>
-            <a:endParaRPr lang="zh-CN" altLang="en-US" sz="2400" b="1" dirty="0">
-              <a:solidFill>
-                <a:schemeClr val="tx1">
-                  <a:lumMod val="85000"/>
-                  <a:lumOff val="15000"/>
-                </a:schemeClr>
-              </a:solidFill>
-              <a:latin typeface="微软雅黑" panose="020B0503020204020204" pitchFamily="34" charset="-122"/>
-              <a:ea typeface="微软雅黑" panose="020B0503020204020204" pitchFamily="34" charset="-122"/>
-            </a:endParaRPr>
           </a:p>
         </p:txBody>
       </p:sp>
@@ -7199,13 +7292,6 @@
   <p:clrMapOvr>
     <a:masterClrMapping/>
   </p:clrMapOvr>
-  <p:timing>
-    <p:tnLst>
-      <p:par>
-        <p:cTn id="1" dur="indefinite" restart="never" nodeType="tmRoot"/>
-      </p:par>
-    </p:tnLst>
-  </p:timing>
 </p:sld>
 </file>
 
@@ -7371,16 +7457,12 @@
           <a:lstStyle/>
           <a:p>
             <a:r>
-              <a:rPr lang="zh-CN" altLang="en-US" sz="3200" b="1" dirty="0" smtClean="0">
+              <a:rPr lang="zh-CN" altLang="en-US" sz="3200" b="1" dirty="0">
                 <a:latin typeface="微软雅黑" panose="020B0503020204020204" pitchFamily="34" charset="-122"/>
                 <a:ea typeface="微软雅黑" panose="020B0503020204020204" pitchFamily="34" charset="-122"/>
               </a:rPr>
               <a:t>二  工作复盘</a:t>
             </a:r>
-            <a:endParaRPr lang="zh-CN" altLang="en-US" sz="3200" b="1" dirty="0">
-              <a:latin typeface="微软雅黑" panose="020B0503020204020204" pitchFamily="34" charset="-122"/>
-              <a:ea typeface="微软雅黑" panose="020B0503020204020204" pitchFamily="34" charset="-122"/>
-            </a:endParaRPr>
           </a:p>
         </p:txBody>
       </p:sp>
@@ -7494,19 +7576,9 @@
                 <a:latin typeface="微软雅黑" panose="020B0503020204020204" pitchFamily="34" charset="-122"/>
                 <a:ea typeface="微软雅黑" panose="020B0503020204020204" pitchFamily="34" charset="-122"/>
               </a:rPr>
-              <a:t>你从中的收获、自己认为可提升的部分、后续的提升计划、对团队</a:t>
-            </a:r>
-            <a:r>
-              <a:rPr lang="zh-CN" altLang="en-US" sz="1400" dirty="0" smtClean="0">
-                <a:solidFill>
-                  <a:srgbClr val="7D8E9F"/>
-                </a:solidFill>
-                <a:latin typeface="微软雅黑" panose="020B0503020204020204" pitchFamily="34" charset="-122"/>
-                <a:ea typeface="微软雅黑" panose="020B0503020204020204" pitchFamily="34" charset="-122"/>
-              </a:rPr>
-              <a:t>、</a:t>
-            </a:r>
-            <a:endParaRPr lang="en-US" altLang="zh-CN" sz="1400" dirty="0" smtClean="0">
+              <a:t>你从中的收获、自己认为可提升的部分、后续的提升计划、对团队、</a:t>
+            </a:r>
+            <a:endParaRPr lang="en-US" altLang="zh-CN" sz="1400" dirty="0">
               <a:solidFill>
                 <a:srgbClr val="7D8E9F"/>
               </a:solidFill>
@@ -7532,37 +7604,17 @@
                 <a:latin typeface="微软雅黑" panose="020B0503020204020204" pitchFamily="34" charset="-122"/>
                 <a:ea typeface="微软雅黑" panose="020B0503020204020204" pitchFamily="34" charset="-122"/>
               </a:rPr>
-              <a:t> </a:t>
-            </a:r>
-            <a:r>
-              <a:rPr lang="en-US" altLang="zh-CN" sz="1400" dirty="0" smtClean="0">
+              <a:t>      </a:t>
+            </a:r>
+            <a:r>
+              <a:rPr lang="zh-CN" altLang="en-US" sz="1400" dirty="0">
                 <a:solidFill>
                   <a:srgbClr val="7D8E9F"/>
                 </a:solidFill>
                 <a:latin typeface="微软雅黑" panose="020B0503020204020204" pitchFamily="34" charset="-122"/>
                 <a:ea typeface="微软雅黑" panose="020B0503020204020204" pitchFamily="34" charset="-122"/>
               </a:rPr>
-              <a:t>     </a:t>
-            </a:r>
-            <a:r>
-              <a:rPr lang="zh-CN" altLang="en-US" sz="1400" dirty="0" smtClean="0">
-                <a:solidFill>
-                  <a:srgbClr val="7D8E9F"/>
-                </a:solidFill>
-                <a:latin typeface="微软雅黑" panose="020B0503020204020204" pitchFamily="34" charset="-122"/>
-                <a:ea typeface="微软雅黑" panose="020B0503020204020204" pitchFamily="34" charset="-122"/>
-              </a:rPr>
-              <a:t>公司</a:t>
-            </a:r>
-            <a:r>
-              <a:rPr lang="zh-CN" altLang="en-US" sz="1400" dirty="0">
-                <a:solidFill>
-                  <a:srgbClr val="7D8E9F"/>
-                </a:solidFill>
-                <a:latin typeface="微软雅黑" panose="020B0503020204020204" pitchFamily="34" charset="-122"/>
-                <a:ea typeface="微软雅黑" panose="020B0503020204020204" pitchFamily="34" charset="-122"/>
-              </a:rPr>
-              <a:t>的建议或者工作中的创新点等等；</a:t>
+              <a:t>公司的建议或者工作中的创新点等等；</a:t>
             </a:r>
           </a:p>
           <a:p>
@@ -7605,19 +7657,9 @@
                 <a:latin typeface="微软雅黑" panose="020B0503020204020204" pitchFamily="34" charset="-122"/>
                 <a:ea typeface="微软雅黑" panose="020B0503020204020204" pitchFamily="34" charset="-122"/>
               </a:rPr>
-              <a:t>分，你给自己的实习经历打分是几分，说明理由</a:t>
-            </a:r>
-            <a:r>
-              <a:rPr lang="zh-CN" altLang="en-US" sz="1400" dirty="0" smtClean="0">
-                <a:solidFill>
-                  <a:srgbClr val="7D8E9F"/>
-                </a:solidFill>
-                <a:latin typeface="微软雅黑" panose="020B0503020204020204" pitchFamily="34" charset="-122"/>
-                <a:ea typeface="微软雅黑" panose="020B0503020204020204" pitchFamily="34" charset="-122"/>
-              </a:rPr>
-              <a:t>。</a:t>
-            </a:r>
-            <a:endParaRPr lang="en-US" altLang="zh-CN" sz="1400" dirty="0" smtClean="0">
+              <a:t>分，你给自己的实习经历打分是几分，说明理由。</a:t>
+            </a:r>
+            <a:endParaRPr lang="en-US" altLang="zh-CN" sz="1400" dirty="0">
               <a:solidFill>
                 <a:srgbClr val="7D8E9F"/>
               </a:solidFill>
@@ -7643,17 +7685,7 @@
                 <a:latin typeface="微软雅黑" panose="020B0503020204020204" pitchFamily="34" charset="-122"/>
                 <a:ea typeface="微软雅黑" panose="020B0503020204020204" pitchFamily="34" charset="-122"/>
               </a:rPr>
-              <a:t>（此页为提示页，答辩时可删除</a:t>
-            </a:r>
-            <a:r>
-              <a:rPr lang="zh-CN" altLang="en-US" sz="1400" dirty="0" smtClean="0">
-                <a:solidFill>
-                  <a:srgbClr val="FF0000"/>
-                </a:solidFill>
-                <a:latin typeface="微软雅黑" panose="020B0503020204020204" pitchFamily="34" charset="-122"/>
-                <a:ea typeface="微软雅黑" panose="020B0503020204020204" pitchFamily="34" charset="-122"/>
-              </a:rPr>
-              <a:t>）</a:t>
+              <a:t>（此页为提示页，答辩时可删除）</a:t>
             </a:r>
             <a:endParaRPr lang="en-US" altLang="zh-CN" sz="1400" dirty="0">
               <a:solidFill>
@@ -7675,13 +7707,6 @@
   <p:clrMapOvr>
     <a:masterClrMapping/>
   </p:clrMapOvr>
-  <p:timing>
-    <p:tnLst>
-      <p:par>
-        <p:cTn id="1" dur="indefinite" restart="never" nodeType="tmRoot"/>
-      </p:par>
-    </p:tnLst>
-  </p:timing>
 </p:sld>
 </file>
 
@@ -7725,7 +7750,7 @@
           <a:lstStyle/>
           <a:p>
             <a:r>
-              <a:rPr lang="zh-CN" altLang="en-US" sz="800" b="1" i="1" dirty="0" smtClean="0">
+              <a:rPr lang="zh-CN" altLang="en-US" sz="800" b="1" i="1" dirty="0">
                 <a:solidFill>
                   <a:schemeClr val="bg1">
                     <a:lumMod val="75000"/>
@@ -7736,15 +7761,6 @@
               </a:rPr>
               <a:t>数据改变医疗</a:t>
             </a:r>
-            <a:endParaRPr lang="zh-CN" altLang="en-US" sz="800" b="1" i="1" dirty="0">
-              <a:solidFill>
-                <a:schemeClr val="bg1">
-                  <a:lumMod val="75000"/>
-                </a:schemeClr>
-              </a:solidFill>
-              <a:latin typeface="微软雅黑" panose="020B0503020204020204" pitchFamily="34" charset="-122"/>
-              <a:ea typeface="微软雅黑" panose="020B0503020204020204" pitchFamily="34" charset="-122"/>
-            </a:endParaRPr>
           </a:p>
         </p:txBody>
       </p:sp>
@@ -7806,7 +7822,7 @@
           <a:lstStyle/>
           <a:p>
             <a:r>
-              <a:rPr lang="zh-CN" altLang="en-US" sz="2400" b="1" dirty="0" smtClean="0">
+              <a:rPr lang="zh-CN" altLang="en-US" sz="2400" b="1" dirty="0">
                 <a:solidFill>
                   <a:schemeClr val="tx1">
                     <a:lumMod val="85000"/>
@@ -7818,16 +7834,6 @@
               </a:rPr>
               <a:t>内容页面</a:t>
             </a:r>
-            <a:endParaRPr lang="zh-CN" altLang="en-US" sz="2400" b="1" dirty="0">
-              <a:solidFill>
-                <a:schemeClr val="tx1">
-                  <a:lumMod val="85000"/>
-                  <a:lumOff val="15000"/>
-                </a:schemeClr>
-              </a:solidFill>
-              <a:latin typeface="微软雅黑" panose="020B0503020204020204" pitchFamily="34" charset="-122"/>
-              <a:ea typeface="微软雅黑" panose="020B0503020204020204" pitchFamily="34" charset="-122"/>
-            </a:endParaRPr>
           </a:p>
         </p:txBody>
       </p:sp>
@@ -7887,13 +7893,6 @@
   <p:clrMapOvr>
     <a:masterClrMapping/>
   </p:clrMapOvr>
-  <p:timing>
-    <p:tnLst>
-      <p:par>
-        <p:cTn id="1" dur="indefinite" restart="never" nodeType="tmRoot"/>
-      </p:par>
-    </p:tnLst>
-  </p:timing>
 </p:sld>
 </file>
 
@@ -8059,16 +8058,12 @@
           <a:lstStyle/>
           <a:p>
             <a:r>
-              <a:rPr lang="zh-CN" altLang="en-US" sz="3200" b="1" dirty="0" smtClean="0">
+              <a:rPr lang="zh-CN" altLang="en-US" sz="3200" b="1" dirty="0">
                 <a:latin typeface="微软雅黑" panose="020B0503020204020204" pitchFamily="34" charset="-122"/>
                 <a:ea typeface="微软雅黑" panose="020B0503020204020204" pitchFamily="34" charset="-122"/>
               </a:rPr>
               <a:t>三  优劣分析</a:t>
             </a:r>
-            <a:endParaRPr lang="zh-CN" altLang="en-US" sz="3200" b="1" dirty="0">
-              <a:latin typeface="微软雅黑" panose="020B0503020204020204" pitchFamily="34" charset="-122"/>
-              <a:ea typeface="微软雅黑" panose="020B0503020204020204" pitchFamily="34" charset="-122"/>
-            </a:endParaRPr>
           </a:p>
         </p:txBody>
       </p:sp>
@@ -8136,19 +8131,9 @@
                 <a:latin typeface="微软雅黑" panose="020B0503020204020204" pitchFamily="34" charset="-122"/>
                 <a:ea typeface="微软雅黑" panose="020B0503020204020204" pitchFamily="34" charset="-122"/>
               </a:rPr>
-              <a:t>对于劣势项有无后续提升计划，如有，请列举具体行动</a:t>
-            </a:r>
-            <a:r>
-              <a:rPr lang="zh-CN" altLang="en-US" sz="1400" dirty="0" smtClean="0">
-                <a:solidFill>
-                  <a:srgbClr val="7D8E9F"/>
-                </a:solidFill>
-                <a:latin typeface="微软雅黑" panose="020B0503020204020204" pitchFamily="34" charset="-122"/>
-                <a:ea typeface="微软雅黑" panose="020B0503020204020204" pitchFamily="34" charset="-122"/>
-              </a:rPr>
-              <a:t>计划</a:t>
-            </a:r>
-            <a:endParaRPr lang="en-US" altLang="zh-CN" sz="1400" dirty="0" smtClean="0">
+              <a:t>对于劣势项有无后续提升计划，如有，请列举具体行动计划</a:t>
+            </a:r>
+            <a:endParaRPr lang="en-US" altLang="zh-CN" sz="1400" dirty="0">
               <a:solidFill>
                 <a:srgbClr val="7D8E9F"/>
               </a:solidFill>
@@ -8167,34 +8152,14 @@
               <a:buSzPct val="70000"/>
             </a:pPr>
             <a:r>
-              <a:rPr lang="zh-CN" altLang="en-US" sz="1400" dirty="0" smtClean="0">
+              <a:rPr lang="zh-CN" altLang="en-US" sz="1400" dirty="0">
                 <a:solidFill>
                   <a:srgbClr val="FF0000"/>
                 </a:solidFill>
                 <a:latin typeface="微软雅黑" panose="020B0503020204020204" pitchFamily="34" charset="-122"/>
                 <a:ea typeface="微软雅黑" panose="020B0503020204020204" pitchFamily="34" charset="-122"/>
               </a:rPr>
-              <a:t>（</a:t>
-            </a:r>
-            <a:r>
-              <a:rPr lang="zh-CN" altLang="en-US" sz="1400" dirty="0">
-                <a:solidFill>
-                  <a:srgbClr val="FF0000"/>
-                </a:solidFill>
-                <a:latin typeface="微软雅黑" panose="020B0503020204020204" pitchFamily="34" charset="-122"/>
-                <a:ea typeface="微软雅黑" panose="020B0503020204020204" pitchFamily="34" charset="-122"/>
-              </a:rPr>
-              <a:t>此页为提示页，答辩时可删除</a:t>
-            </a:r>
-            <a:r>
-              <a:rPr lang="zh-CN" altLang="en-US" sz="1400" dirty="0" smtClean="0">
-                <a:solidFill>
-                  <a:srgbClr val="FF0000"/>
-                </a:solidFill>
-                <a:latin typeface="微软雅黑" panose="020B0503020204020204" pitchFamily="34" charset="-122"/>
-                <a:ea typeface="微软雅黑" panose="020B0503020204020204" pitchFamily="34" charset="-122"/>
-              </a:rPr>
-              <a:t>）</a:t>
+              <a:t>（此页为提示页，答辩时可删除）</a:t>
             </a:r>
             <a:endParaRPr lang="en-US" altLang="zh-CN" sz="1400" dirty="0">
               <a:solidFill>
@@ -8216,13 +8181,6 @@
   <p:clrMapOvr>
     <a:masterClrMapping/>
   </p:clrMapOvr>
-  <p:timing>
-    <p:tnLst>
-      <p:par>
-        <p:cTn id="1" dur="indefinite" restart="never" nodeType="tmRoot"/>
-      </p:par>
-    </p:tnLst>
-  </p:timing>
 </p:sld>
 </file>
 
@@ -8266,7 +8224,7 @@
           <a:lstStyle/>
           <a:p>
             <a:r>
-              <a:rPr lang="zh-CN" altLang="en-US" sz="800" b="1" i="1" dirty="0" smtClean="0">
+              <a:rPr lang="zh-CN" altLang="en-US" sz="800" b="1" i="1" dirty="0">
                 <a:solidFill>
                   <a:schemeClr val="bg1">
                     <a:lumMod val="75000"/>
@@ -8277,15 +8235,6 @@
               </a:rPr>
               <a:t>数据改变医疗</a:t>
             </a:r>
-            <a:endParaRPr lang="zh-CN" altLang="en-US" sz="800" b="1" i="1" dirty="0">
-              <a:solidFill>
-                <a:schemeClr val="bg1">
-                  <a:lumMod val="75000"/>
-                </a:schemeClr>
-              </a:solidFill>
-              <a:latin typeface="微软雅黑" panose="020B0503020204020204" pitchFamily="34" charset="-122"/>
-              <a:ea typeface="微软雅黑" panose="020B0503020204020204" pitchFamily="34" charset="-122"/>
-            </a:endParaRPr>
           </a:p>
         </p:txBody>
       </p:sp>
@@ -8347,7 +8296,7 @@
           <a:lstStyle/>
           <a:p>
             <a:r>
-              <a:rPr lang="zh-CN" altLang="en-US" sz="2400" b="1" dirty="0" smtClean="0">
+              <a:rPr lang="zh-CN" altLang="en-US" sz="2400" b="1" dirty="0">
                 <a:solidFill>
                   <a:schemeClr val="tx1">
                     <a:lumMod val="85000"/>
@@ -8359,16 +8308,6 @@
               </a:rPr>
               <a:t>内容页面</a:t>
             </a:r>
-            <a:endParaRPr lang="zh-CN" altLang="en-US" sz="2400" b="1" dirty="0">
-              <a:solidFill>
-                <a:schemeClr val="tx1">
-                  <a:lumMod val="85000"/>
-                  <a:lumOff val="15000"/>
-                </a:schemeClr>
-              </a:solidFill>
-              <a:latin typeface="微软雅黑" panose="020B0503020204020204" pitchFamily="34" charset="-122"/>
-              <a:ea typeface="微软雅黑" panose="020B0503020204020204" pitchFamily="34" charset="-122"/>
-            </a:endParaRPr>
           </a:p>
         </p:txBody>
       </p:sp>
@@ -8428,13 +8367,6 @@
   <p:clrMapOvr>
     <a:masterClrMapping/>
   </p:clrMapOvr>
-  <p:timing>
-    <p:tnLst>
-      <p:par>
-        <p:cTn id="1" dur="indefinite" restart="never" nodeType="tmRoot"/>
-      </p:par>
-    </p:tnLst>
-  </p:timing>
 </p:sld>
 </file>
 
@@ -8600,16 +8532,12 @@
           <a:lstStyle/>
           <a:p>
             <a:r>
-              <a:rPr lang="zh-CN" altLang="en-US" sz="3200" b="1" dirty="0" smtClean="0">
+              <a:rPr lang="zh-CN" altLang="en-US" sz="3200" b="1" dirty="0">
                 <a:latin typeface="微软雅黑" panose="020B0503020204020204" pitchFamily="34" charset="-122"/>
                 <a:ea typeface="微软雅黑" panose="020B0503020204020204" pitchFamily="34" charset="-122"/>
               </a:rPr>
               <a:t>四  优劣分析</a:t>
             </a:r>
-            <a:endParaRPr lang="zh-CN" altLang="en-US" sz="3200" b="1" dirty="0">
-              <a:latin typeface="微软雅黑" panose="020B0503020204020204" pitchFamily="34" charset="-122"/>
-              <a:ea typeface="微软雅黑" panose="020B0503020204020204" pitchFamily="34" charset="-122"/>
-            </a:endParaRPr>
           </a:p>
         </p:txBody>
       </p:sp>
@@ -8697,19 +8625,9 @@
                 <a:latin typeface="微软雅黑" panose="020B0503020204020204" pitchFamily="34" charset="-122"/>
                 <a:ea typeface="微软雅黑" panose="020B0503020204020204" pitchFamily="34" charset="-122"/>
               </a:rPr>
-              <a:t>分阶段需要达成的目标分别是什么</a:t>
-            </a:r>
-            <a:r>
-              <a:rPr lang="zh-CN" altLang="en-US" sz="1400" dirty="0" smtClean="0">
-                <a:solidFill>
-                  <a:srgbClr val="7D8E9F"/>
-                </a:solidFill>
-                <a:latin typeface="微软雅黑" panose="020B0503020204020204" pitchFamily="34" charset="-122"/>
-                <a:ea typeface="微软雅黑" panose="020B0503020204020204" pitchFamily="34" charset="-122"/>
-              </a:rPr>
-              <a:t>？</a:t>
-            </a:r>
-            <a:endParaRPr lang="en-US" altLang="zh-CN" sz="1400" dirty="0" smtClean="0">
+              <a:t>分阶段需要达成的目标分别是什么？</a:t>
+            </a:r>
+            <a:endParaRPr lang="en-US" altLang="zh-CN" sz="1400" dirty="0">
               <a:solidFill>
                 <a:srgbClr val="7D8E9F"/>
               </a:solidFill>
@@ -8728,34 +8646,14 @@
               <a:buSzPct val="70000"/>
             </a:pPr>
             <a:r>
-              <a:rPr lang="zh-CN" altLang="en-US" sz="1400" dirty="0" smtClean="0">
+              <a:rPr lang="zh-CN" altLang="en-US" sz="1400" dirty="0">
                 <a:solidFill>
                   <a:srgbClr val="FF0000"/>
                 </a:solidFill>
                 <a:latin typeface="微软雅黑" panose="020B0503020204020204" pitchFamily="34" charset="-122"/>
                 <a:ea typeface="微软雅黑" panose="020B0503020204020204" pitchFamily="34" charset="-122"/>
               </a:rPr>
-              <a:t>（</a:t>
-            </a:r>
-            <a:r>
-              <a:rPr lang="zh-CN" altLang="en-US" sz="1400" dirty="0">
-                <a:solidFill>
-                  <a:srgbClr val="FF0000"/>
-                </a:solidFill>
-                <a:latin typeface="微软雅黑" panose="020B0503020204020204" pitchFamily="34" charset="-122"/>
-                <a:ea typeface="微软雅黑" panose="020B0503020204020204" pitchFamily="34" charset="-122"/>
-              </a:rPr>
-              <a:t>此页为提示页，答辩时可删除</a:t>
-            </a:r>
-            <a:r>
-              <a:rPr lang="zh-CN" altLang="en-US" sz="1400" dirty="0" smtClean="0">
-                <a:solidFill>
-                  <a:srgbClr val="FF0000"/>
-                </a:solidFill>
-                <a:latin typeface="微软雅黑" panose="020B0503020204020204" pitchFamily="34" charset="-122"/>
-                <a:ea typeface="微软雅黑" panose="020B0503020204020204" pitchFamily="34" charset="-122"/>
-              </a:rPr>
-              <a:t>）</a:t>
+              <a:t>（此页为提示页，答辩时可删除）</a:t>
             </a:r>
             <a:endParaRPr lang="en-US" altLang="zh-CN" sz="1400" dirty="0">
               <a:solidFill>
@@ -8777,13 +8675,6 @@
   <p:clrMapOvr>
     <a:masterClrMapping/>
   </p:clrMapOvr>
-  <p:timing>
-    <p:tnLst>
-      <p:par>
-        <p:cTn id="1" dur="indefinite" restart="never" nodeType="tmRoot"/>
-      </p:par>
-    </p:tnLst>
-  </p:timing>
 </p:sld>
 </file>
 

--- a/实习答辩PPT模板-2020.pptx
+++ b/实习答辩PPT模板-2020.pptx
@@ -232,7 +232,7 @@
             <a:fld id="{1EE29F3A-524E-4E33-BB67-41CE2829A15B}" type="datetimeFigureOut">
               <a:rPr lang="zh-CN" altLang="en-US" smtClean="0"/>
               <a:pPr/>
-              <a:t>2020/12/11</a:t>
+              <a:t>2020/12/15</a:t>
             </a:fld>
             <a:endParaRPr lang="zh-CN" altLang="en-US"/>
           </a:p>
@@ -976,184 +976,6 @@
           <a:bodyPr/>
           <a:lstStyle/>
           <a:p>
-            <a:r>
-              <a:rPr lang="zh-CN" altLang="en-US" dirty="0"/>
-              <a:t>姓名：黄文韬 年龄：</a:t>
-            </a:r>
-            <a:r>
-              <a:rPr lang="en-US" altLang="zh-CN" dirty="0"/>
-              <a:t>21 </a:t>
-            </a:r>
-            <a:r>
-              <a:rPr lang="zh-CN" altLang="en-US" dirty="0"/>
-              <a:t>在读学校：怀化学院 专业：计算机科学与技术</a:t>
-            </a:r>
-            <a:endParaRPr lang="en-US" altLang="zh-CN" dirty="0"/>
-          </a:p>
-          <a:p>
-            <a:r>
-              <a:rPr lang="zh-CN" altLang="en-US" dirty="0"/>
-              <a:t>掌握能力：</a:t>
-            </a:r>
-            <a:r>
-              <a:rPr lang="en-US" altLang="zh-CN" dirty="0"/>
-              <a:t>@</a:t>
-            </a:r>
-            <a:r>
-              <a:rPr lang="zh-CN" altLang="en-US" dirty="0"/>
-              <a:t>后台：</a:t>
-            </a:r>
-            <a:r>
-              <a:rPr lang="en-US" altLang="zh-CN" dirty="0"/>
-              <a:t>spring</a:t>
-            </a:r>
-            <a:r>
-              <a:rPr lang="zh-CN" altLang="en-US" dirty="0"/>
-              <a:t>，</a:t>
-            </a:r>
-            <a:r>
-              <a:rPr lang="en-US" altLang="zh-CN" dirty="0" err="1"/>
-              <a:t>springmvc</a:t>
-            </a:r>
-            <a:r>
-              <a:rPr lang="zh-CN" altLang="en-US" dirty="0"/>
-              <a:t>，</a:t>
-            </a:r>
-            <a:r>
-              <a:rPr lang="en-US" altLang="zh-CN" dirty="0" err="1"/>
-              <a:t>mybatis</a:t>
-            </a:r>
-            <a:r>
-              <a:rPr lang="zh-CN" altLang="en-US" dirty="0"/>
-              <a:t>，</a:t>
-            </a:r>
-            <a:r>
-              <a:rPr lang="en-US" altLang="zh-CN" dirty="0" err="1"/>
-              <a:t>springboot</a:t>
-            </a:r>
-            <a:r>
-              <a:rPr lang="en-US" altLang="zh-CN" dirty="0"/>
-              <a:t> </a:t>
-            </a:r>
-            <a:r>
-              <a:rPr lang="zh-CN" altLang="en-US" dirty="0"/>
-              <a:t>， </a:t>
-            </a:r>
-            <a:r>
-              <a:rPr lang="en-US" altLang="zh-CN" dirty="0" err="1"/>
-              <a:t>springcloud</a:t>
-            </a:r>
-            <a:r>
-              <a:rPr lang="zh-CN" altLang="en-US" dirty="0"/>
-              <a:t>，</a:t>
-            </a:r>
-            <a:r>
-              <a:rPr lang="en-US" altLang="zh-CN" dirty="0" err="1"/>
-              <a:t>springboot</a:t>
-            </a:r>
-            <a:r>
-              <a:rPr lang="en-US" altLang="zh-CN" dirty="0"/>
-              <a:t> </a:t>
-            </a:r>
-            <a:r>
-              <a:rPr lang="en-US" altLang="zh-CN" dirty="0" err="1"/>
-              <a:t>jpa</a:t>
-            </a:r>
-            <a:r>
-              <a:rPr lang="zh-CN" altLang="en-US" dirty="0"/>
-              <a:t> 。</a:t>
-            </a:r>
-            <a:endParaRPr lang="en-US" altLang="zh-CN" dirty="0"/>
-          </a:p>
-          <a:p>
-            <a:r>
-              <a:rPr lang="en-US" altLang="zh-CN" dirty="0"/>
-              <a:t>                 @</a:t>
-            </a:r>
-            <a:r>
-              <a:rPr lang="zh-CN" altLang="en-US" dirty="0"/>
-              <a:t>前端：了解</a:t>
-            </a:r>
-            <a:r>
-              <a:rPr lang="en-US" altLang="zh-CN" dirty="0"/>
-              <a:t>html5</a:t>
-            </a:r>
-            <a:r>
-              <a:rPr lang="zh-CN" altLang="en-US" dirty="0"/>
-              <a:t>，</a:t>
-            </a:r>
-            <a:r>
-              <a:rPr lang="en-US" altLang="zh-CN" dirty="0"/>
-              <a:t>css3</a:t>
-            </a:r>
-            <a:r>
-              <a:rPr lang="zh-CN" altLang="en-US" dirty="0"/>
-              <a:t>，</a:t>
-            </a:r>
-            <a:r>
-              <a:rPr lang="en-US" altLang="zh-CN" dirty="0" err="1"/>
-              <a:t>javaScript</a:t>
-            </a:r>
-            <a:r>
-              <a:rPr lang="zh-CN" altLang="en-US" dirty="0"/>
-              <a:t>，</a:t>
-            </a:r>
-            <a:r>
-              <a:rPr lang="en-US" altLang="zh-CN" dirty="0" err="1"/>
-              <a:t>jqury</a:t>
-            </a:r>
-            <a:r>
-              <a:rPr lang="en-US" altLang="zh-CN" dirty="0"/>
-              <a:t> ,</a:t>
-            </a:r>
-            <a:r>
-              <a:rPr lang="en-US" altLang="zh-CN" dirty="0" err="1"/>
-              <a:t>Ajax,vue</a:t>
-            </a:r>
-            <a:endParaRPr lang="en-US" altLang="zh-CN" dirty="0"/>
-          </a:p>
-          <a:p>
-            <a:r>
-              <a:rPr lang="en-US" altLang="zh-CN" dirty="0"/>
-              <a:t>                 @</a:t>
-            </a:r>
-            <a:r>
-              <a:rPr lang="zh-CN" altLang="en-US" dirty="0"/>
-              <a:t>数据库：</a:t>
-            </a:r>
-            <a:r>
-              <a:rPr lang="en-US" altLang="zh-CN" dirty="0" err="1"/>
-              <a:t>mysql</a:t>
-            </a:r>
-            <a:r>
-              <a:rPr lang="zh-CN" altLang="en-US" dirty="0"/>
-              <a:t>和</a:t>
-            </a:r>
-            <a:r>
-              <a:rPr lang="en-US" altLang="zh-CN" dirty="0"/>
-              <a:t>oracle</a:t>
-            </a:r>
-          </a:p>
-          <a:p>
-            <a:r>
-              <a:rPr lang="zh-CN" altLang="en-US" dirty="0"/>
-              <a:t>实习岗位：</a:t>
-            </a:r>
-            <a:r>
-              <a:rPr lang="en-US" altLang="zh-CN" dirty="0"/>
-              <a:t>java</a:t>
-            </a:r>
-            <a:r>
-              <a:rPr lang="zh-CN" altLang="en-US" dirty="0"/>
-              <a:t>开发工程师（实习）</a:t>
-            </a:r>
-            <a:endParaRPr lang="en-US" altLang="zh-CN" dirty="0"/>
-          </a:p>
-          <a:p>
-            <a:r>
-              <a:rPr lang="zh-CN" altLang="en-US" dirty="0"/>
-              <a:t>带教导师：徐月华，刘梁梁</a:t>
-            </a:r>
             <a:endParaRPr lang="en-US" altLang="zh-CN" dirty="0"/>
           </a:p>
         </p:txBody>
@@ -1997,7 +1819,7 @@
             <a:fld id="{645B2086-9846-460D-891D-C8C741FD0A24}" type="datetimeFigureOut">
               <a:rPr lang="zh-CN" altLang="en-US" smtClean="0"/>
               <a:pPr/>
-              <a:t>2020/12/11</a:t>
+              <a:t>2020/12/15</a:t>
             </a:fld>
             <a:endParaRPr lang="zh-CN" altLang="en-US"/>
           </a:p>
@@ -2167,7 +1989,7 @@
             <a:fld id="{645B2086-9846-460D-891D-C8C741FD0A24}" type="datetimeFigureOut">
               <a:rPr lang="zh-CN" altLang="en-US" smtClean="0"/>
               <a:pPr/>
-              <a:t>2020/12/11</a:t>
+              <a:t>2020/12/15</a:t>
             </a:fld>
             <a:endParaRPr lang="zh-CN" altLang="en-US"/>
           </a:p>
@@ -2347,7 +2169,7 @@
             <a:fld id="{645B2086-9846-460D-891D-C8C741FD0A24}" type="datetimeFigureOut">
               <a:rPr lang="zh-CN" altLang="en-US" smtClean="0"/>
               <a:pPr/>
-              <a:t>2020/12/11</a:t>
+              <a:t>2020/12/15</a:t>
             </a:fld>
             <a:endParaRPr lang="zh-CN" altLang="en-US"/>
           </a:p>
@@ -2517,7 +2339,7 @@
             <a:fld id="{645B2086-9846-460D-891D-C8C741FD0A24}" type="datetimeFigureOut">
               <a:rPr lang="zh-CN" altLang="en-US" smtClean="0"/>
               <a:pPr/>
-              <a:t>2020/12/11</a:t>
+              <a:t>2020/12/15</a:t>
             </a:fld>
             <a:endParaRPr lang="zh-CN" altLang="en-US"/>
           </a:p>
@@ -2764,7 +2586,7 @@
             <a:fld id="{645B2086-9846-460D-891D-C8C741FD0A24}" type="datetimeFigureOut">
               <a:rPr lang="zh-CN" altLang="en-US" smtClean="0"/>
               <a:pPr/>
-              <a:t>2020/12/11</a:t>
+              <a:t>2020/12/15</a:t>
             </a:fld>
             <a:endParaRPr lang="zh-CN" altLang="en-US"/>
           </a:p>
@@ -3051,7 +2873,7 @@
             <a:fld id="{645B2086-9846-460D-891D-C8C741FD0A24}" type="datetimeFigureOut">
               <a:rPr lang="zh-CN" altLang="en-US" smtClean="0"/>
               <a:pPr/>
-              <a:t>2020/12/11</a:t>
+              <a:t>2020/12/15</a:t>
             </a:fld>
             <a:endParaRPr lang="zh-CN" altLang="en-US"/>
           </a:p>
@@ -3477,7 +3299,7 @@
             <a:fld id="{645B2086-9846-460D-891D-C8C741FD0A24}" type="datetimeFigureOut">
               <a:rPr lang="zh-CN" altLang="en-US" smtClean="0"/>
               <a:pPr/>
-              <a:t>2020/12/11</a:t>
+              <a:t>2020/12/15</a:t>
             </a:fld>
             <a:endParaRPr lang="zh-CN" altLang="en-US"/>
           </a:p>
@@ -3596,7 +3418,7 @@
             <a:fld id="{645B2086-9846-460D-891D-C8C741FD0A24}" type="datetimeFigureOut">
               <a:rPr lang="zh-CN" altLang="en-US" smtClean="0"/>
               <a:pPr/>
-              <a:t>2020/12/11</a:t>
+              <a:t>2020/12/15</a:t>
             </a:fld>
             <a:endParaRPr lang="zh-CN" altLang="en-US"/>
           </a:p>
@@ -3693,7 +3515,7 @@
             <a:fld id="{645B2086-9846-460D-891D-C8C741FD0A24}" type="datetimeFigureOut">
               <a:rPr lang="zh-CN" altLang="en-US" smtClean="0"/>
               <a:pPr/>
-              <a:t>2020/12/11</a:t>
+              <a:t>2020/12/15</a:t>
             </a:fld>
             <a:endParaRPr lang="zh-CN" altLang="en-US"/>
           </a:p>
@@ -3970,7 +3792,7 @@
             <a:fld id="{645B2086-9846-460D-891D-C8C741FD0A24}" type="datetimeFigureOut">
               <a:rPr lang="zh-CN" altLang="en-US" smtClean="0"/>
               <a:pPr/>
-              <a:t>2020/12/11</a:t>
+              <a:t>2020/12/15</a:t>
             </a:fld>
             <a:endParaRPr lang="zh-CN" altLang="en-US"/>
           </a:p>
@@ -4224,7 +4046,7 @@
             <a:fld id="{645B2086-9846-460D-891D-C8C741FD0A24}" type="datetimeFigureOut">
               <a:rPr lang="zh-CN" altLang="en-US" smtClean="0"/>
               <a:pPr/>
-              <a:t>2020/12/11</a:t>
+              <a:t>2020/12/15</a:t>
             </a:fld>
             <a:endParaRPr lang="zh-CN" altLang="en-US"/>
           </a:p>
@@ -4437,7 +4259,7 @@
             <a:fld id="{645B2086-9846-460D-891D-C8C741FD0A24}" type="datetimeFigureOut">
               <a:rPr lang="zh-CN" altLang="en-US" smtClean="0"/>
               <a:pPr/>
-              <a:t>2020/12/11</a:t>
+              <a:t>2020/12/15</a:t>
             </a:fld>
             <a:endParaRPr lang="zh-CN" altLang="en-US"/>
           </a:p>
@@ -5357,6 +5179,128 @@
           </a:p>
         </p:txBody>
       </p:sp>
+      <p:sp>
+        <p:nvSpPr>
+          <p:cNvPr id="2" name="文本框 1">
+            <a:extLst>
+              <a:ext uri="{FF2B5EF4-FFF2-40B4-BE49-F238E27FC236}">
+                <a16:creationId xmlns:a16="http://schemas.microsoft.com/office/drawing/2014/main" id="{F36D76F9-7D65-44ED-BEB8-2055267A992B}"/>
+              </a:ext>
+            </a:extLst>
+          </p:cNvPr>
+          <p:cNvSpPr txBox="1"/>
+          <p:nvPr/>
+        </p:nvSpPr>
+        <p:spPr>
+          <a:xfrm>
+            <a:off x="251520" y="915566"/>
+            <a:ext cx="8640960" cy="2308324"/>
+          </a:xfrm>
+          <a:prstGeom prst="rect">
+            <a:avLst/>
+          </a:prstGeom>
+          <a:noFill/>
+        </p:spPr>
+        <p:txBody>
+          <a:bodyPr wrap="square" rtlCol="0">
+            <a:spAutoFit/>
+          </a:bodyPr>
+          <a:lstStyle/>
+          <a:p>
+            <a:r>
+              <a:rPr lang="zh-CN" altLang="en-US" dirty="0"/>
+              <a:t>上半年计划：</a:t>
+            </a:r>
+            <a:endParaRPr lang="en-US" altLang="zh-CN" dirty="0"/>
+          </a:p>
+          <a:p>
+            <a:r>
+              <a:rPr lang="en-US" altLang="zh-CN" dirty="0"/>
+              <a:t>	</a:t>
+            </a:r>
+            <a:r>
+              <a:rPr lang="zh-CN" altLang="en-US" dirty="0"/>
+              <a:t>学习完</a:t>
+            </a:r>
+            <a:r>
+              <a:rPr lang="en-US" altLang="zh-CN" dirty="0" err="1"/>
+              <a:t>springcloud</a:t>
+            </a:r>
+            <a:r>
+              <a:rPr lang="zh-CN" altLang="en-US" dirty="0"/>
+              <a:t>的新技术（</a:t>
+            </a:r>
+            <a:r>
+              <a:rPr lang="en-US" altLang="zh-CN" dirty="0"/>
+              <a:t>1</a:t>
+            </a:r>
+            <a:r>
+              <a:rPr lang="zh-CN" altLang="en-US" dirty="0"/>
+              <a:t>月到</a:t>
+            </a:r>
+            <a:r>
+              <a:rPr lang="en-US" altLang="zh-CN" dirty="0"/>
+              <a:t>2</a:t>
+            </a:r>
+            <a:r>
+              <a:rPr lang="zh-CN" altLang="en-US" dirty="0"/>
+              <a:t>月底），毕业答辩，完成学校要求的事情（</a:t>
+            </a:r>
+            <a:r>
+              <a:rPr lang="en-US" altLang="zh-CN" dirty="0"/>
+              <a:t>3</a:t>
+            </a:r>
+            <a:r>
+              <a:rPr lang="zh-CN" altLang="en-US" dirty="0"/>
+              <a:t>月到</a:t>
+            </a:r>
+            <a:r>
+              <a:rPr lang="en-US" altLang="zh-CN" dirty="0"/>
+              <a:t>5</a:t>
+            </a:r>
+            <a:r>
+              <a:rPr lang="zh-CN" altLang="en-US" dirty="0"/>
+              <a:t>月底），</a:t>
+            </a:r>
+            <a:r>
+              <a:rPr lang="en-US" altLang="zh-CN" dirty="0"/>
+              <a:t>6</a:t>
+            </a:r>
+            <a:r>
+              <a:rPr lang="zh-CN" altLang="en-US" dirty="0"/>
+              <a:t>月返校答辩。</a:t>
+            </a:r>
+            <a:endParaRPr lang="en-US" altLang="zh-CN" dirty="0"/>
+          </a:p>
+          <a:p>
+            <a:endParaRPr lang="en-US" altLang="zh-CN" dirty="0"/>
+          </a:p>
+          <a:p>
+            <a:endParaRPr lang="en-US" altLang="zh-CN" dirty="0"/>
+          </a:p>
+          <a:p>
+            <a:r>
+              <a:rPr lang="zh-CN" altLang="en-US" dirty="0"/>
+              <a:t>下半年计划：</a:t>
+            </a:r>
+            <a:endParaRPr lang="en-US" altLang="zh-CN" dirty="0"/>
+          </a:p>
+          <a:p>
+            <a:r>
+              <a:rPr lang="en-US" altLang="zh-CN" dirty="0"/>
+              <a:t>	</a:t>
+            </a:r>
+            <a:r>
+              <a:rPr lang="zh-CN" altLang="en-US" dirty="0"/>
+              <a:t>各种技术</a:t>
+            </a:r>
+            <a:endParaRPr lang="en-US" altLang="zh-CN" dirty="0"/>
+          </a:p>
+          <a:p>
+            <a:endParaRPr lang="en-US" altLang="zh-CN" dirty="0"/>
+          </a:p>
+        </p:txBody>
+      </p:sp>
     </p:spTree>
     <p:extLst>
       <p:ext uri="{BB962C8B-B14F-4D97-AF65-F5344CB8AC3E}">
@@ -6899,203 +6843,6 @@
           </a:p>
         </p:txBody>
       </p:sp>
-      <p:sp>
-        <p:nvSpPr>
-          <p:cNvPr id="12" name="TextBox 5"/>
-          <p:cNvSpPr txBox="1"/>
-          <p:nvPr/>
-        </p:nvSpPr>
-        <p:spPr>
-          <a:xfrm>
-            <a:off x="2592288" y="2571752"/>
-            <a:ext cx="6444208" cy="2246769"/>
-          </a:xfrm>
-          <a:prstGeom prst="rect">
-            <a:avLst/>
-          </a:prstGeom>
-          <a:noFill/>
-        </p:spPr>
-        <p:txBody>
-          <a:bodyPr wrap="square" rtlCol="0">
-            <a:spAutoFit/>
-          </a:bodyPr>
-          <a:lstStyle/>
-          <a:p>
-            <a:pPr marL="285750" indent="-285750">
-              <a:lnSpc>
-                <a:spcPct val="200000"/>
-              </a:lnSpc>
-              <a:buClr>
-                <a:srgbClr val="24A19C"/>
-              </a:buClr>
-              <a:buSzPct val="70000"/>
-              <a:buFont typeface="Wingdings" panose="05000000000000000000" pitchFamily="2" charset="2"/>
-              <a:buChar char="n"/>
-            </a:pPr>
-            <a:r>
-              <a:rPr lang="en-US" altLang="zh-CN" sz="1400" dirty="0">
-                <a:solidFill>
-                  <a:srgbClr val="7D8E9F"/>
-                </a:solidFill>
-                <a:latin typeface="微软雅黑" panose="020B0503020204020204" pitchFamily="34" charset="-122"/>
-                <a:ea typeface="微软雅黑" panose="020B0503020204020204" pitchFamily="34" charset="-122"/>
-              </a:rPr>
-              <a:t>1</a:t>
-            </a:r>
-            <a:r>
-              <a:rPr lang="zh-CN" altLang="en-US" sz="1400" dirty="0">
-                <a:solidFill>
-                  <a:srgbClr val="7D8E9F"/>
-                </a:solidFill>
-                <a:latin typeface="微软雅黑" panose="020B0503020204020204" pitchFamily="34" charset="-122"/>
-                <a:ea typeface="微软雅黑" panose="020B0503020204020204" pitchFamily="34" charset="-122"/>
-              </a:rPr>
-              <a:t>分钟内的自我介绍</a:t>
-            </a:r>
-            <a:endParaRPr lang="en-US" altLang="zh-CN" sz="1400" dirty="0">
-              <a:solidFill>
-                <a:srgbClr val="7D8E9F"/>
-              </a:solidFill>
-              <a:latin typeface="微软雅黑" panose="020B0503020204020204" pitchFamily="34" charset="-122"/>
-              <a:ea typeface="微软雅黑" panose="020B0503020204020204" pitchFamily="34" charset="-122"/>
-            </a:endParaRPr>
-          </a:p>
-          <a:p>
-            <a:pPr marL="285750" indent="-285750">
-              <a:lnSpc>
-                <a:spcPct val="200000"/>
-              </a:lnSpc>
-              <a:buClr>
-                <a:srgbClr val="24A19C"/>
-              </a:buClr>
-              <a:buSzPct val="70000"/>
-              <a:buFont typeface="Wingdings" panose="05000000000000000000" pitchFamily="2" charset="2"/>
-              <a:buChar char="n"/>
-            </a:pPr>
-            <a:r>
-              <a:rPr lang="zh-CN" altLang="en-US" sz="1400" dirty="0">
-                <a:solidFill>
-                  <a:srgbClr val="7D8E9F"/>
-                </a:solidFill>
-                <a:latin typeface="微软雅黑" panose="020B0503020204020204" pitchFamily="34" charset="-122"/>
-                <a:ea typeface="微软雅黑" panose="020B0503020204020204" pitchFamily="34" charset="-122"/>
-              </a:rPr>
-              <a:t>必须包含的内容：</a:t>
-            </a:r>
-            <a:endParaRPr lang="en-US" altLang="zh-CN" sz="1400" dirty="0">
-              <a:solidFill>
-                <a:srgbClr val="7D8E9F"/>
-              </a:solidFill>
-              <a:latin typeface="微软雅黑" panose="020B0503020204020204" pitchFamily="34" charset="-122"/>
-              <a:ea typeface="微软雅黑" panose="020B0503020204020204" pitchFamily="34" charset="-122"/>
-            </a:endParaRPr>
-          </a:p>
-          <a:p>
-            <a:pPr>
-              <a:lnSpc>
-                <a:spcPct val="200000"/>
-              </a:lnSpc>
-              <a:buClr>
-                <a:srgbClr val="24A19C"/>
-              </a:buClr>
-              <a:buSzPct val="70000"/>
-            </a:pPr>
-            <a:r>
-              <a:rPr lang="en-US" altLang="zh-CN" sz="1400" dirty="0">
-                <a:solidFill>
-                  <a:srgbClr val="7D8E9F"/>
-                </a:solidFill>
-                <a:latin typeface="微软雅黑" panose="020B0503020204020204" pitchFamily="34" charset="-122"/>
-                <a:ea typeface="微软雅黑" panose="020B0503020204020204" pitchFamily="34" charset="-122"/>
-              </a:rPr>
-              <a:t>      </a:t>
-            </a:r>
-            <a:r>
-              <a:rPr lang="zh-CN" altLang="en-US" sz="1400" dirty="0">
-                <a:solidFill>
-                  <a:srgbClr val="7D8E9F"/>
-                </a:solidFill>
-                <a:latin typeface="微软雅黑" panose="020B0503020204020204" pitchFamily="34" charset="-122"/>
-                <a:ea typeface="微软雅黑" panose="020B0503020204020204" pitchFamily="34" charset="-122"/>
-              </a:rPr>
-              <a:t>姓名、年龄、在读学校及专业、培训经历、掌握的能力概述、</a:t>
-            </a:r>
-            <a:endParaRPr lang="en-US" altLang="zh-CN" sz="1400" dirty="0">
-              <a:solidFill>
-                <a:srgbClr val="7D8E9F"/>
-              </a:solidFill>
-              <a:latin typeface="微软雅黑" panose="020B0503020204020204" pitchFamily="34" charset="-122"/>
-              <a:ea typeface="微软雅黑" panose="020B0503020204020204" pitchFamily="34" charset="-122"/>
-            </a:endParaRPr>
-          </a:p>
-          <a:p>
-            <a:pPr>
-              <a:lnSpc>
-                <a:spcPct val="200000"/>
-              </a:lnSpc>
-              <a:buClr>
-                <a:srgbClr val="24A19C"/>
-              </a:buClr>
-              <a:buSzPct val="70000"/>
-            </a:pPr>
-            <a:r>
-              <a:rPr lang="en-US" altLang="zh-CN" sz="1400" dirty="0">
-                <a:solidFill>
-                  <a:srgbClr val="7D8E9F"/>
-                </a:solidFill>
-                <a:latin typeface="微软雅黑" panose="020B0503020204020204" pitchFamily="34" charset="-122"/>
-                <a:ea typeface="微软雅黑" panose="020B0503020204020204" pitchFamily="34" charset="-122"/>
-              </a:rPr>
-              <a:t>      </a:t>
-            </a:r>
-            <a:r>
-              <a:rPr lang="zh-CN" altLang="en-US" sz="1400" dirty="0">
-                <a:solidFill>
-                  <a:srgbClr val="7D8E9F"/>
-                </a:solidFill>
-                <a:latin typeface="微软雅黑" panose="020B0503020204020204" pitchFamily="34" charset="-122"/>
-                <a:ea typeface="微软雅黑" panose="020B0503020204020204" pitchFamily="34" charset="-122"/>
-              </a:rPr>
-              <a:t>实习岗位介绍、带教导师</a:t>
-            </a:r>
-            <a:endParaRPr lang="en-US" altLang="zh-CN" sz="1400" dirty="0">
-              <a:solidFill>
-                <a:srgbClr val="7D8E9F"/>
-              </a:solidFill>
-              <a:latin typeface="微软雅黑" panose="020B0503020204020204" pitchFamily="34" charset="-122"/>
-              <a:ea typeface="微软雅黑" panose="020B0503020204020204" pitchFamily="34" charset="-122"/>
-            </a:endParaRPr>
-          </a:p>
-          <a:p>
-            <a:pPr>
-              <a:lnSpc>
-                <a:spcPct val="200000"/>
-              </a:lnSpc>
-              <a:buClr>
-                <a:srgbClr val="24A19C"/>
-              </a:buClr>
-              <a:buSzPct val="70000"/>
-            </a:pPr>
-            <a:r>
-              <a:rPr lang="zh-CN" altLang="en-US" sz="1400" dirty="0">
-                <a:solidFill>
-                  <a:srgbClr val="FF0000"/>
-                </a:solidFill>
-                <a:latin typeface="微软雅黑" panose="020B0503020204020204" pitchFamily="34" charset="-122"/>
-                <a:ea typeface="微软雅黑" panose="020B0503020204020204" pitchFamily="34" charset="-122"/>
-              </a:rPr>
-              <a:t>（此页为提示页，答辩时可删除）</a:t>
-            </a:r>
-            <a:endParaRPr lang="en-US" altLang="zh-CN" sz="1400" dirty="0">
-              <a:solidFill>
-                <a:srgbClr val="FF0000"/>
-              </a:solidFill>
-              <a:latin typeface="微软雅黑" panose="020B0503020204020204" pitchFamily="34" charset="-122"/>
-              <a:ea typeface="微软雅黑" panose="020B0503020204020204" pitchFamily="34" charset="-122"/>
-            </a:endParaRPr>
-          </a:p>
-        </p:txBody>
-      </p:sp>
     </p:spTree>
     <p:extLst>
       <p:ext uri="{BB962C8B-B14F-4D97-AF65-F5344CB8AC3E}">
@@ -7231,7 +6978,7 @@
                 <a:latin typeface="微软雅黑" panose="020B0503020204020204" pitchFamily="34" charset="-122"/>
                 <a:ea typeface="微软雅黑" panose="020B0503020204020204" pitchFamily="34" charset="-122"/>
               </a:rPr>
-              <a:t>内容页面</a:t>
+              <a:t>个人介绍</a:t>
             </a:r>
           </a:p>
         </p:txBody>
@@ -7278,6 +7025,189 @@
           <a:lstStyle/>
           <a:p>
             <a:pPr algn="ctr"/>
+            <a:endParaRPr lang="zh-CN" altLang="en-US" dirty="0"/>
+          </a:p>
+        </p:txBody>
+      </p:sp>
+      <p:sp>
+        <p:nvSpPr>
+          <p:cNvPr id="2" name="文本框 1">
+            <a:extLst>
+              <a:ext uri="{FF2B5EF4-FFF2-40B4-BE49-F238E27FC236}">
+                <a16:creationId xmlns:a16="http://schemas.microsoft.com/office/drawing/2014/main" id="{2E4EB2CD-C845-4431-9FC6-2468991CFD49}"/>
+              </a:ext>
+            </a:extLst>
+          </p:cNvPr>
+          <p:cNvSpPr txBox="1"/>
+          <p:nvPr/>
+        </p:nvSpPr>
+        <p:spPr>
+          <a:xfrm>
+            <a:off x="395536" y="1086627"/>
+            <a:ext cx="8580136" cy="2308324"/>
+          </a:xfrm>
+          <a:prstGeom prst="rect">
+            <a:avLst/>
+          </a:prstGeom>
+          <a:noFill/>
+        </p:spPr>
+        <p:txBody>
+          <a:bodyPr wrap="square" rtlCol="0">
+            <a:spAutoFit/>
+          </a:bodyPr>
+          <a:lstStyle/>
+          <a:p>
+            <a:r>
+              <a:rPr lang="zh-CN" altLang="en-US" dirty="0"/>
+              <a:t>姓名：黄文韬 </a:t>
+            </a:r>
+            <a:r>
+              <a:rPr lang="en-US" altLang="zh-CN" dirty="0"/>
+              <a:t>			</a:t>
+            </a:r>
+            <a:r>
+              <a:rPr lang="zh-CN" altLang="en-US" dirty="0"/>
+              <a:t>年龄：</a:t>
+            </a:r>
+            <a:r>
+              <a:rPr lang="en-US" altLang="zh-CN" dirty="0"/>
+              <a:t>21 </a:t>
+            </a:r>
+          </a:p>
+          <a:p>
+            <a:r>
+              <a:rPr lang="zh-CN" altLang="en-US" dirty="0"/>
+              <a:t>在读学校：怀化学院 </a:t>
+            </a:r>
+            <a:r>
+              <a:rPr lang="en-US" altLang="zh-CN" dirty="0"/>
+              <a:t>		</a:t>
+            </a:r>
+            <a:r>
+              <a:rPr lang="zh-CN" altLang="en-US" dirty="0"/>
+              <a:t>专业：计算机科学与技术</a:t>
+            </a:r>
+            <a:endParaRPr lang="en-US" altLang="zh-CN" dirty="0"/>
+          </a:p>
+          <a:p>
+            <a:r>
+              <a:rPr lang="zh-CN" altLang="en-US" dirty="0"/>
+              <a:t>掌握能力：</a:t>
+            </a:r>
+            <a:r>
+              <a:rPr lang="en-US" altLang="zh-CN" dirty="0"/>
+              <a:t>@</a:t>
+            </a:r>
+            <a:r>
+              <a:rPr lang="zh-CN" altLang="en-US" dirty="0"/>
+              <a:t>后台：</a:t>
+            </a:r>
+            <a:r>
+              <a:rPr lang="en-US" altLang="zh-CN" dirty="0" err="1"/>
+              <a:t>java,ssm</a:t>
+            </a:r>
+            <a:r>
+              <a:rPr lang="zh-CN" altLang="en-US" dirty="0"/>
+              <a:t>框架</a:t>
+            </a:r>
+            <a:r>
+              <a:rPr lang="en-US" altLang="zh-CN" dirty="0"/>
+              <a:t>,</a:t>
+            </a:r>
+            <a:r>
+              <a:rPr lang="en-US" altLang="zh-CN" dirty="0" err="1"/>
+              <a:t>springboot</a:t>
+            </a:r>
+            <a:r>
+              <a:rPr lang="en-US" altLang="zh-CN" dirty="0"/>
+              <a:t>, </a:t>
+            </a:r>
+            <a:r>
+              <a:rPr lang="zh-CN" altLang="en-US" dirty="0"/>
+              <a:t>自学过</a:t>
+            </a:r>
+            <a:r>
+              <a:rPr lang="en-US" altLang="zh-CN" dirty="0" err="1"/>
+              <a:t>springcloud,springboot</a:t>
+            </a:r>
+            <a:r>
+              <a:rPr lang="en-US" altLang="zh-CN" dirty="0"/>
+              <a:t> </a:t>
+            </a:r>
+            <a:r>
+              <a:rPr lang="en-US" altLang="zh-CN" dirty="0" err="1"/>
+              <a:t>jpa</a:t>
+            </a:r>
+            <a:r>
+              <a:rPr lang="zh-CN" altLang="en-US" dirty="0"/>
+              <a:t> 。</a:t>
+            </a:r>
+            <a:endParaRPr lang="en-US" altLang="zh-CN" dirty="0"/>
+          </a:p>
+          <a:p>
+            <a:r>
+              <a:rPr lang="en-US" altLang="zh-CN" dirty="0"/>
+              <a:t>                 	    @</a:t>
+            </a:r>
+            <a:r>
+              <a:rPr lang="zh-CN" altLang="en-US" dirty="0"/>
+              <a:t>前端：了解</a:t>
+            </a:r>
+            <a:r>
+              <a:rPr lang="en-US" altLang="zh-CN" dirty="0"/>
+              <a:t>html5,css3,javaScript,jquery ,</a:t>
+            </a:r>
+            <a:r>
+              <a:rPr lang="en-US" altLang="zh-CN" dirty="0" err="1"/>
+              <a:t>Ajax,vue</a:t>
+            </a:r>
+            <a:endParaRPr lang="en-US" altLang="zh-CN" dirty="0"/>
+          </a:p>
+          <a:p>
+            <a:r>
+              <a:rPr lang="en-US" altLang="zh-CN" dirty="0"/>
+              <a:t>                     @</a:t>
+            </a:r>
+            <a:r>
+              <a:rPr lang="zh-CN" altLang="en-US" dirty="0"/>
+              <a:t>数据库：</a:t>
+            </a:r>
+            <a:r>
+              <a:rPr lang="en-US" altLang="zh-CN" dirty="0" err="1"/>
+              <a:t>mysql</a:t>
+            </a:r>
+            <a:r>
+              <a:rPr lang="zh-CN" altLang="en-US" dirty="0"/>
+              <a:t>和</a:t>
+            </a:r>
+            <a:r>
+              <a:rPr lang="en-US" altLang="zh-CN" dirty="0"/>
+              <a:t>oracle</a:t>
+            </a:r>
+          </a:p>
+          <a:p>
+            <a:r>
+              <a:rPr lang="zh-CN" altLang="en-US" dirty="0"/>
+              <a:t>实习岗位：</a:t>
+            </a:r>
+            <a:r>
+              <a:rPr lang="en-US" altLang="zh-CN" dirty="0"/>
+              <a:t>java</a:t>
+            </a:r>
+            <a:r>
+              <a:rPr lang="zh-CN" altLang="en-US" dirty="0"/>
+              <a:t>开发工程师（实习）</a:t>
+            </a:r>
+            <a:endParaRPr lang="en-US" altLang="zh-CN" dirty="0"/>
+          </a:p>
+          <a:p>
+            <a:r>
+              <a:rPr lang="zh-CN" altLang="en-US" dirty="0"/>
+              <a:t>带教导师：徐月华，刘梁梁</a:t>
+            </a:r>
+            <a:endParaRPr lang="en-US" altLang="zh-CN" dirty="0"/>
+          </a:p>
+          <a:p>
             <a:endParaRPr lang="zh-CN" altLang="en-US" dirty="0"/>
           </a:p>
         </p:txBody>
@@ -7807,8 +7737,8 @@
         </p:nvSpPr>
         <p:spPr>
           <a:xfrm>
-            <a:off x="251520" y="195486"/>
-            <a:ext cx="1415772" cy="461665"/>
+            <a:off x="251520" y="195485"/>
+            <a:ext cx="1507144" cy="461665"/>
           </a:xfrm>
           <a:prstGeom prst="rect">
             <a:avLst/>
@@ -7832,7 +7762,7 @@
                 <a:latin typeface="微软雅黑" panose="020B0503020204020204" pitchFamily="34" charset="-122"/>
                 <a:ea typeface="微软雅黑" panose="020B0503020204020204" pitchFamily="34" charset="-122"/>
               </a:rPr>
-              <a:t>内容页面</a:t>
+              <a:t> 工作复盘</a:t>
             </a:r>
           </a:p>
         </p:txBody>
@@ -7879,6 +7809,149 @@
           <a:lstStyle/>
           <a:p>
             <a:pPr algn="ctr"/>
+            <a:endParaRPr lang="zh-CN" altLang="en-US" dirty="0"/>
+          </a:p>
+        </p:txBody>
+      </p:sp>
+      <p:sp>
+        <p:nvSpPr>
+          <p:cNvPr id="2" name="文本框 1">
+            <a:extLst>
+              <a:ext uri="{FF2B5EF4-FFF2-40B4-BE49-F238E27FC236}">
+                <a16:creationId xmlns:a16="http://schemas.microsoft.com/office/drawing/2014/main" id="{F010DE40-2C25-4305-A577-BB41BE9312BA}"/>
+              </a:ext>
+            </a:extLst>
+          </p:cNvPr>
+          <p:cNvSpPr txBox="1"/>
+          <p:nvPr/>
+        </p:nvSpPr>
+        <p:spPr>
+          <a:xfrm>
+            <a:off x="502695" y="1383618"/>
+            <a:ext cx="8064896" cy="3139321"/>
+          </a:xfrm>
+          <a:prstGeom prst="rect">
+            <a:avLst/>
+          </a:prstGeom>
+          <a:noFill/>
+        </p:spPr>
+        <p:txBody>
+          <a:bodyPr wrap="square" rtlCol="0">
+            <a:spAutoFit/>
+          </a:bodyPr>
+          <a:lstStyle/>
+          <a:p>
+            <a:r>
+              <a:rPr lang="zh-CN" altLang="en-US" dirty="0"/>
+              <a:t>开始实习时间：</a:t>
+            </a:r>
+            <a:r>
+              <a:rPr lang="en-US" altLang="zh-CN" dirty="0"/>
+              <a:t>2020</a:t>
+            </a:r>
+            <a:r>
+              <a:rPr lang="zh-CN" altLang="en-US" dirty="0"/>
+              <a:t>年</a:t>
+            </a:r>
+            <a:r>
+              <a:rPr lang="en-US" altLang="zh-CN" dirty="0"/>
+              <a:t>8</a:t>
+            </a:r>
+            <a:r>
+              <a:rPr lang="zh-CN" altLang="en-US" dirty="0"/>
+              <a:t>月</a:t>
+            </a:r>
+            <a:r>
+              <a:rPr lang="en-US" altLang="zh-CN" dirty="0"/>
+              <a:t>17</a:t>
+            </a:r>
+            <a:r>
+              <a:rPr lang="zh-CN" altLang="en-US" dirty="0"/>
+              <a:t>号</a:t>
+            </a:r>
+            <a:endParaRPr lang="en-US" altLang="zh-CN" dirty="0"/>
+          </a:p>
+          <a:p>
+            <a:r>
+              <a:rPr lang="zh-CN" altLang="en-US" dirty="0"/>
+              <a:t>岗位认知：</a:t>
+            </a:r>
+            <a:r>
+              <a:rPr lang="en-US" altLang="zh-CN" dirty="0"/>
+              <a:t>Java</a:t>
+            </a:r>
+            <a:r>
+              <a:rPr lang="zh-CN" altLang="en-US" dirty="0"/>
+              <a:t>开发工程师主要编写一个项目的逻辑部分，涉及到。。。。。。。</a:t>
+            </a:r>
+            <a:endParaRPr lang="en-US" altLang="zh-CN" dirty="0"/>
+          </a:p>
+          <a:p>
+            <a:r>
+              <a:rPr lang="zh-CN" altLang="en-US" dirty="0"/>
+              <a:t>工作内容：完成导师和产品提出来的需求。</a:t>
+            </a:r>
+            <a:endParaRPr lang="en-US" altLang="zh-CN" dirty="0"/>
+          </a:p>
+          <a:p>
+            <a:r>
+              <a:rPr lang="zh-CN" altLang="en-US" dirty="0"/>
+              <a:t>重点事件：第一次需求评审，第二次温泉团建，第三次测试用例评审。</a:t>
+            </a:r>
+            <a:endParaRPr lang="en-US" altLang="zh-CN" dirty="0"/>
+          </a:p>
+          <a:p>
+            <a:r>
+              <a:rPr lang="zh-CN" altLang="en-US" dirty="0"/>
+              <a:t>收获</a:t>
+            </a:r>
+            <a:r>
+              <a:rPr lang="en-US" altLang="zh-CN" dirty="0"/>
+              <a:t>: </a:t>
+            </a:r>
+            <a:r>
+              <a:rPr lang="zh-CN" altLang="en-US" dirty="0"/>
+              <a:t>企业开发项目的流程，</a:t>
+            </a:r>
+            <a:r>
+              <a:rPr lang="en-US" altLang="zh-CN" dirty="0"/>
+              <a:t>java</a:t>
+            </a:r>
+            <a:r>
+              <a:rPr lang="zh-CN" altLang="en-US" dirty="0"/>
+              <a:t>开发的规范，</a:t>
+            </a:r>
+            <a:endParaRPr lang="en-US" altLang="zh-CN" dirty="0"/>
+          </a:p>
+          <a:p>
+            <a:r>
+              <a:rPr lang="zh-CN" altLang="en-US" dirty="0"/>
+              <a:t>可以提升的部分：接口的规范性，代码的简洁性。</a:t>
+            </a:r>
+            <a:endParaRPr lang="en-US" altLang="zh-CN" dirty="0"/>
+          </a:p>
+          <a:p>
+            <a:r>
+              <a:rPr lang="zh-CN" altLang="en-US" dirty="0"/>
+              <a:t>创新点：？？？</a:t>
+            </a:r>
+            <a:endParaRPr lang="en-US" altLang="zh-CN" dirty="0"/>
+          </a:p>
+          <a:p>
+            <a:r>
+              <a:rPr lang="zh-CN" altLang="en-US" dirty="0"/>
+              <a:t>打</a:t>
+            </a:r>
+            <a:r>
+              <a:rPr lang="en-US" altLang="zh-CN" dirty="0"/>
+              <a:t>7</a:t>
+            </a:r>
+            <a:r>
+              <a:rPr lang="zh-CN" altLang="en-US" dirty="0"/>
+              <a:t>分：刚开始的迷茫期，整天发呆不知道干什么。代码规范，代码不严谨问题。对于公司业务了解太晚。</a:t>
+            </a:r>
+          </a:p>
+          <a:p>
             <a:endParaRPr lang="zh-CN" altLang="en-US" dirty="0"/>
           </a:p>
         </p:txBody>
@@ -8357,6 +8430,55 @@
           </a:p>
         </p:txBody>
       </p:sp>
+      <p:sp>
+        <p:nvSpPr>
+          <p:cNvPr id="3" name="文本框 2">
+            <a:extLst>
+              <a:ext uri="{FF2B5EF4-FFF2-40B4-BE49-F238E27FC236}">
+                <a16:creationId xmlns:a16="http://schemas.microsoft.com/office/drawing/2014/main" id="{6C23A9A0-F479-449D-8C6D-5D635ECA8EEA}"/>
+              </a:ext>
+            </a:extLst>
+          </p:cNvPr>
+          <p:cNvSpPr txBox="1"/>
+          <p:nvPr/>
+        </p:nvSpPr>
+        <p:spPr>
+          <a:xfrm>
+            <a:off x="539552" y="987574"/>
+            <a:ext cx="8136904" cy="923330"/>
+          </a:xfrm>
+          <a:prstGeom prst="rect">
+            <a:avLst/>
+          </a:prstGeom>
+          <a:noFill/>
+        </p:spPr>
+        <p:txBody>
+          <a:bodyPr wrap="square" rtlCol="0">
+            <a:spAutoFit/>
+          </a:bodyPr>
+          <a:lstStyle/>
+          <a:p>
+            <a:r>
+              <a:rPr lang="zh-CN" altLang="en-US" dirty="0"/>
+              <a:t>岗位认知：</a:t>
+            </a:r>
+            <a:endParaRPr lang="en-US" altLang="zh-CN" dirty="0"/>
+          </a:p>
+          <a:p>
+            <a:r>
+              <a:rPr lang="zh-CN" altLang="en-US" dirty="0"/>
+              <a:t>优势：</a:t>
+            </a:r>
+            <a:endParaRPr lang="en-US" altLang="zh-CN" dirty="0"/>
+          </a:p>
+          <a:p>
+            <a:r>
+              <a:rPr lang="zh-CN" altLang="en-US" dirty="0"/>
+              <a:t>劣势：</a:t>
+            </a:r>
+          </a:p>
+        </p:txBody>
+      </p:sp>
     </p:spTree>
     <p:extLst>
       <p:ext uri="{BB962C8B-B14F-4D97-AF65-F5344CB8AC3E}">
@@ -8536,7 +8658,21 @@
                 <a:latin typeface="微软雅黑" panose="020B0503020204020204" pitchFamily="34" charset="-122"/>
                 <a:ea typeface="微软雅黑" panose="020B0503020204020204" pitchFamily="34" charset="-122"/>
               </a:rPr>
-              <a:t>四  优劣分析</a:t>
+              <a:t>四</a:t>
+            </a:r>
+            <a:r>
+              <a:rPr lang="en-US" altLang="zh-CN" sz="3200" b="1" dirty="0">
+                <a:latin typeface="微软雅黑" panose="020B0503020204020204" pitchFamily="34" charset="-122"/>
+                <a:ea typeface="微软雅黑" panose="020B0503020204020204" pitchFamily="34" charset="-122"/>
+              </a:rPr>
+              <a:t> </a:t>
+            </a:r>
+            <a:r>
+              <a:rPr lang="zh-CN" altLang="en-US" sz="3200" b="1" dirty="0">
+                <a:latin typeface="微软雅黑" panose="020B0503020204020204" pitchFamily="34" charset="-122"/>
+                <a:ea typeface="微软雅黑" panose="020B0503020204020204" pitchFamily="34" charset="-122"/>
+              </a:rPr>
+              <a:t>未来规划</a:t>
             </a:r>
           </a:p>
         </p:txBody>

--- a/实习答辩PPT模板-2020.pptx
+++ b/实习答辩PPT模板-2020.pptx
@@ -5,7 +5,7 @@
     <p:sldMasterId id="2147483648" r:id="rId1"/>
   </p:sldMasterIdLst>
   <p:notesMasterIdLst>
-    <p:notesMasterId r:id="rId14"/>
+    <p:notesMasterId r:id="rId16"/>
   </p:notesMasterIdLst>
   <p:sldIdLst>
     <p:sldId id="257" r:id="rId2"/>
@@ -18,8 +18,10 @@
     <p:sldId id="318" r:id="rId9"/>
     <p:sldId id="319" r:id="rId10"/>
     <p:sldId id="320" r:id="rId11"/>
-    <p:sldId id="321" r:id="rId12"/>
-    <p:sldId id="263" r:id="rId13"/>
+    <p:sldId id="322" r:id="rId12"/>
+    <p:sldId id="321" r:id="rId13"/>
+    <p:sldId id="323" r:id="rId14"/>
+    <p:sldId id="263" r:id="rId15"/>
   </p:sldIdLst>
   <p:sldSz cx="9144000" cy="5143500" type="screen16x9"/>
   <p:notesSz cx="6858000" cy="9144000"/>
@@ -232,7 +234,7 @@
             <a:fld id="{1EE29F3A-524E-4E33-BB67-41CE2829A15B}" type="datetimeFigureOut">
               <a:rPr lang="zh-CN" altLang="en-US" smtClean="0"/>
               <a:pPr/>
-              <a:t>2020/12/15</a:t>
+              <a:t>2020/12/18</a:t>
             </a:fld>
             <a:endParaRPr lang="zh-CN" altLang="en-US"/>
           </a:p>
@@ -713,10 +715,7 @@
           <a:bodyPr/>
           <a:lstStyle/>
           <a:p>
-            <a:r>
-              <a:rPr lang="zh-CN" altLang="en-US" dirty="0"/>
-              <a:t>感恩：徐月华 刘梁梁</a:t>
-            </a:r>
+            <a:endParaRPr lang="zh-CN" altLang="en-US" dirty="0"/>
           </a:p>
         </p:txBody>
       </p:sp>
@@ -735,9 +734,8 @@
           <a:bodyPr/>
           <a:lstStyle/>
           <a:p>
-            <a:fld id="{345C396D-DE76-40E0-9E78-0618D48D3B6A}" type="slidenum">
+            <a:fld id="{010073C1-CF7E-4FB4-8122-CCDDEF901679}" type="slidenum">
               <a:rPr lang="zh-CN" altLang="en-US" smtClean="0"/>
-              <a:pPr/>
               <a:t>11</a:t>
             </a:fld>
             <a:endParaRPr lang="zh-CN" altLang="en-US"/>
@@ -747,7 +745,7 @@
     </p:spTree>
     <p:extLst>
       <p:ext uri="{BB962C8B-B14F-4D97-AF65-F5344CB8AC3E}">
-        <p14:creationId xmlns:p14="http://schemas.microsoft.com/office/powerpoint/2010/main" val="2981227051"/>
+        <p14:creationId xmlns:p14="http://schemas.microsoft.com/office/powerpoint/2010/main" val="1840800599"/>
       </p:ext>
     </p:extLst>
   </p:cSld>
@@ -784,6 +782,178 @@
             <p:ph type="sldImg"/>
           </p:nvPr>
         </p:nvSpPr>
+        <p:spPr/>
+      </p:sp>
+      <p:sp>
+        <p:nvSpPr>
+          <p:cNvPr id="3" name="备注占位符 2"/>
+          <p:cNvSpPr>
+            <a:spLocks noGrp="1"/>
+          </p:cNvSpPr>
+          <p:nvPr>
+            <p:ph type="body" idx="1"/>
+          </p:nvPr>
+        </p:nvSpPr>
+        <p:spPr/>
+        <p:txBody>
+          <a:bodyPr/>
+          <a:lstStyle/>
+          <a:p>
+            <a:r>
+              <a:rPr lang="zh-CN" altLang="en-US" dirty="0"/>
+              <a:t>感恩：徐月华 刘梁梁</a:t>
+            </a:r>
+          </a:p>
+        </p:txBody>
+      </p:sp>
+      <p:sp>
+        <p:nvSpPr>
+          <p:cNvPr id="4" name="灯片编号占位符 3"/>
+          <p:cNvSpPr>
+            <a:spLocks noGrp="1"/>
+          </p:cNvSpPr>
+          <p:nvPr>
+            <p:ph type="sldNum" sz="quarter" idx="10"/>
+          </p:nvPr>
+        </p:nvSpPr>
+        <p:spPr/>
+        <p:txBody>
+          <a:bodyPr/>
+          <a:lstStyle/>
+          <a:p>
+            <a:fld id="{345C396D-DE76-40E0-9E78-0618D48D3B6A}" type="slidenum">
+              <a:rPr lang="zh-CN" altLang="en-US" smtClean="0"/>
+              <a:pPr/>
+              <a:t>12</a:t>
+            </a:fld>
+            <a:endParaRPr lang="zh-CN" altLang="en-US"/>
+          </a:p>
+        </p:txBody>
+      </p:sp>
+    </p:spTree>
+    <p:extLst>
+      <p:ext uri="{BB962C8B-B14F-4D97-AF65-F5344CB8AC3E}">
+        <p14:creationId xmlns:p14="http://schemas.microsoft.com/office/powerpoint/2010/main" val="2981227051"/>
+      </p:ext>
+    </p:extLst>
+  </p:cSld>
+  <p:clrMapOvr>
+    <a:masterClrMapping/>
+  </p:clrMapOvr>
+</p:notes>
+</file>
+
+<file path=ppt/notesSlides/notesSlide13.xml><?xml version="1.0" encoding="utf-8"?>
+<p:notes xmlns:a="http://schemas.openxmlformats.org/drawingml/2006/main" xmlns:r="http://schemas.openxmlformats.org/officeDocument/2006/relationships" xmlns:p="http://schemas.openxmlformats.org/presentationml/2006/main">
+  <p:cSld>
+    <p:spTree>
+      <p:nvGrpSpPr>
+        <p:cNvPr id="1" name=""/>
+        <p:cNvGrpSpPr/>
+        <p:nvPr/>
+      </p:nvGrpSpPr>
+      <p:grpSpPr>
+        <a:xfrm>
+          <a:off x="0" y="0"/>
+          <a:ext cx="0" cy="0"/>
+          <a:chOff x="0" y="0"/>
+          <a:chExt cx="0" cy="0"/>
+        </a:xfrm>
+      </p:grpSpPr>
+      <p:sp>
+        <p:nvSpPr>
+          <p:cNvPr id="2" name="幻灯片图像占位符 1"/>
+          <p:cNvSpPr>
+            <a:spLocks noGrp="1" noRot="1" noChangeAspect="1"/>
+          </p:cNvSpPr>
+          <p:nvPr>
+            <p:ph type="sldImg"/>
+          </p:nvPr>
+        </p:nvSpPr>
+        <p:spPr/>
+      </p:sp>
+      <p:sp>
+        <p:nvSpPr>
+          <p:cNvPr id="3" name="备注占位符 2"/>
+          <p:cNvSpPr>
+            <a:spLocks noGrp="1"/>
+          </p:cNvSpPr>
+          <p:nvPr>
+            <p:ph type="body" idx="1"/>
+          </p:nvPr>
+        </p:nvSpPr>
+        <p:spPr/>
+        <p:txBody>
+          <a:bodyPr/>
+          <a:lstStyle/>
+          <a:p>
+            <a:endParaRPr lang="zh-CN" altLang="en-US" dirty="0"/>
+          </a:p>
+        </p:txBody>
+      </p:sp>
+      <p:sp>
+        <p:nvSpPr>
+          <p:cNvPr id="4" name="灯片编号占位符 3"/>
+          <p:cNvSpPr>
+            <a:spLocks noGrp="1"/>
+          </p:cNvSpPr>
+          <p:nvPr>
+            <p:ph type="sldNum" sz="quarter" idx="10"/>
+          </p:nvPr>
+        </p:nvSpPr>
+        <p:spPr/>
+        <p:txBody>
+          <a:bodyPr/>
+          <a:lstStyle/>
+          <a:p>
+            <a:fld id="{010073C1-CF7E-4FB4-8122-CCDDEF901679}" type="slidenum">
+              <a:rPr lang="zh-CN" altLang="en-US" smtClean="0"/>
+              <a:t>13</a:t>
+            </a:fld>
+            <a:endParaRPr lang="zh-CN" altLang="en-US"/>
+          </a:p>
+        </p:txBody>
+      </p:sp>
+    </p:spTree>
+    <p:extLst>
+      <p:ext uri="{BB962C8B-B14F-4D97-AF65-F5344CB8AC3E}">
+        <p14:creationId xmlns:p14="http://schemas.microsoft.com/office/powerpoint/2010/main" val="2129321061"/>
+      </p:ext>
+    </p:extLst>
+  </p:cSld>
+  <p:clrMapOvr>
+    <a:masterClrMapping/>
+  </p:clrMapOvr>
+</p:notes>
+</file>
+
+<file path=ppt/notesSlides/notesSlide14.xml><?xml version="1.0" encoding="utf-8"?>
+<p:notes xmlns:a="http://schemas.openxmlformats.org/drawingml/2006/main" xmlns:r="http://schemas.openxmlformats.org/officeDocument/2006/relationships" xmlns:p="http://schemas.openxmlformats.org/presentationml/2006/main">
+  <p:cSld>
+    <p:spTree>
+      <p:nvGrpSpPr>
+        <p:cNvPr id="1" name=""/>
+        <p:cNvGrpSpPr/>
+        <p:nvPr/>
+      </p:nvGrpSpPr>
+      <p:grpSpPr>
+        <a:xfrm>
+          <a:off x="0" y="0"/>
+          <a:ext cx="0" cy="0"/>
+          <a:chOff x="0" y="0"/>
+          <a:chExt cx="0" cy="0"/>
+        </a:xfrm>
+      </p:grpSpPr>
+      <p:sp>
+        <p:nvSpPr>
+          <p:cNvPr id="2" name="幻灯片图像占位符 1"/>
+          <p:cNvSpPr>
+            <a:spLocks noGrp="1" noRot="1" noChangeAspect="1"/>
+          </p:cNvSpPr>
+          <p:nvPr>
+            <p:ph type="sldImg"/>
+          </p:nvPr>
+        </p:nvSpPr>
         <p:spPr>
           <a:xfrm>
             <a:off x="381000" y="685800"/>
@@ -828,7 +998,7 @@
             <a:fld id="{010073C1-CF7E-4FB4-8122-CCDDEF901679}" type="slidenum">
               <a:rPr lang="zh-CN" altLang="en-US" smtClean="0"/>
               <a:pPr/>
-              <a:t>12</a:t>
+              <a:t>14</a:t>
             </a:fld>
             <a:endParaRPr lang="zh-CN" altLang="en-US"/>
           </a:p>
@@ -1819,7 +1989,7 @@
             <a:fld id="{645B2086-9846-460D-891D-C8C741FD0A24}" type="datetimeFigureOut">
               <a:rPr lang="zh-CN" altLang="en-US" smtClean="0"/>
               <a:pPr/>
-              <a:t>2020/12/15</a:t>
+              <a:t>2020/12/18</a:t>
             </a:fld>
             <a:endParaRPr lang="zh-CN" altLang="en-US"/>
           </a:p>
@@ -1989,7 +2159,7 @@
             <a:fld id="{645B2086-9846-460D-891D-C8C741FD0A24}" type="datetimeFigureOut">
               <a:rPr lang="zh-CN" altLang="en-US" smtClean="0"/>
               <a:pPr/>
-              <a:t>2020/12/15</a:t>
+              <a:t>2020/12/18</a:t>
             </a:fld>
             <a:endParaRPr lang="zh-CN" altLang="en-US"/>
           </a:p>
@@ -2169,7 +2339,7 @@
             <a:fld id="{645B2086-9846-460D-891D-C8C741FD0A24}" type="datetimeFigureOut">
               <a:rPr lang="zh-CN" altLang="en-US" smtClean="0"/>
               <a:pPr/>
-              <a:t>2020/12/15</a:t>
+              <a:t>2020/12/18</a:t>
             </a:fld>
             <a:endParaRPr lang="zh-CN" altLang="en-US"/>
           </a:p>
@@ -2339,7 +2509,7 @@
             <a:fld id="{645B2086-9846-460D-891D-C8C741FD0A24}" type="datetimeFigureOut">
               <a:rPr lang="zh-CN" altLang="en-US" smtClean="0"/>
               <a:pPr/>
-              <a:t>2020/12/15</a:t>
+              <a:t>2020/12/18</a:t>
             </a:fld>
             <a:endParaRPr lang="zh-CN" altLang="en-US"/>
           </a:p>
@@ -2586,7 +2756,7 @@
             <a:fld id="{645B2086-9846-460D-891D-C8C741FD0A24}" type="datetimeFigureOut">
               <a:rPr lang="zh-CN" altLang="en-US" smtClean="0"/>
               <a:pPr/>
-              <a:t>2020/12/15</a:t>
+              <a:t>2020/12/18</a:t>
             </a:fld>
             <a:endParaRPr lang="zh-CN" altLang="en-US"/>
           </a:p>
@@ -2873,7 +3043,7 @@
             <a:fld id="{645B2086-9846-460D-891D-C8C741FD0A24}" type="datetimeFigureOut">
               <a:rPr lang="zh-CN" altLang="en-US" smtClean="0"/>
               <a:pPr/>
-              <a:t>2020/12/15</a:t>
+              <a:t>2020/12/18</a:t>
             </a:fld>
             <a:endParaRPr lang="zh-CN" altLang="en-US"/>
           </a:p>
@@ -3299,7 +3469,7 @@
             <a:fld id="{645B2086-9846-460D-891D-C8C741FD0A24}" type="datetimeFigureOut">
               <a:rPr lang="zh-CN" altLang="en-US" smtClean="0"/>
               <a:pPr/>
-              <a:t>2020/12/15</a:t>
+              <a:t>2020/12/18</a:t>
             </a:fld>
             <a:endParaRPr lang="zh-CN" altLang="en-US"/>
           </a:p>
@@ -3418,7 +3588,7 @@
             <a:fld id="{645B2086-9846-460D-891D-C8C741FD0A24}" type="datetimeFigureOut">
               <a:rPr lang="zh-CN" altLang="en-US" smtClean="0"/>
               <a:pPr/>
-              <a:t>2020/12/15</a:t>
+              <a:t>2020/12/18</a:t>
             </a:fld>
             <a:endParaRPr lang="zh-CN" altLang="en-US"/>
           </a:p>
@@ -3515,7 +3685,7 @@
             <a:fld id="{645B2086-9846-460D-891D-C8C741FD0A24}" type="datetimeFigureOut">
               <a:rPr lang="zh-CN" altLang="en-US" smtClean="0"/>
               <a:pPr/>
-              <a:t>2020/12/15</a:t>
+              <a:t>2020/12/18</a:t>
             </a:fld>
             <a:endParaRPr lang="zh-CN" altLang="en-US"/>
           </a:p>
@@ -3792,7 +3962,7 @@
             <a:fld id="{645B2086-9846-460D-891D-C8C741FD0A24}" type="datetimeFigureOut">
               <a:rPr lang="zh-CN" altLang="en-US" smtClean="0"/>
               <a:pPr/>
-              <a:t>2020/12/15</a:t>
+              <a:t>2020/12/18</a:t>
             </a:fld>
             <a:endParaRPr lang="zh-CN" altLang="en-US"/>
           </a:p>
@@ -4046,7 +4216,7 @@
             <a:fld id="{645B2086-9846-460D-891D-C8C741FD0A24}" type="datetimeFigureOut">
               <a:rPr lang="zh-CN" altLang="en-US" smtClean="0"/>
               <a:pPr/>
-              <a:t>2020/12/15</a:t>
+              <a:t>2020/12/18</a:t>
             </a:fld>
             <a:endParaRPr lang="zh-CN" altLang="en-US"/>
           </a:p>
@@ -4259,7 +4429,7 @@
             <a:fld id="{645B2086-9846-460D-891D-C8C741FD0A24}" type="datetimeFigureOut">
               <a:rPr lang="zh-CN" altLang="en-US" smtClean="0"/>
               <a:pPr/>
-              <a:t>2020/12/15</a:t>
+              <a:t>2020/12/18</a:t>
             </a:fld>
             <a:endParaRPr lang="zh-CN" altLang="en-US"/>
           </a:p>
@@ -5128,7 +5298,7 @@
                 <a:latin typeface="微软雅黑" panose="020B0503020204020204" pitchFamily="34" charset="-122"/>
                 <a:ea typeface="微软雅黑" panose="020B0503020204020204" pitchFamily="34" charset="-122"/>
               </a:rPr>
-              <a:t>内容页面</a:t>
+              <a:t>未来规划</a:t>
             </a:r>
           </a:p>
         </p:txBody>
@@ -5193,8 +5363,8 @@
         </p:nvSpPr>
         <p:spPr>
           <a:xfrm>
-            <a:off x="251520" y="915566"/>
-            <a:ext cx="8640960" cy="2308324"/>
+            <a:off x="251520" y="1556087"/>
+            <a:ext cx="8640960" cy="2585323"/>
           </a:xfrm>
           <a:prstGeom prst="rect">
             <a:avLst/>
@@ -5215,89 +5385,185 @@
           </a:p>
           <a:p>
             <a:r>
+              <a:rPr lang="zh-CN" altLang="en-US" dirty="0"/>
+              <a:t>         学习完</a:t>
+            </a:r>
+            <a:r>
+              <a:rPr lang="en-US" altLang="zh-CN" dirty="0" err="1"/>
+              <a:t>springcloud</a:t>
+            </a:r>
+            <a:r>
+              <a:rPr lang="zh-CN" altLang="en-US" dirty="0"/>
+              <a:t>的新技术，包括</a:t>
+            </a:r>
+            <a:r>
+              <a:rPr lang="en-US" altLang="zh-CN" dirty="0"/>
+              <a:t>spring cloud </a:t>
+            </a:r>
+            <a:r>
+              <a:rPr lang="en-US" altLang="zh-CN" dirty="0" err="1"/>
+              <a:t>alibaba</a:t>
+            </a:r>
+            <a:r>
+              <a:rPr lang="zh-CN" altLang="en-US" dirty="0"/>
+              <a:t>（现在到</a:t>
+            </a:r>
+            <a:r>
+              <a:rPr lang="en-US" altLang="zh-CN" dirty="0"/>
+              <a:t>1</a:t>
+            </a:r>
+            <a:r>
+              <a:rPr lang="zh-CN" altLang="en-US" dirty="0"/>
+              <a:t>月底），毕业设计，完成学校要求的事情（</a:t>
+            </a:r>
+            <a:r>
+              <a:rPr lang="en-US" altLang="zh-CN" dirty="0"/>
+              <a:t>3</a:t>
+            </a:r>
+            <a:r>
+              <a:rPr lang="zh-CN" altLang="en-US" dirty="0"/>
+              <a:t>月到</a:t>
+            </a:r>
+            <a:r>
+              <a:rPr lang="en-US" altLang="zh-CN" dirty="0"/>
+              <a:t>5</a:t>
+            </a:r>
+            <a:r>
+              <a:rPr lang="zh-CN" altLang="en-US" dirty="0"/>
+              <a:t>月），</a:t>
+            </a:r>
+            <a:r>
+              <a:rPr lang="en-US" altLang="zh-CN" dirty="0"/>
+              <a:t>6</a:t>
+            </a:r>
+            <a:r>
+              <a:rPr lang="zh-CN" altLang="en-US" dirty="0"/>
+              <a:t>月返校答辩。（上半年会找空余时间深入</a:t>
+            </a:r>
+            <a:r>
+              <a:rPr lang="en-US" altLang="zh-CN" dirty="0" err="1"/>
+              <a:t>redis</a:t>
+            </a:r>
+            <a:r>
+              <a:rPr lang="zh-CN" altLang="en-US" dirty="0"/>
+              <a:t>，学习消息队列）</a:t>
+            </a:r>
+            <a:endParaRPr lang="en-US" altLang="zh-CN" dirty="0"/>
+          </a:p>
+          <a:p>
+            <a:endParaRPr lang="en-US" altLang="zh-CN" dirty="0"/>
+          </a:p>
+          <a:p>
+            <a:endParaRPr lang="en-US" altLang="zh-CN" dirty="0"/>
+          </a:p>
+          <a:p>
+            <a:r>
+              <a:rPr lang="zh-CN" altLang="en-US" dirty="0"/>
+              <a:t>下半年计划：</a:t>
+            </a:r>
+            <a:endParaRPr lang="en-US" altLang="zh-CN" dirty="0"/>
+          </a:p>
+          <a:p>
+            <a:r>
+              <a:rPr lang="en-US" altLang="zh-CN" dirty="0"/>
+              <a:t>          </a:t>
+            </a:r>
+            <a:r>
+              <a:rPr lang="zh-CN" altLang="en-US" dirty="0"/>
+              <a:t>深入学习</a:t>
+            </a:r>
+            <a:r>
+              <a:rPr lang="en-US" altLang="zh-CN" dirty="0"/>
+              <a:t>java</a:t>
+            </a:r>
+            <a:r>
+              <a:rPr lang="zh-CN" altLang="en-US" dirty="0"/>
+              <a:t>，学习完周志明的</a:t>
+            </a:r>
+            <a:r>
+              <a:rPr lang="en-US" altLang="zh-CN" dirty="0"/>
+              <a:t>《</a:t>
+            </a:r>
+            <a:r>
+              <a:rPr lang="zh-CN" altLang="en-US" dirty="0"/>
+              <a:t>深入理解</a:t>
+            </a:r>
+            <a:r>
+              <a:rPr lang="en-US" altLang="zh-CN" dirty="0"/>
+              <a:t>Java</a:t>
+            </a:r>
+            <a:r>
+              <a:rPr lang="zh-CN" altLang="en-US" dirty="0"/>
+              <a:t>虚拟机</a:t>
+            </a:r>
+            <a:r>
+              <a:rPr lang="en-US" altLang="zh-CN" dirty="0"/>
+              <a:t>》</a:t>
+            </a:r>
+            <a:r>
+              <a:rPr lang="zh-CN" altLang="en-US" dirty="0"/>
+              <a:t>（</a:t>
+            </a:r>
+            <a:r>
+              <a:rPr lang="en-US" altLang="zh-CN" dirty="0"/>
+              <a:t>7</a:t>
+            </a:r>
+            <a:r>
+              <a:rPr lang="zh-CN" altLang="en-US" dirty="0"/>
+              <a:t>月到</a:t>
+            </a:r>
+            <a:r>
+              <a:rPr lang="en-US" altLang="zh-CN" dirty="0"/>
+              <a:t>8</a:t>
+            </a:r>
+            <a:r>
+              <a:rPr lang="zh-CN" altLang="en-US" dirty="0"/>
+              <a:t>月），学习完</a:t>
+            </a:r>
+            <a:r>
+              <a:rPr lang="en-US" altLang="zh-CN" dirty="0"/>
+              <a:t>《</a:t>
+            </a:r>
+            <a:r>
+              <a:rPr lang="zh-CN" altLang="en-US" dirty="0"/>
+              <a:t>代码整洁之道</a:t>
+            </a:r>
+            <a:r>
+              <a:rPr lang="en-US" altLang="zh-CN" dirty="0"/>
+              <a:t>》</a:t>
+            </a:r>
+            <a:r>
+              <a:rPr lang="zh-CN" altLang="en-US" dirty="0"/>
+              <a:t>（</a:t>
+            </a:r>
+            <a:r>
+              <a:rPr lang="en-US" altLang="zh-CN" dirty="0"/>
+              <a:t>9</a:t>
+            </a:r>
+            <a:r>
+              <a:rPr lang="zh-CN" altLang="en-US" dirty="0"/>
+              <a:t>月），学习高并发编程（</a:t>
+            </a:r>
+            <a:r>
+              <a:rPr lang="en-US" altLang="zh-CN" dirty="0"/>
+              <a:t>10</a:t>
+            </a:r>
+            <a:r>
+              <a:rPr lang="zh-CN" altLang="en-US" dirty="0"/>
+              <a:t>月到</a:t>
+            </a:r>
+            <a:r>
+              <a:rPr lang="en-US" altLang="zh-CN" dirty="0"/>
+              <a:t>12</a:t>
+            </a:r>
+            <a:r>
+              <a:rPr lang="zh-CN" altLang="en-US" dirty="0"/>
+              <a:t>月）。</a:t>
+            </a:r>
+            <a:r>
               <a:rPr lang="en-US" altLang="zh-CN" dirty="0"/>
               <a:t>	</a:t>
             </a:r>
-            <a:r>
-              <a:rPr lang="zh-CN" altLang="en-US" dirty="0"/>
-              <a:t>学习完</a:t>
-            </a:r>
-            <a:r>
-              <a:rPr lang="en-US" altLang="zh-CN" dirty="0" err="1"/>
-              <a:t>springcloud</a:t>
-            </a:r>
-            <a:r>
-              <a:rPr lang="zh-CN" altLang="en-US" dirty="0"/>
-              <a:t>的新技术（</a:t>
-            </a:r>
-            <a:r>
-              <a:rPr lang="en-US" altLang="zh-CN" dirty="0"/>
-              <a:t>1</a:t>
-            </a:r>
-            <a:r>
-              <a:rPr lang="zh-CN" altLang="en-US" dirty="0"/>
-              <a:t>月到</a:t>
-            </a:r>
-            <a:r>
-              <a:rPr lang="en-US" altLang="zh-CN" dirty="0"/>
-              <a:t>2</a:t>
-            </a:r>
-            <a:r>
-              <a:rPr lang="zh-CN" altLang="en-US" dirty="0"/>
-              <a:t>月底），毕业答辩，完成学校要求的事情（</a:t>
-            </a:r>
-            <a:r>
-              <a:rPr lang="en-US" altLang="zh-CN" dirty="0"/>
-              <a:t>3</a:t>
-            </a:r>
-            <a:r>
-              <a:rPr lang="zh-CN" altLang="en-US" dirty="0"/>
-              <a:t>月到</a:t>
-            </a:r>
-            <a:r>
-              <a:rPr lang="en-US" altLang="zh-CN" dirty="0"/>
-              <a:t>5</a:t>
-            </a:r>
-            <a:r>
-              <a:rPr lang="zh-CN" altLang="en-US" dirty="0"/>
-              <a:t>月底），</a:t>
-            </a:r>
-            <a:r>
-              <a:rPr lang="en-US" altLang="zh-CN" dirty="0"/>
-              <a:t>6</a:t>
-            </a:r>
-            <a:r>
-              <a:rPr lang="zh-CN" altLang="en-US" dirty="0"/>
-              <a:t>月返校答辩。</a:t>
-            </a:r>
-            <a:endParaRPr lang="en-US" altLang="zh-CN" dirty="0"/>
-          </a:p>
-          <a:p>
-            <a:endParaRPr lang="en-US" altLang="zh-CN" dirty="0"/>
-          </a:p>
-          <a:p>
-            <a:endParaRPr lang="en-US" altLang="zh-CN" dirty="0"/>
-          </a:p>
-          <a:p>
-            <a:r>
-              <a:rPr lang="zh-CN" altLang="en-US" dirty="0"/>
-              <a:t>下半年计划：</a:t>
-            </a:r>
-            <a:endParaRPr lang="en-US" altLang="zh-CN" dirty="0"/>
-          </a:p>
-          <a:p>
-            <a:r>
-              <a:rPr lang="en-US" altLang="zh-CN" dirty="0"/>
-              <a:t>	</a:t>
-            </a:r>
-            <a:r>
-              <a:rPr lang="zh-CN" altLang="en-US" dirty="0"/>
-              <a:t>各种技术</a:t>
-            </a:r>
-            <a:endParaRPr lang="en-US" altLang="zh-CN" dirty="0"/>
-          </a:p>
-          <a:p>
-            <a:endParaRPr lang="en-US" altLang="zh-CN" dirty="0"/>
           </a:p>
         </p:txBody>
       </p:sp>
@@ -5333,6 +5599,474 @@
       </p:grpSpPr>
       <p:sp>
         <p:nvSpPr>
+          <p:cNvPr id="9" name="TextBox 8"/>
+          <p:cNvSpPr txBox="1"/>
+          <p:nvPr/>
+        </p:nvSpPr>
+        <p:spPr>
+          <a:xfrm>
+            <a:off x="8247461" y="4803998"/>
+            <a:ext cx="800219" cy="215444"/>
+          </a:xfrm>
+          <a:prstGeom prst="rect">
+            <a:avLst/>
+          </a:prstGeom>
+          <a:noFill/>
+        </p:spPr>
+        <p:txBody>
+          <a:bodyPr wrap="none" rtlCol="0">
+            <a:spAutoFit/>
+          </a:bodyPr>
+          <a:lstStyle/>
+          <a:p>
+            <a:r>
+              <a:rPr lang="zh-CN" altLang="en-US" sz="800" b="1" i="1" dirty="0">
+                <a:solidFill>
+                  <a:schemeClr val="bg1">
+                    <a:lumMod val="75000"/>
+                  </a:schemeClr>
+                </a:solidFill>
+                <a:latin typeface="微软雅黑" panose="020B0503020204020204" pitchFamily="34" charset="-122"/>
+                <a:ea typeface="微软雅黑" panose="020B0503020204020204" pitchFamily="34" charset="-122"/>
+              </a:rPr>
+              <a:t>数据改变医疗</a:t>
+            </a:r>
+          </a:p>
+        </p:txBody>
+      </p:sp>
+      <p:cxnSp>
+        <p:nvCxnSpPr>
+          <p:cNvPr id="10" name="直接连接符 9"/>
+          <p:cNvCxnSpPr/>
+          <p:nvPr/>
+        </p:nvCxnSpPr>
+        <p:spPr>
+          <a:xfrm>
+            <a:off x="8567591" y="5002464"/>
+            <a:ext cx="162133" cy="0"/>
+          </a:xfrm>
+          <a:prstGeom prst="line">
+            <a:avLst/>
+          </a:prstGeom>
+          <a:ln>
+            <a:solidFill>
+              <a:srgbClr val="0AB9C2"/>
+            </a:solidFill>
+          </a:ln>
+        </p:spPr>
+        <p:style>
+          <a:lnRef idx="1">
+            <a:schemeClr val="accent1"/>
+          </a:lnRef>
+          <a:fillRef idx="0">
+            <a:schemeClr val="accent1"/>
+          </a:fillRef>
+          <a:effectRef idx="0">
+            <a:schemeClr val="accent1"/>
+          </a:effectRef>
+          <a:fontRef idx="minor">
+            <a:schemeClr val="tx1"/>
+          </a:fontRef>
+        </p:style>
+      </p:cxnSp>
+      <p:sp>
+        <p:nvSpPr>
+          <p:cNvPr id="11" name="TextBox 10"/>
+          <p:cNvSpPr txBox="1"/>
+          <p:nvPr/>
+        </p:nvSpPr>
+        <p:spPr>
+          <a:xfrm>
+            <a:off x="251520" y="195486"/>
+            <a:ext cx="1415772" cy="461665"/>
+          </a:xfrm>
+          <a:prstGeom prst="rect">
+            <a:avLst/>
+          </a:prstGeom>
+          <a:noFill/>
+        </p:spPr>
+        <p:txBody>
+          <a:bodyPr wrap="none" rtlCol="0">
+            <a:spAutoFit/>
+          </a:bodyPr>
+          <a:lstStyle/>
+          <a:p>
+            <a:r>
+              <a:rPr lang="zh-CN" altLang="en-US" sz="2400" b="1" dirty="0">
+                <a:solidFill>
+                  <a:schemeClr val="tx1">
+                    <a:lumMod val="85000"/>
+                    <a:lumOff val="15000"/>
+                  </a:schemeClr>
+                </a:solidFill>
+                <a:latin typeface="微软雅黑" panose="020B0503020204020204" pitchFamily="34" charset="-122"/>
+                <a:ea typeface="微软雅黑" panose="020B0503020204020204" pitchFamily="34" charset="-122"/>
+              </a:rPr>
+              <a:t>未来规划</a:t>
+            </a:r>
+          </a:p>
+        </p:txBody>
+      </p:sp>
+      <p:sp>
+        <p:nvSpPr>
+          <p:cNvPr id="12" name="矩形 11"/>
+          <p:cNvSpPr/>
+          <p:nvPr/>
+        </p:nvSpPr>
+        <p:spPr>
+          <a:xfrm>
+            <a:off x="0" y="246298"/>
+            <a:ext cx="107504" cy="360041"/>
+          </a:xfrm>
+          <a:prstGeom prst="rect">
+            <a:avLst/>
+          </a:prstGeom>
+          <a:solidFill>
+            <a:srgbClr val="24A19C"/>
+          </a:solidFill>
+          <a:ln>
+            <a:noFill/>
+          </a:ln>
+        </p:spPr>
+        <p:style>
+          <a:lnRef idx="2">
+            <a:schemeClr val="accent1">
+              <a:shade val="50000"/>
+            </a:schemeClr>
+          </a:lnRef>
+          <a:fillRef idx="1">
+            <a:schemeClr val="accent1"/>
+          </a:fillRef>
+          <a:effectRef idx="0">
+            <a:schemeClr val="accent1"/>
+          </a:effectRef>
+          <a:fontRef idx="minor">
+            <a:schemeClr val="lt1"/>
+          </a:fontRef>
+        </p:style>
+        <p:txBody>
+          <a:bodyPr rtlCol="0" anchor="ctr"/>
+          <a:lstStyle/>
+          <a:p>
+            <a:pPr algn="ctr"/>
+            <a:endParaRPr lang="zh-CN" altLang="en-US" dirty="0"/>
+          </a:p>
+        </p:txBody>
+      </p:sp>
+      <p:sp>
+        <p:nvSpPr>
+          <p:cNvPr id="2" name="文本框 1">
+            <a:extLst>
+              <a:ext uri="{FF2B5EF4-FFF2-40B4-BE49-F238E27FC236}">
+                <a16:creationId xmlns:a16="http://schemas.microsoft.com/office/drawing/2014/main" id="{F36D76F9-7D65-44ED-BEB8-2055267A992B}"/>
+              </a:ext>
+            </a:extLst>
+          </p:cNvPr>
+          <p:cNvSpPr txBox="1"/>
+          <p:nvPr/>
+        </p:nvSpPr>
+        <p:spPr>
+          <a:xfrm>
+            <a:off x="251520" y="1556087"/>
+            <a:ext cx="8640960" cy="2585323"/>
+          </a:xfrm>
+          <a:prstGeom prst="rect">
+            <a:avLst/>
+          </a:prstGeom>
+          <a:noFill/>
+        </p:spPr>
+        <p:txBody>
+          <a:bodyPr wrap="square" rtlCol="0">
+            <a:spAutoFit/>
+          </a:bodyPr>
+          <a:lstStyle/>
+          <a:p>
+            <a:r>
+              <a:rPr lang="zh-CN" altLang="en-US" dirty="0"/>
+              <a:t>上半年计划：</a:t>
+            </a:r>
+            <a:endParaRPr lang="en-US" altLang="zh-CN" dirty="0"/>
+          </a:p>
+          <a:p>
+            <a:r>
+              <a:rPr lang="en-US" altLang="zh-CN" dirty="0"/>
+              <a:t>         </a:t>
+            </a:r>
+            <a:r>
+              <a:rPr lang="zh-CN" altLang="en-US" dirty="0"/>
+              <a:t>学习完</a:t>
+            </a:r>
+            <a:r>
+              <a:rPr lang="en-US" altLang="zh-CN" dirty="0" err="1"/>
+              <a:t>springcloud</a:t>
+            </a:r>
+            <a:r>
+              <a:rPr lang="zh-CN" altLang="en-US" dirty="0"/>
+              <a:t>的新技术，包括</a:t>
+            </a:r>
+            <a:r>
+              <a:rPr lang="en-US" altLang="zh-CN" dirty="0"/>
+              <a:t>spring cloud </a:t>
+            </a:r>
+            <a:r>
+              <a:rPr lang="en-US" altLang="zh-CN" dirty="0" err="1"/>
+              <a:t>alibaba</a:t>
+            </a:r>
+            <a:r>
+              <a:rPr lang="zh-CN" altLang="en-US" dirty="0"/>
+              <a:t>（现在到</a:t>
+            </a:r>
+            <a:r>
+              <a:rPr lang="en-US" altLang="zh-CN" dirty="0"/>
+              <a:t>1</a:t>
+            </a:r>
+            <a:r>
+              <a:rPr lang="zh-CN" altLang="en-US" dirty="0"/>
+              <a:t>月底），毕业设计，完成学校要求的事情（</a:t>
+            </a:r>
+            <a:r>
+              <a:rPr lang="en-US" altLang="zh-CN" dirty="0"/>
+              <a:t>3</a:t>
+            </a:r>
+            <a:r>
+              <a:rPr lang="zh-CN" altLang="en-US" dirty="0"/>
+              <a:t>月到</a:t>
+            </a:r>
+            <a:r>
+              <a:rPr lang="en-US" altLang="zh-CN" dirty="0"/>
+              <a:t>5</a:t>
+            </a:r>
+            <a:r>
+              <a:rPr lang="zh-CN" altLang="en-US" dirty="0"/>
+              <a:t>月），</a:t>
+            </a:r>
+            <a:r>
+              <a:rPr lang="en-US" altLang="zh-CN" dirty="0"/>
+              <a:t>6</a:t>
+            </a:r>
+            <a:r>
+              <a:rPr lang="zh-CN" altLang="en-US" dirty="0"/>
+              <a:t>月返校答辩。（上半年会找空余时间深入</a:t>
+            </a:r>
+            <a:r>
+              <a:rPr lang="en-US" altLang="zh-CN" dirty="0" err="1"/>
+              <a:t>redis</a:t>
+            </a:r>
+            <a:r>
+              <a:rPr lang="zh-CN" altLang="en-US" dirty="0"/>
+              <a:t>，学习消息队列）</a:t>
+            </a:r>
+            <a:endParaRPr lang="en-US" altLang="zh-CN" dirty="0"/>
+          </a:p>
+          <a:p>
+            <a:endParaRPr lang="en-US" altLang="zh-CN" dirty="0"/>
+          </a:p>
+          <a:p>
+            <a:endParaRPr lang="en-US" altLang="zh-CN" dirty="0"/>
+          </a:p>
+          <a:p>
+            <a:r>
+              <a:rPr lang="zh-CN" altLang="en-US" dirty="0"/>
+              <a:t>下半年计划：</a:t>
+            </a:r>
+            <a:endParaRPr lang="en-US" altLang="zh-CN" dirty="0"/>
+          </a:p>
+          <a:p>
+            <a:r>
+              <a:rPr lang="en-US" altLang="zh-CN" dirty="0"/>
+              <a:t>          </a:t>
+            </a:r>
+            <a:r>
+              <a:rPr lang="zh-CN" altLang="en-US" dirty="0"/>
+              <a:t>深入学习</a:t>
+            </a:r>
+            <a:r>
+              <a:rPr lang="en-US" altLang="zh-CN" dirty="0"/>
+              <a:t>java</a:t>
+            </a:r>
+            <a:r>
+              <a:rPr lang="zh-CN" altLang="en-US" dirty="0"/>
+              <a:t>，学习完周志明的</a:t>
+            </a:r>
+            <a:r>
+              <a:rPr lang="en-US" altLang="zh-CN" dirty="0"/>
+              <a:t>《</a:t>
+            </a:r>
+            <a:r>
+              <a:rPr lang="zh-CN" altLang="en-US" dirty="0"/>
+              <a:t>深入理解</a:t>
+            </a:r>
+            <a:r>
+              <a:rPr lang="en-US" altLang="zh-CN" dirty="0"/>
+              <a:t>Java</a:t>
+            </a:r>
+            <a:r>
+              <a:rPr lang="zh-CN" altLang="en-US" dirty="0"/>
+              <a:t>虚拟机</a:t>
+            </a:r>
+            <a:r>
+              <a:rPr lang="en-US" altLang="zh-CN" dirty="0"/>
+              <a:t>》</a:t>
+            </a:r>
+            <a:r>
+              <a:rPr lang="zh-CN" altLang="en-US" dirty="0"/>
+              <a:t>（</a:t>
+            </a:r>
+            <a:r>
+              <a:rPr lang="en-US" altLang="zh-CN" dirty="0"/>
+              <a:t>7</a:t>
+            </a:r>
+            <a:r>
+              <a:rPr lang="zh-CN" altLang="en-US" dirty="0"/>
+              <a:t>月到</a:t>
+            </a:r>
+            <a:r>
+              <a:rPr lang="en-US" altLang="zh-CN" dirty="0"/>
+              <a:t>8</a:t>
+            </a:r>
+            <a:r>
+              <a:rPr lang="zh-CN" altLang="en-US" dirty="0"/>
+              <a:t>月），学习完</a:t>
+            </a:r>
+            <a:r>
+              <a:rPr lang="en-US" altLang="zh-CN" dirty="0"/>
+              <a:t>《</a:t>
+            </a:r>
+            <a:r>
+              <a:rPr lang="zh-CN" altLang="en-US" dirty="0"/>
+              <a:t>代码整洁之道</a:t>
+            </a:r>
+            <a:r>
+              <a:rPr lang="en-US" altLang="zh-CN" dirty="0"/>
+              <a:t>》</a:t>
+            </a:r>
+            <a:r>
+              <a:rPr lang="zh-CN" altLang="en-US" dirty="0"/>
+              <a:t>（</a:t>
+            </a:r>
+            <a:r>
+              <a:rPr lang="en-US" altLang="zh-CN" dirty="0"/>
+              <a:t>9</a:t>
+            </a:r>
+            <a:r>
+              <a:rPr lang="zh-CN" altLang="en-US" dirty="0"/>
+              <a:t>月），学习高并发编程（</a:t>
+            </a:r>
+            <a:r>
+              <a:rPr lang="en-US" altLang="zh-CN" dirty="0"/>
+              <a:t>10</a:t>
+            </a:r>
+            <a:r>
+              <a:rPr lang="zh-CN" altLang="en-US" dirty="0"/>
+              <a:t>月到</a:t>
+            </a:r>
+            <a:r>
+              <a:rPr lang="en-US" altLang="zh-CN" dirty="0"/>
+              <a:t>12</a:t>
+            </a:r>
+            <a:r>
+              <a:rPr lang="zh-CN" altLang="en-US" dirty="0"/>
+              <a:t>月）。</a:t>
+            </a:r>
+            <a:r>
+              <a:rPr lang="en-US" altLang="zh-CN" dirty="0"/>
+              <a:t>	</a:t>
+            </a:r>
+          </a:p>
+        </p:txBody>
+      </p:sp>
+      <p:sp>
+        <p:nvSpPr>
+          <p:cNvPr id="13" name="文本框 12">
+            <a:extLst>
+              <a:ext uri="{FF2B5EF4-FFF2-40B4-BE49-F238E27FC236}">
+                <a16:creationId xmlns:a16="http://schemas.microsoft.com/office/drawing/2014/main" id="{4996E919-6C60-4078-BD98-DE716CCF5FE0}"/>
+              </a:ext>
+            </a:extLst>
+          </p:cNvPr>
+          <p:cNvSpPr txBox="1"/>
+          <p:nvPr/>
+        </p:nvSpPr>
+        <p:spPr>
+          <a:xfrm>
+            <a:off x="2483768" y="421673"/>
+            <a:ext cx="5114670" cy="369332"/>
+          </a:xfrm>
+          <a:prstGeom prst="rect">
+            <a:avLst/>
+          </a:prstGeom>
+          <a:noFill/>
+        </p:spPr>
+        <p:txBody>
+          <a:bodyPr wrap="square">
+            <a:spAutoFit/>
+          </a:bodyPr>
+          <a:lstStyle/>
+          <a:p>
+            <a:pPr algn="ctr"/>
+            <a:r>
+              <a:rPr lang="zh-CN" altLang="en-US" sz="1800" b="0" cap="none" spc="0" dirty="0">
+                <a:ln w="0"/>
+                <a:gradFill>
+                  <a:gsLst>
+                    <a:gs pos="0">
+                      <a:schemeClr val="accent5">
+                        <a:lumMod val="50000"/>
+                      </a:schemeClr>
+                    </a:gs>
+                    <a:gs pos="50000">
+                      <a:schemeClr val="accent5"/>
+                    </a:gs>
+                    <a:gs pos="100000">
+                      <a:schemeClr val="accent5">
+                        <a:lumMod val="60000"/>
+                        <a:lumOff val="40000"/>
+                      </a:schemeClr>
+                    </a:gs>
+                  </a:gsLst>
+                  <a:lin ang="5400000"/>
+                </a:gradFill>
+                <a:effectLst>
+                  <a:reflection blurRad="6350" stA="53000" endA="300" endPos="35500" dir="5400000" sy="-90000" algn="bl" rotWithShape="0"/>
+                </a:effectLst>
+              </a:rPr>
+              <a:t>这是我明年一年大体计划，随时有可能变化。</a:t>
+            </a:r>
+          </a:p>
+        </p:txBody>
+      </p:sp>
+    </p:spTree>
+    <p:extLst>
+      <p:ext uri="{BB962C8B-B14F-4D97-AF65-F5344CB8AC3E}">
+        <p14:creationId xmlns:p14="http://schemas.microsoft.com/office/powerpoint/2010/main" val="3476936542"/>
+      </p:ext>
+    </p:extLst>
+  </p:cSld>
+  <p:clrMapOvr>
+    <a:masterClrMapping/>
+  </p:clrMapOvr>
+</p:sld>
+</file>
+
+<file path=ppt/slides/slide12.xml><?xml version="1.0" encoding="utf-8"?>
+<p:sld xmlns:a="http://schemas.openxmlformats.org/drawingml/2006/main" xmlns:r="http://schemas.openxmlformats.org/officeDocument/2006/relationships" xmlns:p="http://schemas.openxmlformats.org/presentationml/2006/main">
+  <p:cSld>
+    <p:spTree>
+      <p:nvGrpSpPr>
+        <p:cNvPr id="1" name=""/>
+        <p:cNvGrpSpPr/>
+        <p:nvPr/>
+      </p:nvGrpSpPr>
+      <p:grpSpPr>
+        <a:xfrm>
+          <a:off x="0" y="0"/>
+          <a:ext cx="0" cy="0"/>
+          <a:chOff x="0" y="0"/>
+          <a:chExt cx="0" cy="0"/>
+        </a:xfrm>
+      </p:grpSpPr>
+      <p:sp>
+        <p:nvSpPr>
           <p:cNvPr id="4" name="矩形 3"/>
           <p:cNvSpPr/>
           <p:nvPr/>
@@ -5480,7 +6214,7 @@
                 <a:latin typeface="微软雅黑" panose="020B0503020204020204" pitchFamily="34" charset="-122"/>
                 <a:ea typeface="微软雅黑" panose="020B0503020204020204" pitchFamily="34" charset="-122"/>
               </a:rPr>
-              <a:t>五  自主发挥</a:t>
+              <a:t>五  感恩</a:t>
             </a:r>
           </a:p>
         </p:txBody>
@@ -5498,7 +6232,285 @@
 </p:sld>
 </file>
 
-<file path=ppt/slides/slide12.xml><?xml version="1.0" encoding="utf-8"?>
+<file path=ppt/slides/slide13.xml><?xml version="1.0" encoding="utf-8"?>
+<p:sld xmlns:a="http://schemas.openxmlformats.org/drawingml/2006/main" xmlns:r="http://schemas.openxmlformats.org/officeDocument/2006/relationships" xmlns:p="http://schemas.openxmlformats.org/presentationml/2006/main">
+  <p:cSld>
+    <p:spTree>
+      <p:nvGrpSpPr>
+        <p:cNvPr id="1" name=""/>
+        <p:cNvGrpSpPr/>
+        <p:nvPr/>
+      </p:nvGrpSpPr>
+      <p:grpSpPr>
+        <a:xfrm>
+          <a:off x="0" y="0"/>
+          <a:ext cx="0" cy="0"/>
+          <a:chOff x="0" y="0"/>
+          <a:chExt cx="0" cy="0"/>
+        </a:xfrm>
+      </p:grpSpPr>
+      <p:sp>
+        <p:nvSpPr>
+          <p:cNvPr id="9" name="TextBox 8"/>
+          <p:cNvSpPr txBox="1"/>
+          <p:nvPr/>
+        </p:nvSpPr>
+        <p:spPr>
+          <a:xfrm>
+            <a:off x="8247461" y="4803998"/>
+            <a:ext cx="800219" cy="215444"/>
+          </a:xfrm>
+          <a:prstGeom prst="rect">
+            <a:avLst/>
+          </a:prstGeom>
+          <a:noFill/>
+        </p:spPr>
+        <p:txBody>
+          <a:bodyPr wrap="none" rtlCol="0">
+            <a:spAutoFit/>
+          </a:bodyPr>
+          <a:lstStyle/>
+          <a:p>
+            <a:r>
+              <a:rPr lang="zh-CN" altLang="en-US" sz="800" b="1" i="1" dirty="0">
+                <a:solidFill>
+                  <a:schemeClr val="bg1">
+                    <a:lumMod val="75000"/>
+                  </a:schemeClr>
+                </a:solidFill>
+                <a:latin typeface="微软雅黑" panose="020B0503020204020204" pitchFamily="34" charset="-122"/>
+                <a:ea typeface="微软雅黑" panose="020B0503020204020204" pitchFamily="34" charset="-122"/>
+              </a:rPr>
+              <a:t>数据改变医疗</a:t>
+            </a:r>
+          </a:p>
+        </p:txBody>
+      </p:sp>
+      <p:cxnSp>
+        <p:nvCxnSpPr>
+          <p:cNvPr id="10" name="直接连接符 9"/>
+          <p:cNvCxnSpPr/>
+          <p:nvPr/>
+        </p:nvCxnSpPr>
+        <p:spPr>
+          <a:xfrm>
+            <a:off x="8567591" y="5002464"/>
+            <a:ext cx="162133" cy="0"/>
+          </a:xfrm>
+          <a:prstGeom prst="line">
+            <a:avLst/>
+          </a:prstGeom>
+          <a:ln>
+            <a:solidFill>
+              <a:srgbClr val="0AB9C2"/>
+            </a:solidFill>
+          </a:ln>
+        </p:spPr>
+        <p:style>
+          <a:lnRef idx="1">
+            <a:schemeClr val="accent1"/>
+          </a:lnRef>
+          <a:fillRef idx="0">
+            <a:schemeClr val="accent1"/>
+          </a:fillRef>
+          <a:effectRef idx="0">
+            <a:schemeClr val="accent1"/>
+          </a:effectRef>
+          <a:fontRef idx="minor">
+            <a:schemeClr val="tx1"/>
+          </a:fontRef>
+        </p:style>
+      </p:cxnSp>
+      <p:sp>
+        <p:nvSpPr>
+          <p:cNvPr id="11" name="TextBox 10"/>
+          <p:cNvSpPr txBox="1"/>
+          <p:nvPr/>
+        </p:nvSpPr>
+        <p:spPr>
+          <a:xfrm>
+            <a:off x="251520" y="195485"/>
+            <a:ext cx="800219" cy="461665"/>
+          </a:xfrm>
+          <a:prstGeom prst="rect">
+            <a:avLst/>
+          </a:prstGeom>
+          <a:noFill/>
+        </p:spPr>
+        <p:txBody>
+          <a:bodyPr wrap="none" rtlCol="0">
+            <a:spAutoFit/>
+          </a:bodyPr>
+          <a:lstStyle/>
+          <a:p>
+            <a:r>
+              <a:rPr lang="zh-CN" altLang="en-US" sz="2400" b="1" dirty="0">
+                <a:solidFill>
+                  <a:schemeClr val="tx1">
+                    <a:lumMod val="85000"/>
+                    <a:lumOff val="15000"/>
+                  </a:schemeClr>
+                </a:solidFill>
+                <a:latin typeface="微软雅黑" panose="020B0503020204020204" pitchFamily="34" charset="-122"/>
+                <a:ea typeface="微软雅黑" panose="020B0503020204020204" pitchFamily="34" charset="-122"/>
+              </a:rPr>
+              <a:t>感恩</a:t>
+            </a:r>
+          </a:p>
+        </p:txBody>
+      </p:sp>
+      <p:sp>
+        <p:nvSpPr>
+          <p:cNvPr id="12" name="矩形 11"/>
+          <p:cNvSpPr/>
+          <p:nvPr/>
+        </p:nvSpPr>
+        <p:spPr>
+          <a:xfrm>
+            <a:off x="0" y="246298"/>
+            <a:ext cx="107504" cy="360041"/>
+          </a:xfrm>
+          <a:prstGeom prst="rect">
+            <a:avLst/>
+          </a:prstGeom>
+          <a:solidFill>
+            <a:srgbClr val="24A19C"/>
+          </a:solidFill>
+          <a:ln>
+            <a:noFill/>
+          </a:ln>
+        </p:spPr>
+        <p:style>
+          <a:lnRef idx="2">
+            <a:schemeClr val="accent1">
+              <a:shade val="50000"/>
+            </a:schemeClr>
+          </a:lnRef>
+          <a:fillRef idx="1">
+            <a:schemeClr val="accent1"/>
+          </a:fillRef>
+          <a:effectRef idx="0">
+            <a:schemeClr val="accent1"/>
+          </a:effectRef>
+          <a:fontRef idx="minor">
+            <a:schemeClr val="lt1"/>
+          </a:fontRef>
+        </p:style>
+        <p:txBody>
+          <a:bodyPr rtlCol="0" anchor="ctr"/>
+          <a:lstStyle/>
+          <a:p>
+            <a:pPr algn="ctr"/>
+            <a:endParaRPr lang="zh-CN" altLang="en-US" dirty="0"/>
+          </a:p>
+        </p:txBody>
+      </p:sp>
+      <p:sp>
+        <p:nvSpPr>
+          <p:cNvPr id="4" name="文本框 3">
+            <a:extLst>
+              <a:ext uri="{FF2B5EF4-FFF2-40B4-BE49-F238E27FC236}">
+                <a16:creationId xmlns:a16="http://schemas.microsoft.com/office/drawing/2014/main" id="{762ACEF7-A56C-43DB-8DA4-9ADA28AAE800}"/>
+              </a:ext>
+            </a:extLst>
+          </p:cNvPr>
+          <p:cNvSpPr txBox="1"/>
+          <p:nvPr/>
+        </p:nvSpPr>
+        <p:spPr>
+          <a:xfrm>
+            <a:off x="521976" y="987574"/>
+            <a:ext cx="8100047" cy="3139321"/>
+          </a:xfrm>
+          <a:prstGeom prst="rect">
+            <a:avLst/>
+          </a:prstGeom>
+          <a:noFill/>
+        </p:spPr>
+        <p:txBody>
+          <a:bodyPr wrap="square" rtlCol="0">
+            <a:spAutoFit/>
+          </a:bodyPr>
+          <a:lstStyle/>
+          <a:p>
+            <a:r>
+              <a:rPr lang="zh-CN" altLang="en-US" dirty="0"/>
+              <a:t>感恩火树 </a:t>
+            </a:r>
+            <a:r>
+              <a:rPr lang="en-US" altLang="zh-CN" dirty="0"/>
+              <a:t>—— </a:t>
+            </a:r>
+            <a:r>
+              <a:rPr lang="zh-CN" altLang="en-US" dirty="0"/>
+              <a:t>感谢火树给我这次实习的机会，火树培养人的方案是一对一的，在各位大佬工作之时，还要培养“小白”，这非常的“棒”。</a:t>
+            </a:r>
+            <a:endParaRPr lang="en-US" altLang="zh-CN" dirty="0"/>
+          </a:p>
+          <a:p>
+            <a:endParaRPr lang="en-US" altLang="zh-CN" dirty="0"/>
+          </a:p>
+          <a:p>
+            <a:endParaRPr lang="en-US" altLang="zh-CN" dirty="0"/>
+          </a:p>
+          <a:p>
+            <a:r>
+              <a:rPr lang="zh-CN" altLang="en-US" dirty="0"/>
+              <a:t>感恩徐哥（徐月华）</a:t>
+            </a:r>
+            <a:r>
+              <a:rPr lang="en-US" altLang="zh-CN" dirty="0"/>
+              <a:t>—— </a:t>
+            </a:r>
+            <a:r>
+              <a:rPr lang="zh-CN" altLang="en-US" dirty="0"/>
+              <a:t>我的面试官是徐哥，徐哥面试的方式是一步一步引导我回答，这无疑是能提高我回答的效率。进公司后，在工作上他也多次单独找过我谈话，问工作上有什么问题，有什么问题吗，十分的关心。</a:t>
+            </a:r>
+            <a:endParaRPr lang="en-US" altLang="zh-CN" dirty="0"/>
+          </a:p>
+          <a:p>
+            <a:endParaRPr lang="en-US" altLang="zh-CN" dirty="0"/>
+          </a:p>
+          <a:p>
+            <a:endParaRPr lang="en-US" altLang="zh-CN" dirty="0"/>
+          </a:p>
+          <a:p>
+            <a:r>
+              <a:rPr lang="zh-CN" altLang="en-US" dirty="0"/>
+              <a:t>感恩梁梁大佬（刘梁梁）</a:t>
+            </a:r>
+            <a:r>
+              <a:rPr lang="en-US" altLang="zh-CN" dirty="0"/>
+              <a:t>—— </a:t>
+            </a:r>
+            <a:r>
+              <a:rPr lang="zh-CN" altLang="en-US" dirty="0"/>
+              <a:t>梁梁大佬教会我很多的代码规范和编程优化知识。</a:t>
+            </a:r>
+            <a:endParaRPr lang="en-US" altLang="zh-CN" dirty="0"/>
+          </a:p>
+          <a:p>
+            <a:r>
+              <a:rPr lang="zh-CN" altLang="en-US" dirty="0"/>
+              <a:t>工作上有什么问题，他也会第一时间给我解答。</a:t>
+            </a:r>
+          </a:p>
+        </p:txBody>
+      </p:sp>
+    </p:spTree>
+    <p:extLst>
+      <p:ext uri="{BB962C8B-B14F-4D97-AF65-F5344CB8AC3E}">
+        <p14:creationId xmlns:p14="http://schemas.microsoft.com/office/powerpoint/2010/main" val="4119212475"/>
+      </p:ext>
+    </p:extLst>
+  </p:cSld>
+  <p:clrMapOvr>
+    <a:masterClrMapping/>
+  </p:clrMapOvr>
+</p:sld>
+</file>
+
+<file path=ppt/slides/slide14.xml><?xml version="1.0" encoding="utf-8"?>
 <p:sld xmlns:a="http://schemas.openxmlformats.org/drawingml/2006/main" xmlns:r="http://schemas.openxmlformats.org/officeDocument/2006/relationships" xmlns:p="http://schemas.openxmlformats.org/presentationml/2006/main">
   <p:cSld>
     <p:bg>
@@ -6410,18 +7422,22 @@
                 <a:latin typeface="微软雅黑" panose="020B0503020204020204" pitchFamily="34" charset="-122"/>
                 <a:ea typeface="微软雅黑" panose="020B0503020204020204" pitchFamily="34" charset="-122"/>
               </a:rPr>
-              <a:t>一、个人介绍（</a:t>
-            </a:r>
-            <a:r>
-              <a:rPr lang="en-US" altLang="zh-CN" sz="1600" dirty="0">
-                <a:solidFill>
-                  <a:schemeClr val="bg1"/>
-                </a:solidFill>
-                <a:latin typeface="微软雅黑" panose="020B0503020204020204" pitchFamily="34" charset="-122"/>
-                <a:ea typeface="微软雅黑" panose="020B0503020204020204" pitchFamily="34" charset="-122"/>
-              </a:rPr>
-              <a:t>1min</a:t>
-            </a:r>
+              <a:t>一、个人介绍</a:t>
+            </a:r>
+            <a:endParaRPr lang="en-US" altLang="zh-CN" sz="1600" dirty="0">
+              <a:solidFill>
+                <a:schemeClr val="bg1"/>
+              </a:solidFill>
+              <a:latin typeface="微软雅黑" panose="020B0503020204020204" pitchFamily="34" charset="-122"/>
+              <a:ea typeface="微软雅黑" panose="020B0503020204020204" pitchFamily="34" charset="-122"/>
+            </a:endParaRPr>
+          </a:p>
+          <a:p>
+            <a:pPr>
+              <a:lnSpc>
+                <a:spcPct val="150000"/>
+              </a:lnSpc>
+            </a:pPr>
             <a:r>
               <a:rPr lang="zh-CN" altLang="en-US" sz="1600" dirty="0">
                 <a:solidFill>
@@ -6430,7 +7446,7 @@
                 <a:latin typeface="微软雅黑" panose="020B0503020204020204" pitchFamily="34" charset="-122"/>
                 <a:ea typeface="微软雅黑" panose="020B0503020204020204" pitchFamily="34" charset="-122"/>
               </a:rPr>
-              <a:t>）</a:t>
+              <a:t>二、工作复盘</a:t>
             </a:r>
             <a:endParaRPr lang="en-US" altLang="zh-CN" sz="1600" dirty="0">
               <a:solidFill>
@@ -6454,18 +7470,22 @@
                 <a:latin typeface="微软雅黑" panose="020B0503020204020204" pitchFamily="34" charset="-122"/>
                 <a:ea typeface="微软雅黑" panose="020B0503020204020204" pitchFamily="34" charset="-122"/>
               </a:rPr>
-              <a:t>二、工作复盘（</a:t>
-            </a:r>
-            <a:r>
-              <a:rPr lang="en-US" altLang="zh-CN" sz="1600" dirty="0">
-                <a:solidFill>
-                  <a:schemeClr val="bg1"/>
-                </a:solidFill>
-                <a:latin typeface="微软雅黑" panose="020B0503020204020204" pitchFamily="34" charset="-122"/>
-                <a:ea typeface="微软雅黑" panose="020B0503020204020204" pitchFamily="34" charset="-122"/>
-              </a:rPr>
-              <a:t>8min</a:t>
-            </a:r>
+              <a:t>三、优劣分析</a:t>
+            </a:r>
+            <a:endParaRPr lang="en-US" altLang="zh-CN" sz="1600" dirty="0">
+              <a:solidFill>
+                <a:schemeClr val="bg1"/>
+              </a:solidFill>
+              <a:latin typeface="微软雅黑" panose="020B0503020204020204" pitchFamily="34" charset="-122"/>
+              <a:ea typeface="微软雅黑" panose="020B0503020204020204" pitchFamily="34" charset="-122"/>
+            </a:endParaRPr>
+          </a:p>
+          <a:p>
+            <a:pPr>
+              <a:lnSpc>
+                <a:spcPct val="150000"/>
+              </a:lnSpc>
+            </a:pPr>
             <a:r>
               <a:rPr lang="zh-CN" altLang="en-US" sz="1600" dirty="0">
                 <a:solidFill>
@@ -6474,7 +7494,7 @@
                 <a:latin typeface="微软雅黑" panose="020B0503020204020204" pitchFamily="34" charset="-122"/>
                 <a:ea typeface="微软雅黑" panose="020B0503020204020204" pitchFamily="34" charset="-122"/>
               </a:rPr>
-              <a:t>）</a:t>
+              <a:t>四、未来规划</a:t>
             </a:r>
             <a:endParaRPr lang="en-US" altLang="zh-CN" sz="1600" dirty="0">
               <a:solidFill>
@@ -6498,115 +7518,7 @@
                 <a:latin typeface="微软雅黑" panose="020B0503020204020204" pitchFamily="34" charset="-122"/>
                 <a:ea typeface="微软雅黑" panose="020B0503020204020204" pitchFamily="34" charset="-122"/>
               </a:rPr>
-              <a:t>三、优劣分析（</a:t>
-            </a:r>
-            <a:r>
-              <a:rPr lang="en-US" altLang="zh-CN" sz="1600" dirty="0">
-                <a:solidFill>
-                  <a:schemeClr val="bg1"/>
-                </a:solidFill>
-                <a:latin typeface="微软雅黑" panose="020B0503020204020204" pitchFamily="34" charset="-122"/>
-                <a:ea typeface="微软雅黑" panose="020B0503020204020204" pitchFamily="34" charset="-122"/>
-              </a:rPr>
-              <a:t>3min</a:t>
-            </a:r>
-            <a:r>
-              <a:rPr lang="zh-CN" altLang="en-US" sz="1600" dirty="0">
-                <a:solidFill>
-                  <a:schemeClr val="bg1"/>
-                </a:solidFill>
-                <a:latin typeface="微软雅黑" panose="020B0503020204020204" pitchFamily="34" charset="-122"/>
-                <a:ea typeface="微软雅黑" panose="020B0503020204020204" pitchFamily="34" charset="-122"/>
-              </a:rPr>
-              <a:t>）</a:t>
-            </a:r>
-            <a:endParaRPr lang="en-US" altLang="zh-CN" sz="1600" dirty="0">
-              <a:solidFill>
-                <a:schemeClr val="bg1"/>
-              </a:solidFill>
-              <a:latin typeface="微软雅黑" panose="020B0503020204020204" pitchFamily="34" charset="-122"/>
-              <a:ea typeface="微软雅黑" panose="020B0503020204020204" pitchFamily="34" charset="-122"/>
-            </a:endParaRPr>
-          </a:p>
-          <a:p>
-            <a:pPr>
-              <a:lnSpc>
-                <a:spcPct val="150000"/>
-              </a:lnSpc>
-            </a:pPr>
-            <a:r>
-              <a:rPr lang="zh-CN" altLang="en-US" sz="1600" dirty="0">
-                <a:solidFill>
-                  <a:schemeClr val="bg1"/>
-                </a:solidFill>
-                <a:latin typeface="微软雅黑" panose="020B0503020204020204" pitchFamily="34" charset="-122"/>
-                <a:ea typeface="微软雅黑" panose="020B0503020204020204" pitchFamily="34" charset="-122"/>
-              </a:rPr>
-              <a:t>四、未来规划（</a:t>
-            </a:r>
-            <a:r>
-              <a:rPr lang="en-US" altLang="zh-CN" sz="1600" dirty="0">
-                <a:solidFill>
-                  <a:schemeClr val="bg1"/>
-                </a:solidFill>
-                <a:latin typeface="微软雅黑" panose="020B0503020204020204" pitchFamily="34" charset="-122"/>
-                <a:ea typeface="微软雅黑" panose="020B0503020204020204" pitchFamily="34" charset="-122"/>
-              </a:rPr>
-              <a:t>2min</a:t>
-            </a:r>
-            <a:r>
-              <a:rPr lang="zh-CN" altLang="en-US" sz="1600" dirty="0">
-                <a:solidFill>
-                  <a:schemeClr val="bg1"/>
-                </a:solidFill>
-                <a:latin typeface="微软雅黑" panose="020B0503020204020204" pitchFamily="34" charset="-122"/>
-                <a:ea typeface="微软雅黑" panose="020B0503020204020204" pitchFamily="34" charset="-122"/>
-              </a:rPr>
-              <a:t>）</a:t>
-            </a:r>
-            <a:endParaRPr lang="en-US" altLang="zh-CN" sz="1600" dirty="0">
-              <a:solidFill>
-                <a:schemeClr val="bg1"/>
-              </a:solidFill>
-              <a:latin typeface="微软雅黑" panose="020B0503020204020204" pitchFamily="34" charset="-122"/>
-              <a:ea typeface="微软雅黑" panose="020B0503020204020204" pitchFamily="34" charset="-122"/>
-            </a:endParaRPr>
-          </a:p>
-          <a:p>
-            <a:pPr>
-              <a:lnSpc>
-                <a:spcPct val="150000"/>
-              </a:lnSpc>
-            </a:pPr>
-            <a:r>
-              <a:rPr lang="zh-CN" altLang="en-US" sz="1600" dirty="0">
-                <a:solidFill>
-                  <a:schemeClr val="bg1"/>
-                </a:solidFill>
-                <a:latin typeface="微软雅黑" panose="020B0503020204020204" pitchFamily="34" charset="-122"/>
-                <a:ea typeface="微软雅黑" panose="020B0503020204020204" pitchFamily="34" charset="-122"/>
-              </a:rPr>
-              <a:t>五、自主发挥（名字可改成自定义的主题名称）（</a:t>
-            </a:r>
-            <a:r>
-              <a:rPr lang="en-US" altLang="zh-CN" sz="1600" dirty="0">
-                <a:solidFill>
-                  <a:schemeClr val="bg1"/>
-                </a:solidFill>
-                <a:latin typeface="微软雅黑" panose="020B0503020204020204" pitchFamily="34" charset="-122"/>
-                <a:ea typeface="微软雅黑" panose="020B0503020204020204" pitchFamily="34" charset="-122"/>
-              </a:rPr>
-              <a:t>1min</a:t>
-            </a:r>
-            <a:r>
-              <a:rPr lang="zh-CN" altLang="en-US" sz="1600" dirty="0">
-                <a:solidFill>
-                  <a:schemeClr val="bg1"/>
-                </a:solidFill>
-                <a:latin typeface="微软雅黑" panose="020B0503020204020204" pitchFamily="34" charset="-122"/>
-                <a:ea typeface="微软雅黑" panose="020B0503020204020204" pitchFamily="34" charset="-122"/>
-              </a:rPr>
-              <a:t>）</a:t>
+              <a:t>五、感恩</a:t>
             </a:r>
             <a:endParaRPr lang="en-US" altLang="zh-CN" sz="1600" dirty="0">
               <a:solidFill>
@@ -7043,7 +7955,7 @@
         </p:nvSpPr>
         <p:spPr>
           <a:xfrm>
-            <a:off x="395536" y="1086627"/>
+            <a:off x="281932" y="1417588"/>
             <a:ext cx="8580136" cy="2308324"/>
           </a:xfrm>
           <a:prstGeom prst="rect">
@@ -7103,32 +8015,40 @@
               <a:t>后台：</a:t>
             </a:r>
             <a:r>
+              <a:rPr lang="en-US" altLang="zh-CN" dirty="0"/>
+              <a:t>java</a:t>
+            </a:r>
+            <a:r>
+              <a:rPr lang="zh-CN" altLang="en-US" dirty="0"/>
+              <a:t>，</a:t>
+            </a:r>
+            <a:r>
               <a:rPr lang="en-US" altLang="zh-CN" dirty="0" err="1"/>
-              <a:t>java,ssm</a:t>
-            </a:r>
-            <a:r>
-              <a:rPr lang="zh-CN" altLang="en-US" dirty="0"/>
-              <a:t>框架</a:t>
-            </a:r>
-            <a:r>
-              <a:rPr lang="en-US" altLang="zh-CN" dirty="0"/>
-              <a:t>,</a:t>
+              <a:t>ssm</a:t>
+            </a:r>
+            <a:r>
+              <a:rPr lang="zh-CN" altLang="en-US" dirty="0"/>
+              <a:t>框架，</a:t>
             </a:r>
             <a:r>
               <a:rPr lang="en-US" altLang="zh-CN" dirty="0" err="1"/>
               <a:t>springboot</a:t>
             </a:r>
             <a:r>
-              <a:rPr lang="en-US" altLang="zh-CN" dirty="0"/>
-              <a:t>, </a:t>
-            </a:r>
-            <a:r>
-              <a:rPr lang="zh-CN" altLang="en-US" dirty="0"/>
-              <a:t>自学过</a:t>
+              <a:rPr lang="zh-CN" altLang="en-US" dirty="0"/>
+              <a:t>。自学过</a:t>
             </a:r>
             <a:r>
               <a:rPr lang="en-US" altLang="zh-CN" dirty="0" err="1"/>
-              <a:t>springcloud,springboot</a:t>
+              <a:t>springcloud</a:t>
+            </a:r>
+            <a:r>
+              <a:rPr lang="zh-CN" altLang="en-US" dirty="0"/>
+              <a:t>，</a:t>
+            </a:r>
+            <a:r>
+              <a:rPr lang="en-US" altLang="zh-CN" dirty="0" err="1"/>
+              <a:t>springdata</a:t>
             </a:r>
             <a:r>
               <a:rPr lang="en-US" altLang="zh-CN" dirty="0"/>
@@ -7155,18 +8075,58 @@
             </a:r>
             <a:r>
               <a:rPr lang="en-US" altLang="zh-CN" dirty="0"/>
-              <a:t>html5,css3,javaScript,jquery ,</a:t>
+              <a:t>html5</a:t>
+            </a:r>
+            <a:r>
+              <a:rPr lang="zh-CN" altLang="en-US" dirty="0"/>
+              <a:t>，</a:t>
+            </a:r>
+            <a:r>
+              <a:rPr lang="en-US" altLang="zh-CN" dirty="0"/>
+              <a:t>css3</a:t>
+            </a:r>
+            <a:r>
+              <a:rPr lang="zh-CN" altLang="en-US" dirty="0"/>
+              <a:t>，</a:t>
             </a:r>
             <a:r>
               <a:rPr lang="en-US" altLang="zh-CN" dirty="0" err="1"/>
-              <a:t>Ajax,vue</a:t>
+              <a:t>javaScript</a:t>
+            </a:r>
+            <a:r>
+              <a:rPr lang="zh-CN" altLang="en-US" dirty="0"/>
+              <a:t>，</a:t>
+            </a:r>
+            <a:r>
+              <a:rPr lang="en-US" altLang="zh-CN" dirty="0" err="1"/>
+              <a:t>jquery</a:t>
+            </a:r>
+            <a:r>
+              <a:rPr lang="en-US" altLang="zh-CN" dirty="0"/>
+              <a:t> </a:t>
+            </a:r>
+            <a:r>
+              <a:rPr lang="zh-CN" altLang="en-US" dirty="0"/>
+              <a:t>，</a:t>
+            </a:r>
+            <a:r>
+              <a:rPr lang="en-US" altLang="zh-CN" dirty="0"/>
+              <a:t>Ajax</a:t>
+            </a:r>
+            <a:r>
+              <a:rPr lang="zh-CN" altLang="en-US" dirty="0"/>
+              <a:t>，</a:t>
+            </a:r>
+            <a:r>
+              <a:rPr lang="en-US" altLang="zh-CN" dirty="0" err="1"/>
+              <a:t>vue</a:t>
             </a:r>
             <a:endParaRPr lang="en-US" altLang="zh-CN" dirty="0"/>
           </a:p>
           <a:p>
             <a:r>
               <a:rPr lang="en-US" altLang="zh-CN" dirty="0"/>
-              <a:t>                     @</a:t>
+              <a:t>                      @</a:t>
             </a:r>
             <a:r>
               <a:rPr lang="zh-CN" altLang="en-US" dirty="0"/>
@@ -7827,8 +8787,8 @@
         </p:nvSpPr>
         <p:spPr>
           <a:xfrm>
-            <a:off x="502695" y="1383618"/>
-            <a:ext cx="8064896" cy="3139321"/>
+            <a:off x="392580" y="657150"/>
+            <a:ext cx="8064896" cy="4801314"/>
           </a:xfrm>
           <a:prstGeom prst="rect">
             <a:avLst/>
@@ -7841,6 +8801,10 @@
           </a:bodyPr>
           <a:lstStyle/>
           <a:p>
+            <a:pPr marL="285750" indent="-285750">
+              <a:buFont typeface="Wingdings" panose="05000000000000000000" pitchFamily="2" charset="2"/>
+              <a:buChar char="n"/>
+            </a:pPr>
             <a:r>
               <a:rPr lang="zh-CN" altLang="en-US" dirty="0"/>
               <a:t>开始实习时间：</a:t>
@@ -7867,26 +8831,48 @@
             </a:r>
             <a:r>
               <a:rPr lang="zh-CN" altLang="en-US" dirty="0"/>
-              <a:t>号</a:t>
+              <a:t>号。</a:t>
             </a:r>
             <a:endParaRPr lang="en-US" altLang="zh-CN" dirty="0"/>
           </a:p>
           <a:p>
+            <a:pPr marL="285750" indent="-285750">
+              <a:buFont typeface="Wingdings" panose="05000000000000000000" pitchFamily="2" charset="2"/>
+              <a:buChar char="n"/>
+            </a:pPr>
+            <a:endParaRPr lang="en-US" altLang="zh-CN" dirty="0"/>
+          </a:p>
+          <a:p>
+            <a:pPr marL="285750" indent="-285750">
+              <a:buFont typeface="Wingdings" panose="05000000000000000000" pitchFamily="2" charset="2"/>
+              <a:buChar char="n"/>
+            </a:pPr>
             <a:r>
               <a:rPr lang="zh-CN" altLang="en-US" dirty="0"/>
               <a:t>岗位认知：</a:t>
             </a:r>
             <a:r>
               <a:rPr lang="en-US" altLang="zh-CN" dirty="0"/>
-              <a:t>Java</a:t>
-            </a:r>
-            <a:r>
-              <a:rPr lang="zh-CN" altLang="en-US" dirty="0"/>
-              <a:t>开发工程师主要编写一个项目的逻辑部分，涉及到。。。。。。。</a:t>
+              <a:t>java</a:t>
+            </a:r>
+            <a:r>
+              <a:rPr lang="zh-CN" altLang="en-US" dirty="0"/>
+              <a:t>开发工程师，开发简单，但是要用的精很难。</a:t>
             </a:r>
             <a:endParaRPr lang="en-US" altLang="zh-CN" dirty="0"/>
           </a:p>
           <a:p>
+            <a:pPr marL="285750" indent="-285750">
+              <a:buFont typeface="Wingdings" panose="05000000000000000000" pitchFamily="2" charset="2"/>
+              <a:buChar char="n"/>
+            </a:pPr>
+            <a:endParaRPr lang="en-US" altLang="zh-CN" dirty="0"/>
+          </a:p>
+          <a:p>
+            <a:pPr marL="285750" indent="-285750">
+              <a:buFont typeface="Wingdings" panose="05000000000000000000" pitchFamily="2" charset="2"/>
+              <a:buChar char="n"/>
+            </a:pPr>
             <a:r>
               <a:rPr lang="zh-CN" altLang="en-US" dirty="0"/>
               <a:t>工作内容：完成导师和产品提出来的需求。</a:t>
@@ -7894,13 +8880,35 @@
             <a:endParaRPr lang="en-US" altLang="zh-CN" dirty="0"/>
           </a:p>
           <a:p>
-            <a:r>
-              <a:rPr lang="zh-CN" altLang="en-US" dirty="0"/>
-              <a:t>重点事件：第一次需求评审，第二次温泉团建，第三次测试用例评审。</a:t>
-            </a:r>
+            <a:pPr marL="285750" indent="-285750">
+              <a:buFont typeface="Wingdings" panose="05000000000000000000" pitchFamily="2" charset="2"/>
+              <a:buChar char="n"/>
+            </a:pPr>
             <a:endParaRPr lang="en-US" altLang="zh-CN" dirty="0"/>
           </a:p>
           <a:p>
+            <a:pPr marL="285750" indent="-285750">
+              <a:buFont typeface="Wingdings" panose="05000000000000000000" pitchFamily="2" charset="2"/>
+              <a:buChar char="n"/>
+            </a:pPr>
+            <a:r>
+              <a:rPr lang="zh-CN" altLang="en-US" dirty="0"/>
+              <a:t>重点事件：云平台需求评审，温泉团建，测试用例评审，新人关爱会。</a:t>
+            </a:r>
+            <a:endParaRPr lang="en-US" altLang="zh-CN" dirty="0"/>
+          </a:p>
+          <a:p>
+            <a:pPr marL="285750" indent="-285750">
+              <a:buFont typeface="Wingdings" panose="05000000000000000000" pitchFamily="2" charset="2"/>
+              <a:buChar char="n"/>
+            </a:pPr>
+            <a:endParaRPr lang="en-US" altLang="zh-CN" dirty="0"/>
+          </a:p>
+          <a:p>
+            <a:pPr marL="285750" indent="-285750">
+              <a:buFont typeface="Wingdings" panose="05000000000000000000" pitchFamily="2" charset="2"/>
+              <a:buChar char="n"/>
+            </a:pPr>
             <a:r>
               <a:rPr lang="zh-CN" altLang="en-US" dirty="0"/>
               <a:t>收获</a:t>
@@ -7919,11 +8927,22 @@
             </a:r>
             <a:r>
               <a:rPr lang="zh-CN" altLang="en-US" dirty="0"/>
-              <a:t>开发的规范，</a:t>
+              <a:t>开发的规范。</a:t>
             </a:r>
             <a:endParaRPr lang="en-US" altLang="zh-CN" dirty="0"/>
           </a:p>
           <a:p>
+            <a:pPr marL="285750" indent="-285750">
+              <a:buFont typeface="Wingdings" panose="05000000000000000000" pitchFamily="2" charset="2"/>
+              <a:buChar char="n"/>
+            </a:pPr>
+            <a:endParaRPr lang="en-US" altLang="zh-CN" dirty="0"/>
+          </a:p>
+          <a:p>
+            <a:pPr marL="285750" indent="-285750">
+              <a:buFont typeface="Wingdings" panose="05000000000000000000" pitchFamily="2" charset="2"/>
+              <a:buChar char="n"/>
+            </a:pPr>
             <a:r>
               <a:rPr lang="zh-CN" altLang="en-US" dirty="0"/>
               <a:t>可以提升的部分：接口的规范性，代码的简洁性。</a:t>
@@ -7931,24 +8950,46 @@
             <a:endParaRPr lang="en-US" altLang="zh-CN" dirty="0"/>
           </a:p>
           <a:p>
-            <a:r>
-              <a:rPr lang="zh-CN" altLang="en-US" dirty="0"/>
-              <a:t>创新点：？？？</a:t>
-            </a:r>
+            <a:pPr marL="285750" indent="-285750">
+              <a:buFont typeface="Wingdings" panose="05000000000000000000" pitchFamily="2" charset="2"/>
+              <a:buChar char="n"/>
+            </a:pPr>
             <a:endParaRPr lang="en-US" altLang="zh-CN" dirty="0"/>
           </a:p>
           <a:p>
+            <a:pPr marL="285750" indent="-285750">
+              <a:buFont typeface="Wingdings" panose="05000000000000000000" pitchFamily="2" charset="2"/>
+              <a:buChar char="n"/>
+            </a:pPr>
+            <a:r>
+              <a:rPr lang="zh-CN" altLang="en-US" dirty="0"/>
+              <a:t>对公司的建议：公共的方法可以整合起来做成一个代码库。</a:t>
+            </a:r>
+            <a:endParaRPr lang="en-US" altLang="zh-CN" dirty="0"/>
+          </a:p>
+          <a:p>
+            <a:pPr marL="285750" indent="-285750">
+              <a:buFont typeface="Wingdings" panose="05000000000000000000" pitchFamily="2" charset="2"/>
+              <a:buChar char="n"/>
+            </a:pPr>
+            <a:endParaRPr lang="en-US" altLang="zh-CN" dirty="0"/>
+          </a:p>
+          <a:p>
+            <a:pPr marL="285750" indent="-285750">
+              <a:buFont typeface="Wingdings" panose="05000000000000000000" pitchFamily="2" charset="2"/>
+              <a:buChar char="n"/>
+            </a:pPr>
             <a:r>
               <a:rPr lang="zh-CN" altLang="en-US" dirty="0"/>
               <a:t>打</a:t>
             </a:r>
             <a:r>
               <a:rPr lang="en-US" altLang="zh-CN" dirty="0"/>
-              <a:t>7</a:t>
-            </a:r>
-            <a:r>
-              <a:rPr lang="zh-CN" altLang="en-US" dirty="0"/>
-              <a:t>分：刚开始的迷茫期，整天发呆不知道干什么。代码规范，代码不严谨问题。对于公司业务了解太晚。</a:t>
+              <a:t>6</a:t>
+            </a:r>
+            <a:r>
+              <a:rPr lang="zh-CN" altLang="en-US" dirty="0"/>
+              <a:t>分：刚开始的迷茫期，整天发呆不知道干什么；代码规范，代码不严谨问题；对于公司业务了解太晚。</a:t>
             </a:r>
           </a:p>
           <a:p>
@@ -8140,110 +9181,6 @@
           </a:p>
         </p:txBody>
       </p:sp>
-      <p:sp>
-        <p:nvSpPr>
-          <p:cNvPr id="12" name="TextBox 5"/>
-          <p:cNvSpPr txBox="1"/>
-          <p:nvPr/>
-        </p:nvSpPr>
-        <p:spPr>
-          <a:xfrm>
-            <a:off x="2916348" y="2643758"/>
-            <a:ext cx="6444208" cy="1319977"/>
-          </a:xfrm>
-          <a:prstGeom prst="rect">
-            <a:avLst/>
-          </a:prstGeom>
-          <a:noFill/>
-        </p:spPr>
-        <p:txBody>
-          <a:bodyPr wrap="square" rtlCol="0">
-            <a:spAutoFit/>
-          </a:bodyPr>
-          <a:lstStyle/>
-          <a:p>
-            <a:pPr marL="285750" indent="-285750">
-              <a:lnSpc>
-                <a:spcPct val="200000"/>
-              </a:lnSpc>
-              <a:buClr>
-                <a:srgbClr val="24A19C"/>
-              </a:buClr>
-              <a:buSzPct val="70000"/>
-              <a:buFont typeface="Wingdings" panose="05000000000000000000" pitchFamily="2" charset="2"/>
-              <a:buChar char="n"/>
-            </a:pPr>
-            <a:r>
-              <a:rPr lang="zh-CN" altLang="en-US" sz="1400" dirty="0">
-                <a:solidFill>
-                  <a:srgbClr val="7D8E9F"/>
-                </a:solidFill>
-                <a:latin typeface="微软雅黑" panose="020B0503020204020204" pitchFamily="34" charset="-122"/>
-                <a:ea typeface="微软雅黑" panose="020B0503020204020204" pitchFamily="34" charset="-122"/>
-              </a:rPr>
-              <a:t>对照你对岗位的认知，进行优劣势的分析</a:t>
-            </a:r>
-          </a:p>
-          <a:p>
-            <a:pPr marL="285750" indent="-285750">
-              <a:lnSpc>
-                <a:spcPct val="200000"/>
-              </a:lnSpc>
-              <a:buClr>
-                <a:srgbClr val="24A19C"/>
-              </a:buClr>
-              <a:buSzPct val="70000"/>
-              <a:buFont typeface="Wingdings" panose="05000000000000000000" pitchFamily="2" charset="2"/>
-              <a:buChar char="n"/>
-            </a:pPr>
-            <a:r>
-              <a:rPr lang="zh-CN" altLang="en-US" sz="1400" dirty="0">
-                <a:solidFill>
-                  <a:srgbClr val="7D8E9F"/>
-                </a:solidFill>
-                <a:latin typeface="微软雅黑" panose="020B0503020204020204" pitchFamily="34" charset="-122"/>
-                <a:ea typeface="微软雅黑" panose="020B0503020204020204" pitchFamily="34" charset="-122"/>
-              </a:rPr>
-              <a:t>对于劣势项有无后续提升计划，如有，请列举具体行动计划</a:t>
-            </a:r>
-            <a:endParaRPr lang="en-US" altLang="zh-CN" sz="1400" dirty="0">
-              <a:solidFill>
-                <a:srgbClr val="7D8E9F"/>
-              </a:solidFill>
-              <a:latin typeface="微软雅黑" panose="020B0503020204020204" pitchFamily="34" charset="-122"/>
-              <a:ea typeface="微软雅黑" panose="020B0503020204020204" pitchFamily="34" charset="-122"/>
-            </a:endParaRPr>
-          </a:p>
-          <a:p>
-            <a:pPr>
-              <a:lnSpc>
-                <a:spcPct val="200000"/>
-              </a:lnSpc>
-              <a:buClr>
-                <a:srgbClr val="24A19C"/>
-              </a:buClr>
-              <a:buSzPct val="70000"/>
-            </a:pPr>
-            <a:r>
-              <a:rPr lang="zh-CN" altLang="en-US" sz="1400" dirty="0">
-                <a:solidFill>
-                  <a:srgbClr val="FF0000"/>
-                </a:solidFill>
-                <a:latin typeface="微软雅黑" panose="020B0503020204020204" pitchFamily="34" charset="-122"/>
-                <a:ea typeface="微软雅黑" panose="020B0503020204020204" pitchFamily="34" charset="-122"/>
-              </a:rPr>
-              <a:t>（此页为提示页，答辩时可删除）</a:t>
-            </a:r>
-            <a:endParaRPr lang="en-US" altLang="zh-CN" sz="1400" dirty="0">
-              <a:solidFill>
-                <a:srgbClr val="FF0000"/>
-              </a:solidFill>
-              <a:latin typeface="微软雅黑" panose="020B0503020204020204" pitchFamily="34" charset="-122"/>
-              <a:ea typeface="微软雅黑" panose="020B0503020204020204" pitchFamily="34" charset="-122"/>
-            </a:endParaRPr>
-          </a:p>
-        </p:txBody>
-      </p:sp>
     </p:spTree>
     <p:extLst>
       <p:ext uri="{BB962C8B-B14F-4D97-AF65-F5344CB8AC3E}">
@@ -8379,7 +9316,7 @@
                 <a:latin typeface="微软雅黑" panose="020B0503020204020204" pitchFamily="34" charset="-122"/>
                 <a:ea typeface="微软雅黑" panose="020B0503020204020204" pitchFamily="34" charset="-122"/>
               </a:rPr>
-              <a:t>内容页面</a:t>
+              <a:t>优势分析</a:t>
             </a:r>
           </a:p>
         </p:txBody>
@@ -8444,8 +9381,8 @@
         </p:nvSpPr>
         <p:spPr>
           <a:xfrm>
-            <a:off x="539552" y="987574"/>
-            <a:ext cx="8136904" cy="923330"/>
+            <a:off x="430687" y="773299"/>
+            <a:ext cx="8136904" cy="3508653"/>
           </a:xfrm>
           <a:prstGeom prst="rect">
             <a:avLst/>
@@ -8462,23 +9399,252 @@
               <a:rPr lang="zh-CN" altLang="en-US" dirty="0"/>
               <a:t>岗位认知：</a:t>
             </a:r>
+            <a:r>
+              <a:rPr lang="en-US" altLang="zh-CN" dirty="0"/>
+              <a:t>java</a:t>
+            </a:r>
+            <a:r>
+              <a:rPr lang="zh-CN" altLang="en-US" dirty="0"/>
+              <a:t>开发工程师，开发简单，但是要用的精很难，需要经验。</a:t>
+            </a:r>
             <a:endParaRPr lang="en-US" altLang="zh-CN" dirty="0"/>
           </a:p>
           <a:p>
-            <a:r>
-              <a:rPr lang="zh-CN" altLang="en-US" dirty="0"/>
-              <a:t>优势：</a:t>
-            </a:r>
             <a:endParaRPr lang="en-US" altLang="zh-CN" dirty="0"/>
           </a:p>
           <a:p>
             <a:r>
               <a:rPr lang="zh-CN" altLang="en-US" dirty="0"/>
-              <a:t>劣势：</a:t>
-            </a:r>
-          </a:p>
-        </p:txBody>
-      </p:sp>
+              <a:t>优势：我喜欢看博客上的帖子，看到过一些新的技术，比较乐意去学习。跟着老师做过项目，自己有时候也会写写</a:t>
+            </a:r>
+            <a:r>
+              <a:rPr lang="en-US" altLang="zh-CN" dirty="0"/>
+              <a:t>Demo</a:t>
+            </a:r>
+            <a:r>
+              <a:rPr lang="zh-CN" altLang="en-US" dirty="0"/>
+              <a:t>。</a:t>
+            </a:r>
+            <a:endParaRPr lang="en-US" altLang="zh-CN" dirty="0"/>
+          </a:p>
+          <a:p>
+            <a:endParaRPr lang="en-US" altLang="zh-CN" dirty="0"/>
+          </a:p>
+          <a:p>
+            <a:endParaRPr lang="en-US" altLang="zh-CN" dirty="0"/>
+          </a:p>
+          <a:p>
+            <a:endParaRPr lang="en-US" altLang="zh-CN" dirty="0"/>
+          </a:p>
+          <a:p>
+            <a:endParaRPr lang="en-US" altLang="zh-CN" dirty="0"/>
+          </a:p>
+          <a:p>
+            <a:endParaRPr lang="en-US" altLang="zh-CN" sz="1050" dirty="0"/>
+          </a:p>
+          <a:p>
+            <a:r>
+              <a:rPr lang="zh-CN" altLang="en-US" sz="1050" dirty="0"/>
+              <a:t>项目名称：看点资讯</a:t>
+            </a:r>
+            <a:r>
+              <a:rPr lang="en-US" altLang="zh-CN" sz="1050" dirty="0"/>
+              <a:t>	                      </a:t>
+            </a:r>
+            <a:r>
+              <a:rPr lang="zh-CN" altLang="en-US" sz="1050" dirty="0"/>
+              <a:t>项目名称：公司</a:t>
+            </a:r>
+            <a:r>
+              <a:rPr lang="en-US" altLang="zh-CN" sz="1050" dirty="0"/>
+              <a:t>CRM</a:t>
+            </a:r>
+            <a:r>
+              <a:rPr lang="zh-CN" altLang="en-US" sz="1050" dirty="0"/>
+              <a:t>系统</a:t>
+            </a:r>
+            <a:r>
+              <a:rPr lang="en-US" altLang="zh-CN" sz="1050" dirty="0"/>
+              <a:t>	                    </a:t>
+            </a:r>
+            <a:r>
+              <a:rPr lang="zh-CN" altLang="en-US" sz="1050" dirty="0"/>
+              <a:t>项目名称：</a:t>
+            </a:r>
+            <a:r>
+              <a:rPr lang="en-US" altLang="zh-CN" sz="1050" dirty="0"/>
+              <a:t>spider</a:t>
+            </a:r>
+            <a:r>
+              <a:rPr lang="zh-CN" altLang="en-US" sz="1050" dirty="0"/>
+              <a:t>小说音乐爬虫</a:t>
+            </a:r>
+            <a:endParaRPr lang="en-US" altLang="zh-CN" sz="1050" dirty="0"/>
+          </a:p>
+          <a:p>
+            <a:r>
+              <a:rPr lang="en-US" altLang="zh-CN" sz="1050" dirty="0" err="1"/>
+              <a:t>GitHub:https</a:t>
+            </a:r>
+            <a:r>
+              <a:rPr lang="en-US" altLang="zh-CN" sz="1050" dirty="0"/>
+              <a:t>://github.com/</a:t>
+            </a:r>
+            <a:r>
+              <a:rPr lang="en-US" altLang="zh-CN" sz="1050" dirty="0" err="1"/>
+              <a:t>Aubwls</a:t>
+            </a:r>
+            <a:r>
+              <a:rPr lang="en-US" altLang="zh-CN" sz="1050" dirty="0"/>
+              <a:t>/CMS          </a:t>
+            </a:r>
+            <a:r>
+              <a:rPr lang="en-US" altLang="zh-CN" sz="1050" dirty="0" err="1"/>
+              <a:t>GitHub:https</a:t>
+            </a:r>
+            <a:r>
+              <a:rPr lang="en-US" altLang="zh-CN" sz="1050" dirty="0"/>
+              <a:t>://github.com/</a:t>
+            </a:r>
+            <a:r>
+              <a:rPr lang="en-US" altLang="zh-CN" sz="1050" dirty="0" err="1"/>
+              <a:t>Aubwls</a:t>
+            </a:r>
+            <a:r>
+              <a:rPr lang="en-US" altLang="zh-CN" sz="1050" dirty="0"/>
+              <a:t>/CRM                GitHub: https://github.com/Aubwls/spiderProject</a:t>
+            </a:r>
+            <a:endParaRPr lang="en-US" altLang="zh-CN" dirty="0"/>
+          </a:p>
+          <a:p>
+            <a:r>
+              <a:rPr lang="en-US" altLang="zh-CN" sz="1050" dirty="0" err="1"/>
+              <a:t>GItHub:https</a:t>
+            </a:r>
+            <a:r>
+              <a:rPr lang="en-US" altLang="zh-CN" sz="1050" dirty="0"/>
+              <a:t>://github.com/Aubwls/CMS_HTML		                                                  GitHub: https://github.com/Aubwls/spider</a:t>
+            </a:r>
+          </a:p>
+          <a:p>
+            <a:endParaRPr lang="en-US" altLang="zh-CN" dirty="0"/>
+          </a:p>
+          <a:p>
+            <a:r>
+              <a:rPr lang="zh-CN" altLang="en-US" dirty="0"/>
+              <a:t>劣势：学的很杂，并没有往底层去钻研。（未来有这个计划）</a:t>
+            </a:r>
+          </a:p>
+        </p:txBody>
+      </p:sp>
+      <p:pic>
+        <p:nvPicPr>
+          <p:cNvPr id="4" name="图片 3">
+            <a:extLst>
+              <a:ext uri="{FF2B5EF4-FFF2-40B4-BE49-F238E27FC236}">
+                <a16:creationId xmlns:a16="http://schemas.microsoft.com/office/drawing/2014/main" id="{53012876-0E00-4A20-BA6C-02056A33FBC2}"/>
+              </a:ext>
+            </a:extLst>
+          </p:cNvPr>
+          <p:cNvPicPr>
+            <a:picLocks noChangeAspect="1"/>
+          </p:cNvPicPr>
+          <p:nvPr/>
+        </p:nvPicPr>
+        <p:blipFill>
+          <a:blip r:embed="rId3" cstate="print">
+            <a:extLst>
+              <a:ext uri="{28A0092B-C50C-407E-A947-70E740481C1C}">
+                <a14:useLocalDpi xmlns:a14="http://schemas.microsoft.com/office/drawing/2010/main" val="0"/>
+              </a:ext>
+            </a:extLst>
+          </a:blip>
+          <a:stretch>
+            <a:fillRect/>
+          </a:stretch>
+        </p:blipFill>
+        <p:spPr>
+          <a:xfrm>
+            <a:off x="1043608" y="2062348"/>
+            <a:ext cx="1018803" cy="1018803"/>
+          </a:xfrm>
+          <a:prstGeom prst="rect">
+            <a:avLst/>
+          </a:prstGeom>
+        </p:spPr>
+      </p:pic>
+      <p:pic>
+        <p:nvPicPr>
+          <p:cNvPr id="6" name="图片 5">
+            <a:extLst>
+              <a:ext uri="{FF2B5EF4-FFF2-40B4-BE49-F238E27FC236}">
+                <a16:creationId xmlns:a16="http://schemas.microsoft.com/office/drawing/2014/main" id="{08C9A86B-EE9D-4307-AC55-9AAA786B49F9}"/>
+              </a:ext>
+            </a:extLst>
+          </p:cNvPr>
+          <p:cNvPicPr>
+            <a:picLocks noChangeAspect="1"/>
+          </p:cNvPicPr>
+          <p:nvPr/>
+        </p:nvPicPr>
+        <p:blipFill>
+          <a:blip r:embed="rId4" cstate="print">
+            <a:extLst>
+              <a:ext uri="{28A0092B-C50C-407E-A947-70E740481C1C}">
+                <a14:useLocalDpi xmlns:a14="http://schemas.microsoft.com/office/drawing/2010/main" val="0"/>
+              </a:ext>
+            </a:extLst>
+          </a:blip>
+          <a:stretch>
+            <a:fillRect/>
+          </a:stretch>
+        </p:blipFill>
+        <p:spPr>
+          <a:xfrm>
+            <a:off x="3657854" y="2062348"/>
+            <a:ext cx="1046895" cy="1046895"/>
+          </a:xfrm>
+          <a:prstGeom prst="rect">
+            <a:avLst/>
+          </a:prstGeom>
+        </p:spPr>
+      </p:pic>
+      <p:pic>
+        <p:nvPicPr>
+          <p:cNvPr id="8" name="图片 7">
+            <a:extLst>
+              <a:ext uri="{FF2B5EF4-FFF2-40B4-BE49-F238E27FC236}">
+                <a16:creationId xmlns:a16="http://schemas.microsoft.com/office/drawing/2014/main" id="{DD6253D6-6CEC-42C3-8538-5DC5A4AE09C0}"/>
+              </a:ext>
+            </a:extLst>
+          </p:cNvPr>
+          <p:cNvPicPr>
+            <a:picLocks noChangeAspect="1"/>
+          </p:cNvPicPr>
+          <p:nvPr/>
+        </p:nvPicPr>
+        <p:blipFill>
+          <a:blip r:embed="rId5" cstate="print">
+            <a:extLst>
+              <a:ext uri="{28A0092B-C50C-407E-A947-70E740481C1C}">
+                <a14:useLocalDpi xmlns:a14="http://schemas.microsoft.com/office/drawing/2010/main" val="0"/>
+              </a:ext>
+            </a:extLst>
+          </a:blip>
+          <a:stretch>
+            <a:fillRect/>
+          </a:stretch>
+        </p:blipFill>
+        <p:spPr>
+          <a:xfrm>
+            <a:off x="6300192" y="2062348"/>
+            <a:ext cx="1046895" cy="1046895"/>
+          </a:xfrm>
+          <a:prstGeom prst="rect">
+            <a:avLst/>
+          </a:prstGeom>
+        </p:spPr>
+      </p:pic>
     </p:spTree>
     <p:extLst>
       <p:ext uri="{BB962C8B-B14F-4D97-AF65-F5344CB8AC3E}">
@@ -8674,130 +9840,6 @@
               </a:rPr>
               <a:t>未来规划</a:t>
             </a:r>
-          </a:p>
-        </p:txBody>
-      </p:sp>
-      <p:sp>
-        <p:nvSpPr>
-          <p:cNvPr id="12" name="TextBox 5"/>
-          <p:cNvSpPr txBox="1"/>
-          <p:nvPr/>
-        </p:nvSpPr>
-        <p:spPr>
-          <a:xfrm>
-            <a:off x="2916348" y="2643758"/>
-            <a:ext cx="6444208" cy="1384995"/>
-          </a:xfrm>
-          <a:prstGeom prst="rect">
-            <a:avLst/>
-          </a:prstGeom>
-          <a:noFill/>
-        </p:spPr>
-        <p:txBody>
-          <a:bodyPr wrap="square" rtlCol="0">
-            <a:spAutoFit/>
-          </a:bodyPr>
-          <a:lstStyle/>
-          <a:p>
-            <a:pPr marL="285750" indent="-285750">
-              <a:lnSpc>
-                <a:spcPct val="200000"/>
-              </a:lnSpc>
-              <a:buClr>
-                <a:srgbClr val="24A19C"/>
-              </a:buClr>
-              <a:buSzPct val="70000"/>
-              <a:buFont typeface="Wingdings" panose="05000000000000000000" pitchFamily="2" charset="2"/>
-              <a:buChar char="n"/>
-            </a:pPr>
-            <a:r>
-              <a:rPr lang="zh-CN" altLang="en-US" sz="1400" dirty="0">
-                <a:solidFill>
-                  <a:srgbClr val="7D8E9F"/>
-                </a:solidFill>
-                <a:latin typeface="微软雅黑" panose="020B0503020204020204" pitchFamily="34" charset="-122"/>
-                <a:ea typeface="微软雅黑" panose="020B0503020204020204" pitchFamily="34" charset="-122"/>
-              </a:rPr>
-              <a:t>未来</a:t>
-            </a:r>
-            <a:r>
-              <a:rPr lang="en-US" altLang="zh-CN" sz="1400" dirty="0">
-                <a:solidFill>
-                  <a:srgbClr val="7D8E9F"/>
-                </a:solidFill>
-                <a:latin typeface="微软雅黑" panose="020B0503020204020204" pitchFamily="34" charset="-122"/>
-                <a:ea typeface="微软雅黑" panose="020B0503020204020204" pitchFamily="34" charset="-122"/>
-              </a:rPr>
-              <a:t>1</a:t>
-            </a:r>
-            <a:r>
-              <a:rPr lang="zh-CN" altLang="en-US" sz="1400" dirty="0">
-                <a:solidFill>
-                  <a:srgbClr val="7D8E9F"/>
-                </a:solidFill>
-                <a:latin typeface="微软雅黑" panose="020B0503020204020204" pitchFamily="34" charset="-122"/>
-                <a:ea typeface="微软雅黑" panose="020B0503020204020204" pitchFamily="34" charset="-122"/>
-              </a:rPr>
-              <a:t>年你的计划是什么？</a:t>
-            </a:r>
-          </a:p>
-          <a:p>
-            <a:pPr marL="285750" indent="-285750">
-              <a:lnSpc>
-                <a:spcPct val="200000"/>
-              </a:lnSpc>
-              <a:buClr>
-                <a:srgbClr val="24A19C"/>
-              </a:buClr>
-              <a:buSzPct val="70000"/>
-              <a:buFont typeface="Wingdings" panose="05000000000000000000" pitchFamily="2" charset="2"/>
-              <a:buChar char="n"/>
-            </a:pPr>
-            <a:r>
-              <a:rPr lang="zh-CN" altLang="en-US" sz="1400" dirty="0">
-                <a:solidFill>
-                  <a:srgbClr val="7D8E9F"/>
-                </a:solidFill>
-                <a:latin typeface="微软雅黑" panose="020B0503020204020204" pitchFamily="34" charset="-122"/>
-                <a:ea typeface="微软雅黑" panose="020B0503020204020204" pitchFamily="34" charset="-122"/>
-              </a:rPr>
-              <a:t>分阶段需要达成的目标分别是什么？</a:t>
-            </a:r>
-            <a:endParaRPr lang="en-US" altLang="zh-CN" sz="1400" dirty="0">
-              <a:solidFill>
-                <a:srgbClr val="7D8E9F"/>
-              </a:solidFill>
-              <a:latin typeface="微软雅黑" panose="020B0503020204020204" pitchFamily="34" charset="-122"/>
-              <a:ea typeface="微软雅黑" panose="020B0503020204020204" pitchFamily="34" charset="-122"/>
-            </a:endParaRPr>
-          </a:p>
-          <a:p>
-            <a:pPr>
-              <a:lnSpc>
-                <a:spcPct val="200000"/>
-              </a:lnSpc>
-              <a:buClr>
-                <a:srgbClr val="24A19C"/>
-              </a:buClr>
-              <a:buSzPct val="70000"/>
-            </a:pPr>
-            <a:r>
-              <a:rPr lang="zh-CN" altLang="en-US" sz="1400" dirty="0">
-                <a:solidFill>
-                  <a:srgbClr val="FF0000"/>
-                </a:solidFill>
-                <a:latin typeface="微软雅黑" panose="020B0503020204020204" pitchFamily="34" charset="-122"/>
-                <a:ea typeface="微软雅黑" panose="020B0503020204020204" pitchFamily="34" charset="-122"/>
-              </a:rPr>
-              <a:t>（此页为提示页，答辩时可删除）</a:t>
-            </a:r>
-            <a:endParaRPr lang="en-US" altLang="zh-CN" sz="1400" dirty="0">
-              <a:solidFill>
-                <a:srgbClr val="FF0000"/>
-              </a:solidFill>
-              <a:latin typeface="微软雅黑" panose="020B0503020204020204" pitchFamily="34" charset="-122"/>
-              <a:ea typeface="微软雅黑" panose="020B0503020204020204" pitchFamily="34" charset="-122"/>
-            </a:endParaRPr>
           </a:p>
         </p:txBody>
       </p:sp>
